--- a/ImitationLearningRB_Presentation.pptx
+++ b/ImitationLearningRB_Presentation.pptx
@@ -106,6 +106,19 @@
     </a:lvl9pPr>
   </p:defaultTextStyle>
   <p:extLst>
+    <p:ext uri="{521415D9-36F7-43E2-AB2F-B90AF26B5E84}">
+      <p14:sectionLst xmlns:p14="http://schemas.microsoft.com/office/powerpoint/2010/main">
+        <p14:section name="Default Section" id="{07C66CC1-24C3-4A35-B60E-26F8B49E9883}">
+          <p14:sldIdLst>
+            <p14:sldId id="257"/>
+            <p14:sldId id="260"/>
+          </p14:sldIdLst>
+        </p14:section>
+        <p14:section name="Restraining Bolt" id="{0C58BA48-B173-4F97-A01D-3A4BE8ABFB77}">
+          <p14:sldIdLst/>
+        </p14:section>
+      </p14:sectionLst>
+    </p:ext>
     <p:ext uri="{EFAFB233-063F-42B5-8137-9DF3F51BA10A}">
       <p15:sldGuideLst xmlns:p15="http://schemas.microsoft.com/office/powerpoint/2012/main"/>
     </p:ext>
@@ -3461,7 +3474,7 @@
         </p:nvSpPr>
         <p:spPr>
           <a:xfrm>
-            <a:off x="641444" y="532263"/>
+            <a:off x="575250" y="416230"/>
             <a:ext cx="6346210" cy="646331"/>
           </a:xfrm>
           <a:prstGeom prst="rect">
@@ -3476,11 +3489,217 @@
           <a:lstStyle/>
           <a:p>
             <a:r>
-              <a:rPr lang="en-US" sz="3600" b="1" dirty="0">
+              <a:rPr lang="en-US" sz="3600" b="1">
                 <a:latin typeface="Adobe Garamond Pro" panose="02020502060506020403" pitchFamily="18" charset="0"/>
               </a:rPr>
-              <a:t>Objective</a:t>
-            </a:r>
+              <a:t>Outline</a:t>
+            </a:r>
+            <a:endParaRPr lang="en-US" sz="3600" b="1" dirty="0">
+              <a:latin typeface="Adobe Garamond Pro" panose="02020502060506020403" pitchFamily="18" charset="0"/>
+            </a:endParaRPr>
+          </a:p>
+        </p:txBody>
+      </p:sp>
+      <p:sp>
+        <p:nvSpPr>
+          <p:cNvPr id="6" name="TextBox 5">
+            <a:extLst>
+              <a:ext uri="{FF2B5EF4-FFF2-40B4-BE49-F238E27FC236}">
+                <a16:creationId xmlns:a16="http://schemas.microsoft.com/office/drawing/2014/main" id="{C92017EB-394F-4A27-85A1-D8F1F809DF6C}"/>
+              </a:ext>
+            </a:extLst>
+          </p:cNvPr>
+          <p:cNvSpPr txBox="1"/>
+          <p:nvPr/>
+        </p:nvSpPr>
+        <p:spPr>
+          <a:xfrm>
+            <a:off x="983155" y="1224194"/>
+            <a:ext cx="10768084" cy="6555641"/>
+          </a:xfrm>
+          <a:prstGeom prst="rect">
+            <a:avLst/>
+          </a:prstGeom>
+          <a:noFill/>
+        </p:spPr>
+        <p:txBody>
+          <a:bodyPr wrap="square" rtlCol="0">
+            <a:spAutoFit/>
+          </a:bodyPr>
+          <a:lstStyle/>
+          <a:p>
+            <a:pPr marL="457200" indent="-457200" algn="just">
+              <a:buFont typeface="Wingdings" panose="05000000000000000000" pitchFamily="2" charset="2"/>
+              <a:buChar char="Ø"/>
+            </a:pPr>
+            <a:r>
+              <a:rPr lang="en-US" sz="2800" dirty="0">
+                <a:latin typeface="Adobe Garamond Pro" panose="02020502060506020403" pitchFamily="18" charset="0"/>
+              </a:rPr>
+              <a:t>Original paper</a:t>
+            </a:r>
+          </a:p>
+          <a:p>
+            <a:pPr marL="914400" lvl="1" indent="-457200" algn="just">
+              <a:buFont typeface="Wingdings" panose="05000000000000000000" pitchFamily="2" charset="2"/>
+              <a:buChar char="§"/>
+            </a:pPr>
+            <a:r>
+              <a:rPr lang="en-US" sz="2800" dirty="0">
+                <a:latin typeface="Adobe Garamond Pro" panose="02020502060506020403" pitchFamily="18" charset="0"/>
+              </a:rPr>
+              <a:t>Problem definition</a:t>
+            </a:r>
+          </a:p>
+          <a:p>
+            <a:pPr marL="914400" lvl="1" indent="-457200" algn="just">
+              <a:buFont typeface="Wingdings" panose="05000000000000000000" pitchFamily="2" charset="2"/>
+              <a:buChar char="§"/>
+            </a:pPr>
+            <a:r>
+              <a:rPr lang="en-US" sz="2800" dirty="0">
+                <a:latin typeface="Adobe Garamond Pro" panose="02020502060506020403" pitchFamily="18" charset="0"/>
+              </a:rPr>
+              <a:t>Restraining Bolts</a:t>
+            </a:r>
+          </a:p>
+          <a:p>
+            <a:pPr marL="914400" lvl="1" indent="-457200" algn="just">
+              <a:buFont typeface="Wingdings" panose="05000000000000000000" pitchFamily="2" charset="2"/>
+              <a:buChar char="§"/>
+            </a:pPr>
+            <a:r>
+              <a:rPr lang="en-US" sz="2800" dirty="0">
+                <a:latin typeface="Adobe Garamond Pro" panose="02020502060506020403" pitchFamily="18" charset="0"/>
+              </a:rPr>
+              <a:t>Imitation Learning</a:t>
+            </a:r>
+          </a:p>
+          <a:p>
+            <a:pPr marL="914400" lvl="1" indent="-457200" algn="just">
+              <a:buFont typeface="Wingdings" panose="05000000000000000000" pitchFamily="2" charset="2"/>
+              <a:buChar char="§"/>
+            </a:pPr>
+            <a:r>
+              <a:rPr lang="en-US" sz="2800" dirty="0">
+                <a:latin typeface="Adobe Garamond Pro" panose="02020502060506020403" pitchFamily="18" charset="0"/>
+              </a:rPr>
+              <a:t>Proposed solution </a:t>
+            </a:r>
+          </a:p>
+          <a:p>
+            <a:pPr marL="914400" lvl="1" indent="-457200" algn="just">
+              <a:buFont typeface="Wingdings" panose="05000000000000000000" pitchFamily="2" charset="2"/>
+              <a:buChar char="§"/>
+            </a:pPr>
+            <a:r>
+              <a:rPr lang="en-US" sz="2800" dirty="0">
+                <a:latin typeface="Adobe Garamond Pro" panose="02020502060506020403" pitchFamily="18" charset="0"/>
+              </a:rPr>
+              <a:t>Case studies: </a:t>
+            </a:r>
+          </a:p>
+          <a:p>
+            <a:pPr marL="1371600" lvl="2" indent="-457200" algn="just">
+              <a:buFont typeface="Arial" panose="020B0604020202020204" pitchFamily="34" charset="0"/>
+              <a:buChar char="•"/>
+            </a:pPr>
+            <a:r>
+              <a:rPr lang="en-US" sz="2400" dirty="0">
+                <a:latin typeface="Adobe Garamond Pro" panose="02020502060506020403" pitchFamily="18" charset="0"/>
+              </a:rPr>
+              <a:t>Breakout</a:t>
+            </a:r>
+          </a:p>
+          <a:p>
+            <a:pPr marL="1371600" lvl="2" indent="-457200" algn="just">
+              <a:buFont typeface="Arial" panose="020B0604020202020204" pitchFamily="34" charset="0"/>
+              <a:buChar char="•"/>
+            </a:pPr>
+            <a:r>
+              <a:rPr lang="en-US" sz="2400" dirty="0" err="1">
+                <a:latin typeface="Adobe Garamond Pro" panose="02020502060506020403" pitchFamily="18" charset="0"/>
+              </a:rPr>
+              <a:t>Sapientino</a:t>
+            </a:r>
+            <a:endParaRPr lang="en-US" sz="2400" dirty="0">
+              <a:latin typeface="Adobe Garamond Pro" panose="02020502060506020403" pitchFamily="18" charset="0"/>
+            </a:endParaRPr>
+          </a:p>
+          <a:p>
+            <a:pPr marL="1371600" lvl="2" indent="-457200" algn="just">
+              <a:buFont typeface="Arial" panose="020B0604020202020204" pitchFamily="34" charset="0"/>
+              <a:buChar char="•"/>
+            </a:pPr>
+            <a:r>
+              <a:rPr lang="en-US" sz="2400" dirty="0">
+                <a:latin typeface="Adobe Garamond Pro" panose="02020502060506020403" pitchFamily="18" charset="0"/>
+              </a:rPr>
+              <a:t>Minecraft</a:t>
+            </a:r>
+          </a:p>
+          <a:p>
+            <a:pPr marL="1371600" lvl="2" indent="-457200" algn="just">
+              <a:buFont typeface="Arial" panose="020B0604020202020204" pitchFamily="34" charset="0"/>
+              <a:buChar char="•"/>
+            </a:pPr>
+            <a:endParaRPr lang="en-US" sz="2800" dirty="0">
+              <a:latin typeface="Adobe Garamond Pro" panose="02020502060506020403" pitchFamily="18" charset="0"/>
+            </a:endParaRPr>
+          </a:p>
+          <a:p>
+            <a:pPr marL="457200" indent="-457200" algn="just">
+              <a:buFont typeface="Wingdings" panose="05000000000000000000" pitchFamily="2" charset="2"/>
+              <a:buChar char="Ø"/>
+            </a:pPr>
+            <a:r>
+              <a:rPr lang="en-US" sz="2800" dirty="0">
+                <a:latin typeface="Adobe Garamond Pro" panose="02020502060506020403" pitchFamily="18" charset="0"/>
+              </a:rPr>
+              <a:t>Additional examples</a:t>
+            </a:r>
+          </a:p>
+          <a:p>
+            <a:pPr marL="914400" lvl="1" indent="-457200" algn="just">
+              <a:buFont typeface="Wingdings" panose="05000000000000000000" pitchFamily="2" charset="2"/>
+              <a:buChar char="§"/>
+            </a:pPr>
+            <a:r>
+              <a:rPr lang="en-US" sz="2800" dirty="0">
+                <a:highlight>
+                  <a:srgbClr val="FFFF00"/>
+                </a:highlight>
+                <a:latin typeface="Adobe Garamond Pro" panose="02020502060506020403" pitchFamily="18" charset="0"/>
+              </a:rPr>
+              <a:t>TODO</a:t>
+            </a:r>
+          </a:p>
+          <a:p>
+            <a:pPr marL="1371600" lvl="2" indent="-457200" algn="just">
+              <a:buFont typeface="Arial" panose="020B0604020202020204" pitchFamily="34" charset="0"/>
+              <a:buChar char="•"/>
+            </a:pPr>
+            <a:endParaRPr lang="en-US" sz="2800" dirty="0">
+              <a:latin typeface="Adobe Garamond Pro" panose="02020502060506020403" pitchFamily="18" charset="0"/>
+            </a:endParaRPr>
+          </a:p>
+          <a:p>
+            <a:pPr marL="914400" lvl="1" indent="-457200" algn="just">
+              <a:buFont typeface="Wingdings" panose="05000000000000000000" pitchFamily="2" charset="2"/>
+              <a:buChar char="§"/>
+            </a:pPr>
+            <a:endParaRPr lang="en-US" sz="2800" dirty="0">
+              <a:latin typeface="Adobe Garamond Pro" panose="02020502060506020403" pitchFamily="18" charset="0"/>
+            </a:endParaRPr>
+          </a:p>
+          <a:p>
+            <a:pPr marL="457200" indent="-457200" algn="just">
+              <a:buFont typeface="Arial" panose="020B0604020202020204" pitchFamily="34" charset="0"/>
+              <a:buChar char="•"/>
+            </a:pPr>
+            <a:endParaRPr lang="en-US" sz="2800" dirty="0">
+              <a:latin typeface="Adobe Garamond Pro" panose="02020502060506020403" pitchFamily="18" charset="0"/>
+            </a:endParaRPr>
           </a:p>
         </p:txBody>
       </p:sp>

--- a/ImitationLearningRB_Presentation.pptx
+++ b/ImitationLearningRB_Presentation.pptx
@@ -7,6 +7,16 @@
   <p:sldIdLst>
     <p:sldId id="257" r:id="rId2"/>
     <p:sldId id="260" r:id="rId3"/>
+    <p:sldId id="261" r:id="rId4"/>
+    <p:sldId id="263" r:id="rId5"/>
+    <p:sldId id="262" r:id="rId6"/>
+    <p:sldId id="264" r:id="rId7"/>
+    <p:sldId id="267" r:id="rId8"/>
+    <p:sldId id="266" r:id="rId9"/>
+    <p:sldId id="265" r:id="rId10"/>
+    <p:sldId id="268" r:id="rId11"/>
+    <p:sldId id="269" r:id="rId12"/>
+    <p:sldId id="270" r:id="rId13"/>
   </p:sldIdLst>
   <p:sldSz cx="12192000" cy="6858000"/>
   <p:notesSz cx="6858000" cy="9144000"/>
@@ -114,8 +124,27 @@
             <p14:sldId id="260"/>
           </p14:sldIdLst>
         </p14:section>
-        <p14:section name="Restraining Bolt" id="{0C58BA48-B173-4F97-A01D-3A4BE8ABFB77}">
-          <p14:sldIdLst/>
+        <p14:section name="Breakout" id="{0C58BA48-B173-4F97-A01D-3A4BE8ABFB77}">
+          <p14:sldIdLst>
+            <p14:sldId id="261"/>
+            <p14:sldId id="263"/>
+            <p14:sldId id="262"/>
+            <p14:sldId id="264"/>
+          </p14:sldIdLst>
+        </p14:section>
+        <p14:section name="Sapientino" id="{D9439C40-B001-4AA2-AFD2-2FFDE7FE9444}">
+          <p14:sldIdLst>
+            <p14:sldId id="267"/>
+            <p14:sldId id="266"/>
+          </p14:sldIdLst>
+        </p14:section>
+        <p14:section name="Minecraft" id="{C406FBF6-171E-4E8D-977D-D17634266BE7}">
+          <p14:sldIdLst>
+            <p14:sldId id="265"/>
+            <p14:sldId id="268"/>
+            <p14:sldId id="269"/>
+            <p14:sldId id="270"/>
+          </p14:sldIdLst>
         </p14:section>
       </p14:sectionLst>
     </p:ext>
@@ -124,6 +153,32 @@
     </p:ext>
   </p:extLst>
 </p:presentation>
+</file>
+
+<file path=ppt/commentAuthors.xml><?xml version="1.0" encoding="utf-8"?>
+<p:cmAuthorLst xmlns:a="http://schemas.openxmlformats.org/drawingml/2006/main" xmlns:r="http://schemas.openxmlformats.org/officeDocument/2006/relationships" xmlns:p="http://schemas.openxmlformats.org/presentationml/2006/main">
+  <p:cmAuthor id="1" name="Andrés Arciniegas" initials="AA" lastIdx="1" clrIdx="0">
+    <p:extLst>
+      <p:ext uri="{19B8F6BF-5375-455C-9EA6-DF929625EA0E}">
+        <p15:presenceInfo xmlns:p15="http://schemas.microsoft.com/office/powerpoint/2012/main" userId="59798a83e7a48649" providerId="Windows Live"/>
+      </p:ext>
+    </p:extLst>
+  </p:cmAuthor>
+</p:cmAuthorLst>
+</file>
+
+<file path=ppt/comments/comment1.xml><?xml version="1.0" encoding="utf-8"?>
+<p:cmLst xmlns:a="http://schemas.openxmlformats.org/drawingml/2006/main" xmlns:r="http://schemas.openxmlformats.org/officeDocument/2006/relationships" xmlns:p="http://schemas.openxmlformats.org/presentationml/2006/main">
+  <p:cm authorId="1" dt="2020-05-16T12:48:35.080" idx="1">
+    <p:pos x="6476" y="2796"/>
+    <p:text>It associated different the id to the states. Could be confussing.</p:text>
+    <p:extLst>
+      <p:ext uri="{C676402C-5697-4E1C-873F-D02D1690AC5C}">
+        <p15:threadingInfo xmlns:p15="http://schemas.microsoft.com/office/powerpoint/2012/main" timeZoneBias="-120"/>
+      </p:ext>
+    </p:extLst>
+  </p:cm>
+</p:cmLst>
 </file>
 
 <file path=ppt/slideLayouts/slideLayout1.xml><?xml version="1.0" encoding="utf-8"?>
@@ -255,7 +310,7 @@
           <a:p>
             <a:fld id="{F6EFD65E-F00A-4C2B-A5CD-E5B5AFC756C4}" type="datetimeFigureOut">
               <a:rPr lang="ru-RU" smtClean="0"/>
-              <a:t>14.05.2020</a:t>
+              <a:t>16.05.2020</a:t>
             </a:fld>
             <a:endParaRPr lang="ru-RU"/>
           </a:p>
@@ -423,7 +478,7 @@
           <a:p>
             <a:fld id="{F6EFD65E-F00A-4C2B-A5CD-E5B5AFC756C4}" type="datetimeFigureOut">
               <a:rPr lang="ru-RU" smtClean="0"/>
-              <a:t>14.05.2020</a:t>
+              <a:t>16.05.2020</a:t>
             </a:fld>
             <a:endParaRPr lang="ru-RU"/>
           </a:p>
@@ -601,7 +656,7 @@
           <a:p>
             <a:fld id="{F6EFD65E-F00A-4C2B-A5CD-E5B5AFC756C4}" type="datetimeFigureOut">
               <a:rPr lang="ru-RU" smtClean="0"/>
-              <a:t>14.05.2020</a:t>
+              <a:t>16.05.2020</a:t>
             </a:fld>
             <a:endParaRPr lang="ru-RU"/>
           </a:p>
@@ -769,7 +824,7 @@
           <a:p>
             <a:fld id="{F6EFD65E-F00A-4C2B-A5CD-E5B5AFC756C4}" type="datetimeFigureOut">
               <a:rPr lang="ru-RU" smtClean="0"/>
-              <a:t>14.05.2020</a:t>
+              <a:t>16.05.2020</a:t>
             </a:fld>
             <a:endParaRPr lang="ru-RU"/>
           </a:p>
@@ -1014,7 +1069,7 @@
           <a:p>
             <a:fld id="{F6EFD65E-F00A-4C2B-A5CD-E5B5AFC756C4}" type="datetimeFigureOut">
               <a:rPr lang="ru-RU" smtClean="0"/>
-              <a:t>14.05.2020</a:t>
+              <a:t>16.05.2020</a:t>
             </a:fld>
             <a:endParaRPr lang="ru-RU"/>
           </a:p>
@@ -1243,7 +1298,7 @@
           <a:p>
             <a:fld id="{F6EFD65E-F00A-4C2B-A5CD-E5B5AFC756C4}" type="datetimeFigureOut">
               <a:rPr lang="ru-RU" smtClean="0"/>
-              <a:t>14.05.2020</a:t>
+              <a:t>16.05.2020</a:t>
             </a:fld>
             <a:endParaRPr lang="ru-RU"/>
           </a:p>
@@ -1607,7 +1662,7 @@
           <a:p>
             <a:fld id="{F6EFD65E-F00A-4C2B-A5CD-E5B5AFC756C4}" type="datetimeFigureOut">
               <a:rPr lang="ru-RU" smtClean="0"/>
-              <a:t>14.05.2020</a:t>
+              <a:t>16.05.2020</a:t>
             </a:fld>
             <a:endParaRPr lang="ru-RU"/>
           </a:p>
@@ -1724,7 +1779,7 @@
           <a:p>
             <a:fld id="{F6EFD65E-F00A-4C2B-A5CD-E5B5AFC756C4}" type="datetimeFigureOut">
               <a:rPr lang="ru-RU" smtClean="0"/>
-              <a:t>14.05.2020</a:t>
+              <a:t>16.05.2020</a:t>
             </a:fld>
             <a:endParaRPr lang="ru-RU"/>
           </a:p>
@@ -1819,7 +1874,7 @@
           <a:p>
             <a:fld id="{F6EFD65E-F00A-4C2B-A5CD-E5B5AFC756C4}" type="datetimeFigureOut">
               <a:rPr lang="ru-RU" smtClean="0"/>
-              <a:t>14.05.2020</a:t>
+              <a:t>16.05.2020</a:t>
             </a:fld>
             <a:endParaRPr lang="ru-RU"/>
           </a:p>
@@ -2094,7 +2149,7 @@
           <a:p>
             <a:fld id="{F6EFD65E-F00A-4C2B-A5CD-E5B5AFC756C4}" type="datetimeFigureOut">
               <a:rPr lang="ru-RU" smtClean="0"/>
-              <a:t>14.05.2020</a:t>
+              <a:t>16.05.2020</a:t>
             </a:fld>
             <a:endParaRPr lang="ru-RU"/>
           </a:p>
@@ -2346,7 +2401,7 @@
           <a:p>
             <a:fld id="{F6EFD65E-F00A-4C2B-A5CD-E5B5AFC756C4}" type="datetimeFigureOut">
               <a:rPr lang="ru-RU" smtClean="0"/>
-              <a:t>14.05.2020</a:t>
+              <a:t>16.05.2020</a:t>
             </a:fld>
             <a:endParaRPr lang="ru-RU"/>
           </a:p>
@@ -2557,7 +2612,7 @@
           <a:p>
             <a:fld id="{F6EFD65E-F00A-4C2B-A5CD-E5B5AFC756C4}" type="datetimeFigureOut">
               <a:rPr lang="ru-RU" smtClean="0"/>
-              <a:t>14.05.2020</a:t>
+              <a:t>16.05.2020</a:t>
             </a:fld>
             <a:endParaRPr lang="ru-RU"/>
           </a:p>
@@ -3449,6 +3504,1741 @@
 </p:sld>
 </file>
 
+<file path=ppt/slides/slide10.xml><?xml version="1.0" encoding="utf-8"?>
+<p:sld xmlns:a="http://schemas.openxmlformats.org/drawingml/2006/main" xmlns:r="http://schemas.openxmlformats.org/officeDocument/2006/relationships" xmlns:p="http://schemas.openxmlformats.org/presentationml/2006/main">
+  <p:cSld>
+    <p:spTree>
+      <p:nvGrpSpPr>
+        <p:cNvPr id="1" name=""/>
+        <p:cNvGrpSpPr/>
+        <p:nvPr/>
+      </p:nvGrpSpPr>
+      <p:grpSpPr>
+        <a:xfrm>
+          <a:off x="0" y="0"/>
+          <a:ext cx="0" cy="0"/>
+          <a:chOff x="0" y="0"/>
+          <a:chExt cx="0" cy="0"/>
+        </a:xfrm>
+      </p:grpSpPr>
+      <p:pic>
+        <p:nvPicPr>
+          <p:cNvPr id="7" name="Graphic 6">
+            <a:extLst>
+              <a:ext uri="{FF2B5EF4-FFF2-40B4-BE49-F238E27FC236}">
+                <a16:creationId xmlns:a16="http://schemas.microsoft.com/office/drawing/2014/main" id="{C9AB57DB-959E-42C1-AAD2-B2CA01C38297}"/>
+              </a:ext>
+            </a:extLst>
+          </p:cNvPr>
+          <p:cNvPicPr>
+            <a:picLocks noChangeAspect="1"/>
+          </p:cNvPicPr>
+          <p:nvPr/>
+        </p:nvPicPr>
+        <p:blipFill>
+          <a:blip r:embed="rId2">
+            <a:extLst>
+              <a:ext uri="{28A0092B-C50C-407E-A947-70E740481C1C}">
+                <a14:useLocalDpi xmlns:a14="http://schemas.microsoft.com/office/drawing/2010/main" val="0"/>
+              </a:ext>
+              <a:ext uri="{96DAC541-7B7A-43D3-8B79-37D633B846F1}">
+                <asvg:svgBlip xmlns:asvg="http://schemas.microsoft.com/office/drawing/2016/SVG/main" r:embed="rId3"/>
+              </a:ext>
+            </a:extLst>
+          </a:blip>
+          <a:stretch>
+            <a:fillRect/>
+          </a:stretch>
+        </p:blipFill>
+        <p:spPr>
+          <a:xfrm>
+            <a:off x="5788242" y="382181"/>
+            <a:ext cx="6054437" cy="2200448"/>
+          </a:xfrm>
+          <a:prstGeom prst="rect">
+            <a:avLst/>
+          </a:prstGeom>
+        </p:spPr>
+      </p:pic>
+      <p:sp>
+        <p:nvSpPr>
+          <p:cNvPr id="4" name="Title 1">
+            <a:extLst>
+              <a:ext uri="{FF2B5EF4-FFF2-40B4-BE49-F238E27FC236}">
+                <a16:creationId xmlns:a16="http://schemas.microsoft.com/office/drawing/2014/main" id="{5FAAE066-62AE-451C-AAD4-7A8E3D5ABBC4}"/>
+              </a:ext>
+            </a:extLst>
+          </p:cNvPr>
+          <p:cNvSpPr>
+            <a:spLocks noGrp="1"/>
+          </p:cNvSpPr>
+          <p:nvPr>
+            <p:ph type="title"/>
+          </p:nvPr>
+        </p:nvSpPr>
+        <p:spPr>
+          <a:xfrm>
+            <a:off x="458354" y="258546"/>
+            <a:ext cx="5054679" cy="870012"/>
+          </a:xfrm>
+        </p:spPr>
+        <p:txBody>
+          <a:bodyPr>
+            <a:normAutofit fontScale="90000"/>
+          </a:bodyPr>
+          <a:lstStyle/>
+          <a:p>
+            <a:r>
+              <a:rPr lang="en-US" sz="3200" dirty="0">
+                <a:latin typeface="Segoe UI" panose="020B0502040204020203" pitchFamily="34" charset="0"/>
+                <a:cs typeface="Segoe UI" panose="020B0502040204020203" pitchFamily="34" charset="0"/>
+              </a:rPr>
+              <a:t>Minecraft – DFA Generation</a:t>
+            </a:r>
+          </a:p>
+        </p:txBody>
+      </p:sp>
+      <p:sp>
+        <p:nvSpPr>
+          <p:cNvPr id="6" name="Rectangle 5">
+            <a:extLst>
+              <a:ext uri="{FF2B5EF4-FFF2-40B4-BE49-F238E27FC236}">
+                <a16:creationId xmlns:a16="http://schemas.microsoft.com/office/drawing/2014/main" id="{48EB945A-9D8E-47F8-A249-6B6107BB0BAE}"/>
+              </a:ext>
+            </a:extLst>
+          </p:cNvPr>
+          <p:cNvSpPr/>
+          <p:nvPr/>
+        </p:nvSpPr>
+        <p:spPr>
+          <a:xfrm>
+            <a:off x="4602441" y="2984315"/>
+            <a:ext cx="7687213" cy="3293209"/>
+          </a:xfrm>
+          <a:prstGeom prst="rect">
+            <a:avLst/>
+          </a:prstGeom>
+        </p:spPr>
+        <p:txBody>
+          <a:bodyPr wrap="square">
+            <a:spAutoFit/>
+          </a:bodyPr>
+          <a:lstStyle/>
+          <a:p>
+            <a:r>
+              <a:rPr lang="en-US" sz="800" dirty="0">
+                <a:latin typeface="Consolas" panose="020B0609020204030204" pitchFamily="49" charset="0"/>
+              </a:rPr>
+              <a:t>{'_states': </a:t>
+            </a:r>
+            <a:r>
+              <a:rPr lang="en-US" sz="800" dirty="0" err="1">
+                <a:latin typeface="Consolas" panose="020B0609020204030204" pitchFamily="49" charset="0"/>
+              </a:rPr>
+              <a:t>frozenset</a:t>
+            </a:r>
+            <a:r>
+              <a:rPr lang="en-US" sz="800" dirty="0">
+                <a:latin typeface="Consolas" panose="020B0609020204030204" pitchFamily="49" charset="0"/>
+              </a:rPr>
+              <a:t>({'0', '1', '2', '3'}),</a:t>
+            </a:r>
+          </a:p>
+          <a:p>
+            <a:r>
+              <a:rPr lang="en-US" sz="800" dirty="0">
+                <a:latin typeface="Consolas" panose="020B0609020204030204" pitchFamily="49" charset="0"/>
+              </a:rPr>
+              <a:t> '_alphabet': </a:t>
+            </a:r>
+            <a:r>
+              <a:rPr lang="en-US" sz="800" dirty="0" err="1">
+                <a:latin typeface="Consolas" panose="020B0609020204030204" pitchFamily="49" charset="0"/>
+              </a:rPr>
+              <a:t>frozenset</a:t>
+            </a:r>
+            <a:r>
+              <a:rPr lang="en-US" sz="800" dirty="0">
+                <a:latin typeface="Consolas" panose="020B0609020204030204" pitchFamily="49" charset="0"/>
+              </a:rPr>
+              <a:t>({{}, {iron}, {factory}, {toolshed}, {workbench}, {wood}, {grass}}),</a:t>
+            </a:r>
+          </a:p>
+          <a:p>
+            <a:r>
+              <a:rPr lang="en-US" sz="800" dirty="0">
+                <a:latin typeface="Consolas" panose="020B0609020204030204" pitchFamily="49" charset="0"/>
+              </a:rPr>
+              <a:t> '_</a:t>
+            </a:r>
+            <a:r>
+              <a:rPr lang="en-US" sz="800" dirty="0" err="1">
+                <a:latin typeface="Consolas" panose="020B0609020204030204" pitchFamily="49" charset="0"/>
+              </a:rPr>
+              <a:t>initial_state</a:t>
+            </a:r>
+            <a:r>
+              <a:rPr lang="en-US" sz="800" dirty="0">
+                <a:latin typeface="Consolas" panose="020B0609020204030204" pitchFamily="49" charset="0"/>
+              </a:rPr>
+              <a:t>': '0',</a:t>
+            </a:r>
+          </a:p>
+          <a:p>
+            <a:r>
+              <a:rPr lang="en-US" sz="800" dirty="0">
+                <a:latin typeface="Consolas" panose="020B0609020204030204" pitchFamily="49" charset="0"/>
+              </a:rPr>
+              <a:t> '_</a:t>
+            </a:r>
+            <a:r>
+              <a:rPr lang="en-US" sz="800" dirty="0" err="1">
+                <a:latin typeface="Consolas" panose="020B0609020204030204" pitchFamily="49" charset="0"/>
+              </a:rPr>
+              <a:t>accepting_states</a:t>
+            </a:r>
+            <a:r>
+              <a:rPr lang="en-US" sz="800" dirty="0">
+                <a:latin typeface="Consolas" panose="020B0609020204030204" pitchFamily="49" charset="0"/>
+              </a:rPr>
+              <a:t>': </a:t>
+            </a:r>
+            <a:r>
+              <a:rPr lang="en-US" sz="800" dirty="0" err="1">
+                <a:latin typeface="Consolas" panose="020B0609020204030204" pitchFamily="49" charset="0"/>
+              </a:rPr>
+              <a:t>frozenset</a:t>
+            </a:r>
+            <a:r>
+              <a:rPr lang="en-US" sz="800" dirty="0">
+                <a:latin typeface="Consolas" panose="020B0609020204030204" pitchFamily="49" charset="0"/>
+              </a:rPr>
+              <a:t>({'3'}),</a:t>
+            </a:r>
+          </a:p>
+          <a:p>
+            <a:r>
+              <a:rPr lang="en-US" sz="800" dirty="0">
+                <a:latin typeface="Consolas" panose="020B0609020204030204" pitchFamily="49" charset="0"/>
+              </a:rPr>
+              <a:t> '_</a:t>
+            </a:r>
+            <a:r>
+              <a:rPr lang="en-US" sz="800" dirty="0" err="1">
+                <a:latin typeface="Consolas" panose="020B0609020204030204" pitchFamily="49" charset="0"/>
+              </a:rPr>
+              <a:t>transition_function</a:t>
+            </a:r>
+            <a:r>
+              <a:rPr lang="en-US" sz="800" dirty="0">
+                <a:latin typeface="Consolas" panose="020B0609020204030204" pitchFamily="49" charset="0"/>
+              </a:rPr>
+              <a:t>': {'1': {{grass}: '0', {wood}: '2', {iron}: '0', {factory}: '0', {workbench}: '0', {toolshed}: '0’,  {}: '1’}, </a:t>
+            </a:r>
+          </a:p>
+          <a:p>
+            <a:r>
+              <a:rPr lang="en-US" sz="800" dirty="0">
+                <a:latin typeface="Consolas" panose="020B0609020204030204" pitchFamily="49" charset="0"/>
+              </a:rPr>
+              <a:t>	          '0': {{grass}: '0', {wood}: '0', {iron}: '1', {factory}: '0', {workbench}: ‘0', {toolshed}: '0', {}: '0’},</a:t>
+            </a:r>
+          </a:p>
+          <a:p>
+            <a:r>
+              <a:rPr lang="en-US" sz="800" dirty="0">
+                <a:latin typeface="Consolas" panose="020B0609020204030204" pitchFamily="49" charset="0"/>
+              </a:rPr>
+              <a:t>	          '2': {{grass}: '0', {wood}: '0', {iron}: '0', {factory}: '3', {workbench}: '0', {toolshed}: '0', {}: '2’},</a:t>
+            </a:r>
+          </a:p>
+          <a:p>
+            <a:r>
+              <a:rPr lang="en-US" sz="800" dirty="0">
+                <a:latin typeface="Consolas" panose="020B0609020204030204" pitchFamily="49" charset="0"/>
+              </a:rPr>
+              <a:t>	          '3': {{grass}: '0', {wood}: '0', {iron}: '0', {factory}: '0', {workbench}: '0', {toolshed}: '0', {}: '3'}},</a:t>
+            </a:r>
+          </a:p>
+          <a:p>
+            <a:r>
+              <a:rPr lang="en-US" sz="800" dirty="0">
+                <a:latin typeface="Consolas" panose="020B0609020204030204" pitchFamily="49" charset="0"/>
+              </a:rPr>
+              <a:t> '_</a:t>
+            </a:r>
+            <a:r>
+              <a:rPr lang="en-US" sz="800" dirty="0" err="1">
+                <a:latin typeface="Consolas" panose="020B0609020204030204" pitchFamily="49" charset="0"/>
+              </a:rPr>
+              <a:t>idx_to_state</a:t>
+            </a:r>
+            <a:r>
+              <a:rPr lang="en-US" sz="800" dirty="0">
+                <a:latin typeface="Consolas" panose="020B0609020204030204" pitchFamily="49" charset="0"/>
+              </a:rPr>
+              <a:t>': ['3', '1', '0', '2'],</a:t>
+            </a:r>
+          </a:p>
+          <a:p>
+            <a:r>
+              <a:rPr lang="en-US" sz="800" dirty="0">
+                <a:latin typeface="Consolas" panose="020B0609020204030204" pitchFamily="49" charset="0"/>
+              </a:rPr>
+              <a:t> '_</a:t>
+            </a:r>
+            <a:r>
+              <a:rPr lang="en-US" sz="800" dirty="0" err="1">
+                <a:latin typeface="Consolas" panose="020B0609020204030204" pitchFamily="49" charset="0"/>
+              </a:rPr>
+              <a:t>state_to_idx</a:t>
+            </a:r>
+            <a:r>
+              <a:rPr lang="en-US" sz="800" dirty="0">
+                <a:latin typeface="Consolas" panose="020B0609020204030204" pitchFamily="49" charset="0"/>
+              </a:rPr>
+              <a:t>': {'3': 0, '1': 1, '0': 2, '2': 3},</a:t>
+            </a:r>
+          </a:p>
+          <a:p>
+            <a:r>
+              <a:rPr lang="en-US" sz="800" dirty="0">
+                <a:latin typeface="Consolas" panose="020B0609020204030204" pitchFamily="49" charset="0"/>
+              </a:rPr>
+              <a:t> '_</a:t>
+            </a:r>
+            <a:r>
+              <a:rPr lang="en-US" sz="800" dirty="0" err="1">
+                <a:latin typeface="Consolas" panose="020B0609020204030204" pitchFamily="49" charset="0"/>
+              </a:rPr>
+              <a:t>idx_to_symbol</a:t>
+            </a:r>
+            <a:r>
+              <a:rPr lang="en-US" sz="800" dirty="0">
+                <a:latin typeface="Consolas" panose="020B0609020204030204" pitchFamily="49" charset="0"/>
+              </a:rPr>
+              <a:t>': [{}, {iron}, {factory}, {toolshed}, {workbench}, {wood}, {grass}],</a:t>
+            </a:r>
+          </a:p>
+          <a:p>
+            <a:r>
+              <a:rPr lang="en-US" sz="800" dirty="0">
+                <a:latin typeface="Consolas" panose="020B0609020204030204" pitchFamily="49" charset="0"/>
+              </a:rPr>
+              <a:t> '_</a:t>
+            </a:r>
+            <a:r>
+              <a:rPr lang="en-US" sz="800" dirty="0" err="1">
+                <a:latin typeface="Consolas" panose="020B0609020204030204" pitchFamily="49" charset="0"/>
+              </a:rPr>
+              <a:t>symbol_to_idx</a:t>
+            </a:r>
+            <a:r>
+              <a:rPr lang="en-US" sz="800" dirty="0">
+                <a:latin typeface="Consolas" panose="020B0609020204030204" pitchFamily="49" charset="0"/>
+              </a:rPr>
+              <a:t>': {{}: 0, {iron}: 1, {factory}: 2, {toolshed}: 3, {workbench}: 4, {wood}: 5, {grass}: 6},</a:t>
+            </a:r>
+          </a:p>
+          <a:p>
+            <a:endParaRPr lang="en-US" sz="800" dirty="0">
+              <a:latin typeface="Consolas" panose="020B0609020204030204" pitchFamily="49" charset="0"/>
+            </a:endParaRPr>
+          </a:p>
+          <a:p>
+            <a:r>
+              <a:rPr lang="en-US" sz="800" dirty="0">
+                <a:latin typeface="Consolas" panose="020B0609020204030204" pitchFamily="49" charset="0"/>
+              </a:rPr>
+              <a:t> '_</a:t>
+            </a:r>
+            <a:r>
+              <a:rPr lang="en-US" sz="800" dirty="0" err="1">
+                <a:latin typeface="Consolas" panose="020B0609020204030204" pitchFamily="49" charset="0"/>
+              </a:rPr>
+              <a:t>idx_transition_function</a:t>
+            </a:r>
+            <a:r>
+              <a:rPr lang="en-US" sz="800" dirty="0">
+                <a:latin typeface="Consolas" panose="020B0609020204030204" pitchFamily="49" charset="0"/>
+              </a:rPr>
+              <a:t>’: </a:t>
+            </a:r>
+          </a:p>
+          <a:p>
+            <a:pPr lvl="1"/>
+            <a:r>
+              <a:rPr lang="en-US" sz="800" dirty="0">
+                <a:latin typeface="Consolas" panose="020B0609020204030204" pitchFamily="49" charset="0"/>
+              </a:rPr>
+              <a:t> {0: {6: 2, 5: 2, 1: 2, 2: 2, 4: 2, 3: 2, 0: 0},</a:t>
+            </a:r>
+          </a:p>
+          <a:p>
+            <a:pPr lvl="1"/>
+            <a:r>
+              <a:rPr lang="en-US" sz="800" dirty="0">
+                <a:latin typeface="Consolas" panose="020B0609020204030204" pitchFamily="49" charset="0"/>
+              </a:rPr>
+              <a:t>  1: {6: 2, 5: 3, 1: 2, 2: 2, 4: 2, 3: 2, 0: 1},</a:t>
+            </a:r>
+          </a:p>
+          <a:p>
+            <a:pPr lvl="1"/>
+            <a:r>
+              <a:rPr lang="en-US" sz="800" dirty="0">
+                <a:latin typeface="Consolas" panose="020B0609020204030204" pitchFamily="49" charset="0"/>
+              </a:rPr>
+              <a:t>  2: {6: 2, 5: 2, 1: 1, 2: 2, 4: 2, 3: 2, 0: 2},</a:t>
+            </a:r>
+          </a:p>
+          <a:p>
+            <a:pPr lvl="1"/>
+            <a:r>
+              <a:rPr lang="en-US" sz="800" dirty="0">
+                <a:latin typeface="Consolas" panose="020B0609020204030204" pitchFamily="49" charset="0"/>
+              </a:rPr>
+              <a:t>  3: {6: 2, 5: 2, 1: 2, 2: 0, 4: 2, 3: 2, 0: 3}},</a:t>
+            </a:r>
+          </a:p>
+          <a:p>
+            <a:endParaRPr lang="en-US" sz="800" dirty="0">
+              <a:latin typeface="Consolas" panose="020B0609020204030204" pitchFamily="49" charset="0"/>
+            </a:endParaRPr>
+          </a:p>
+          <a:p>
+            <a:r>
+              <a:rPr lang="en-US" sz="800" dirty="0">
+                <a:latin typeface="Consolas" panose="020B0609020204030204" pitchFamily="49" charset="0"/>
+              </a:rPr>
+              <a:t> '_</a:t>
+            </a:r>
+            <a:r>
+              <a:rPr lang="en-US" sz="800" dirty="0" err="1">
+                <a:latin typeface="Consolas" panose="020B0609020204030204" pitchFamily="49" charset="0"/>
+              </a:rPr>
+              <a:t>idx_delta_by_state</a:t>
+            </a:r>
+            <a:r>
+              <a:rPr lang="en-US" sz="800" dirty="0">
+                <a:latin typeface="Consolas" panose="020B0609020204030204" pitchFamily="49" charset="0"/>
+              </a:rPr>
+              <a:t>’: </a:t>
+            </a:r>
+          </a:p>
+          <a:p>
+            <a:pPr lvl="1"/>
+            <a:r>
+              <a:rPr lang="en-US" sz="800" dirty="0">
+                <a:latin typeface="Consolas" panose="020B0609020204030204" pitchFamily="49" charset="0"/>
+              </a:rPr>
+              <a:t> {0: {(0, 0), (1, 2), (2, 2), (3, 2), (4, 2), (5, 2), (6, 2)},</a:t>
+            </a:r>
+          </a:p>
+          <a:p>
+            <a:pPr lvl="1"/>
+            <a:r>
+              <a:rPr lang="en-US" sz="800" dirty="0">
+                <a:latin typeface="Consolas" panose="020B0609020204030204" pitchFamily="49" charset="0"/>
+              </a:rPr>
+              <a:t>  1: {(0, 1), (1, 2), (2, 2), (3, 2), (4, 2), (5, 3), (6, 2)},</a:t>
+            </a:r>
+          </a:p>
+          <a:p>
+            <a:pPr lvl="1"/>
+            <a:r>
+              <a:rPr lang="en-US" sz="800" dirty="0">
+                <a:latin typeface="Consolas" panose="020B0609020204030204" pitchFamily="49" charset="0"/>
+              </a:rPr>
+              <a:t>  2: {(0, 2), (1, 1), (2, 2), (3, 2), (4, 2), (5, 2), (6, 2)},</a:t>
+            </a:r>
+          </a:p>
+          <a:p>
+            <a:pPr lvl="1"/>
+            <a:r>
+              <a:rPr lang="en-US" sz="800" dirty="0">
+                <a:latin typeface="Consolas" panose="020B0609020204030204" pitchFamily="49" charset="0"/>
+              </a:rPr>
+              <a:t>  3: {(0, 3), (1, 2), (2, 0), (3, 2), (4, 2), (5, 2), (6, 2)}},</a:t>
+            </a:r>
+          </a:p>
+          <a:p>
+            <a:r>
+              <a:rPr lang="en-US" sz="800" dirty="0">
+                <a:latin typeface="Consolas" panose="020B0609020204030204" pitchFamily="49" charset="0"/>
+              </a:rPr>
+              <a:t> '_</a:t>
+            </a:r>
+            <a:r>
+              <a:rPr lang="en-US" sz="800" dirty="0" err="1">
+                <a:latin typeface="Consolas" panose="020B0609020204030204" pitchFamily="49" charset="0"/>
+              </a:rPr>
+              <a:t>idx_initial_state</a:t>
+            </a:r>
+            <a:r>
+              <a:rPr lang="en-US" sz="800" dirty="0">
+                <a:latin typeface="Consolas" panose="020B0609020204030204" pitchFamily="49" charset="0"/>
+              </a:rPr>
+              <a:t>': 2,</a:t>
+            </a:r>
+          </a:p>
+          <a:p>
+            <a:r>
+              <a:rPr lang="en-US" sz="800" dirty="0">
+                <a:latin typeface="Consolas" panose="020B0609020204030204" pitchFamily="49" charset="0"/>
+              </a:rPr>
+              <a:t> '_</a:t>
+            </a:r>
+            <a:r>
+              <a:rPr lang="en-US" sz="800" dirty="0" err="1">
+                <a:latin typeface="Consolas" panose="020B0609020204030204" pitchFamily="49" charset="0"/>
+              </a:rPr>
+              <a:t>idx_accepting_states</a:t>
+            </a:r>
+            <a:r>
+              <a:rPr lang="en-US" sz="800" dirty="0">
+                <a:latin typeface="Consolas" panose="020B0609020204030204" pitchFamily="49" charset="0"/>
+              </a:rPr>
+              <a:t>': </a:t>
+            </a:r>
+            <a:r>
+              <a:rPr lang="en-US" sz="800" dirty="0" err="1">
+                <a:latin typeface="Consolas" panose="020B0609020204030204" pitchFamily="49" charset="0"/>
+              </a:rPr>
+              <a:t>frozenset</a:t>
+            </a:r>
+            <a:r>
+              <a:rPr lang="en-US" sz="800" dirty="0">
+                <a:latin typeface="Consolas" panose="020B0609020204030204" pitchFamily="49" charset="0"/>
+              </a:rPr>
+              <a:t>({0})}</a:t>
+            </a:r>
+          </a:p>
+        </p:txBody>
+      </p:sp>
+      <p:sp>
+        <p:nvSpPr>
+          <p:cNvPr id="8" name="Rectangle 7">
+            <a:extLst>
+              <a:ext uri="{FF2B5EF4-FFF2-40B4-BE49-F238E27FC236}">
+                <a16:creationId xmlns:a16="http://schemas.microsoft.com/office/drawing/2014/main" id="{A7FBC9E8-8B11-48A5-B22F-D0498FAA00DD}"/>
+              </a:ext>
+            </a:extLst>
+          </p:cNvPr>
+          <p:cNvSpPr/>
+          <p:nvPr/>
+        </p:nvSpPr>
+        <p:spPr>
+          <a:xfrm>
+            <a:off x="274582" y="2670620"/>
+            <a:ext cx="1967883" cy="3416320"/>
+          </a:xfrm>
+          <a:prstGeom prst="rect">
+            <a:avLst/>
+          </a:prstGeom>
+        </p:spPr>
+        <p:txBody>
+          <a:bodyPr wrap="square">
+            <a:spAutoFit/>
+          </a:bodyPr>
+          <a:lstStyle/>
+          <a:p>
+            <a:r>
+              <a:rPr lang="en-US" sz="1200" b="1" dirty="0">
+                <a:solidFill>
+                  <a:srgbClr val="00B050"/>
+                </a:solidFill>
+                <a:latin typeface="Consolas" panose="020B0609020204030204" pitchFamily="49" charset="0"/>
+              </a:rPr>
+              <a:t>POSITIVE TRACES</a:t>
+            </a:r>
+          </a:p>
+          <a:p>
+            <a:endParaRPr lang="en-US" sz="1200" dirty="0">
+              <a:latin typeface="Consolas" panose="020B0609020204030204" pitchFamily="49" charset="0"/>
+            </a:endParaRPr>
+          </a:p>
+          <a:p>
+            <a:r>
+              <a:rPr lang="en-US" sz="1200" dirty="0" err="1">
+                <a:latin typeface="Consolas" panose="020B0609020204030204" pitchFamily="49" charset="0"/>
+              </a:rPr>
+              <a:t>iron;wood;factory</a:t>
+            </a:r>
+            <a:endParaRPr lang="en-US" sz="1200" dirty="0">
+              <a:latin typeface="Consolas" panose="020B0609020204030204" pitchFamily="49" charset="0"/>
+            </a:endParaRPr>
+          </a:p>
+          <a:p>
+            <a:r>
+              <a:rPr lang="en-US" sz="1200" dirty="0" err="1">
+                <a:latin typeface="Consolas" panose="020B0609020204030204" pitchFamily="49" charset="0"/>
+              </a:rPr>
+              <a:t>iron;wood;factory</a:t>
+            </a:r>
+            <a:endParaRPr lang="en-US" sz="1200" dirty="0">
+              <a:latin typeface="Consolas" panose="020B0609020204030204" pitchFamily="49" charset="0"/>
+            </a:endParaRPr>
+          </a:p>
+          <a:p>
+            <a:r>
+              <a:rPr lang="en-US" sz="1200" dirty="0" err="1">
+                <a:latin typeface="Consolas" panose="020B0609020204030204" pitchFamily="49" charset="0"/>
+              </a:rPr>
+              <a:t>iron;wood;factory</a:t>
+            </a:r>
+            <a:endParaRPr lang="en-US" sz="1200" dirty="0">
+              <a:latin typeface="Consolas" panose="020B0609020204030204" pitchFamily="49" charset="0"/>
+            </a:endParaRPr>
+          </a:p>
+          <a:p>
+            <a:r>
+              <a:rPr lang="en-US" sz="1200" dirty="0" err="1">
+                <a:latin typeface="Consolas" panose="020B0609020204030204" pitchFamily="49" charset="0"/>
+              </a:rPr>
+              <a:t>iron;wood;factory</a:t>
+            </a:r>
+            <a:endParaRPr lang="en-US" sz="1200" dirty="0">
+              <a:latin typeface="Consolas" panose="020B0609020204030204" pitchFamily="49" charset="0"/>
+            </a:endParaRPr>
+          </a:p>
+          <a:p>
+            <a:r>
+              <a:rPr lang="en-US" sz="1200" dirty="0" err="1">
+                <a:latin typeface="Consolas" panose="020B0609020204030204" pitchFamily="49" charset="0"/>
+              </a:rPr>
+              <a:t>iron;wood;factory</a:t>
+            </a:r>
+            <a:endParaRPr lang="en-US" sz="1200" dirty="0">
+              <a:latin typeface="Consolas" panose="020B0609020204030204" pitchFamily="49" charset="0"/>
+            </a:endParaRPr>
+          </a:p>
+          <a:p>
+            <a:r>
+              <a:rPr lang="en-US" sz="1200" dirty="0" err="1">
+                <a:latin typeface="Consolas" panose="020B0609020204030204" pitchFamily="49" charset="0"/>
+              </a:rPr>
+              <a:t>iron;wood;factory</a:t>
+            </a:r>
+            <a:endParaRPr lang="en-US" sz="1200" dirty="0">
+              <a:latin typeface="Consolas" panose="020B0609020204030204" pitchFamily="49" charset="0"/>
+            </a:endParaRPr>
+          </a:p>
+          <a:p>
+            <a:r>
+              <a:rPr lang="en-US" sz="1200" dirty="0" err="1">
+                <a:latin typeface="Consolas" panose="020B0609020204030204" pitchFamily="49" charset="0"/>
+              </a:rPr>
+              <a:t>iron;wood;factory</a:t>
+            </a:r>
+            <a:endParaRPr lang="en-US" sz="1200" dirty="0">
+              <a:latin typeface="Consolas" panose="020B0609020204030204" pitchFamily="49" charset="0"/>
+            </a:endParaRPr>
+          </a:p>
+          <a:p>
+            <a:r>
+              <a:rPr lang="en-US" sz="1200" dirty="0" err="1">
+                <a:latin typeface="Consolas" panose="020B0609020204030204" pitchFamily="49" charset="0"/>
+              </a:rPr>
+              <a:t>iron;wood;factory</a:t>
+            </a:r>
+            <a:endParaRPr lang="en-US" sz="1200" dirty="0">
+              <a:latin typeface="Consolas" panose="020B0609020204030204" pitchFamily="49" charset="0"/>
+            </a:endParaRPr>
+          </a:p>
+          <a:p>
+            <a:r>
+              <a:rPr lang="en-US" sz="1200" dirty="0" err="1">
+                <a:latin typeface="Consolas" panose="020B0609020204030204" pitchFamily="49" charset="0"/>
+              </a:rPr>
+              <a:t>iron;wood;factory</a:t>
+            </a:r>
+            <a:endParaRPr lang="en-US" sz="1200" dirty="0">
+              <a:latin typeface="Consolas" panose="020B0609020204030204" pitchFamily="49" charset="0"/>
+            </a:endParaRPr>
+          </a:p>
+          <a:p>
+            <a:r>
+              <a:rPr lang="en-US" sz="1200" dirty="0" err="1">
+                <a:latin typeface="Consolas" panose="020B0609020204030204" pitchFamily="49" charset="0"/>
+              </a:rPr>
+              <a:t>iron;wood;factory</a:t>
+            </a:r>
+            <a:endParaRPr lang="en-US" sz="1200" dirty="0">
+              <a:latin typeface="Consolas" panose="020B0609020204030204" pitchFamily="49" charset="0"/>
+            </a:endParaRPr>
+          </a:p>
+          <a:p>
+            <a:r>
+              <a:rPr lang="en-US" sz="1200" dirty="0" err="1">
+                <a:latin typeface="Consolas" panose="020B0609020204030204" pitchFamily="49" charset="0"/>
+              </a:rPr>
+              <a:t>iron;wood;factory</a:t>
+            </a:r>
+            <a:endParaRPr lang="en-US" sz="1200" dirty="0">
+              <a:latin typeface="Consolas" panose="020B0609020204030204" pitchFamily="49" charset="0"/>
+            </a:endParaRPr>
+          </a:p>
+          <a:p>
+            <a:r>
+              <a:rPr lang="en-US" sz="1200" dirty="0" err="1">
+                <a:latin typeface="Consolas" panose="020B0609020204030204" pitchFamily="49" charset="0"/>
+              </a:rPr>
+              <a:t>iron;wood;factory</a:t>
+            </a:r>
+            <a:endParaRPr lang="en-US" sz="1200" dirty="0">
+              <a:latin typeface="Consolas" panose="020B0609020204030204" pitchFamily="49" charset="0"/>
+            </a:endParaRPr>
+          </a:p>
+          <a:p>
+            <a:r>
+              <a:rPr lang="en-US" sz="1200" dirty="0" err="1">
+                <a:latin typeface="Consolas" panose="020B0609020204030204" pitchFamily="49" charset="0"/>
+              </a:rPr>
+              <a:t>iron;wood;factory</a:t>
+            </a:r>
+            <a:endParaRPr lang="en-US" sz="1200" dirty="0">
+              <a:latin typeface="Consolas" panose="020B0609020204030204" pitchFamily="49" charset="0"/>
+            </a:endParaRPr>
+          </a:p>
+          <a:p>
+            <a:r>
+              <a:rPr lang="en-US" sz="1200" dirty="0" err="1">
+                <a:latin typeface="Consolas" panose="020B0609020204030204" pitchFamily="49" charset="0"/>
+              </a:rPr>
+              <a:t>iron;wood;factory</a:t>
+            </a:r>
+            <a:endParaRPr lang="en-US" sz="1200" dirty="0">
+              <a:latin typeface="Consolas" panose="020B0609020204030204" pitchFamily="49" charset="0"/>
+            </a:endParaRPr>
+          </a:p>
+          <a:p>
+            <a:r>
+              <a:rPr lang="en-US" sz="1200" dirty="0" err="1">
+                <a:latin typeface="Consolas" panose="020B0609020204030204" pitchFamily="49" charset="0"/>
+              </a:rPr>
+              <a:t>iron;wood;factory</a:t>
+            </a:r>
+            <a:endParaRPr lang="en-US" sz="1200" dirty="0">
+              <a:latin typeface="Consolas" panose="020B0609020204030204" pitchFamily="49" charset="0"/>
+            </a:endParaRPr>
+          </a:p>
+          <a:p>
+            <a:endParaRPr lang="en-US" sz="1200" dirty="0">
+              <a:latin typeface="Consolas" panose="020B0609020204030204" pitchFamily="49" charset="0"/>
+            </a:endParaRPr>
+          </a:p>
+        </p:txBody>
+      </p:sp>
+      <p:sp>
+        <p:nvSpPr>
+          <p:cNvPr id="9" name="Rectangle 8">
+            <a:extLst>
+              <a:ext uri="{FF2B5EF4-FFF2-40B4-BE49-F238E27FC236}">
+                <a16:creationId xmlns:a16="http://schemas.microsoft.com/office/drawing/2014/main" id="{07E37086-BE26-4800-9D77-0D34EFDE75F1}"/>
+              </a:ext>
+            </a:extLst>
+          </p:cNvPr>
+          <p:cNvSpPr/>
+          <p:nvPr/>
+        </p:nvSpPr>
+        <p:spPr>
+          <a:xfrm>
+            <a:off x="2242465" y="2670620"/>
+            <a:ext cx="1589103" cy="3231654"/>
+          </a:xfrm>
+          <a:prstGeom prst="rect">
+            <a:avLst/>
+          </a:prstGeom>
+        </p:spPr>
+        <p:txBody>
+          <a:bodyPr wrap="square">
+            <a:spAutoFit/>
+          </a:bodyPr>
+          <a:lstStyle/>
+          <a:p>
+            <a:r>
+              <a:rPr lang="en-US" sz="1200" b="1" dirty="0">
+                <a:solidFill>
+                  <a:srgbClr val="FF0000"/>
+                </a:solidFill>
+                <a:latin typeface="Consolas" panose="020B0609020204030204" pitchFamily="49" charset="0"/>
+              </a:rPr>
+              <a:t>NEGATIVE TRACES</a:t>
+            </a:r>
+          </a:p>
+          <a:p>
+            <a:endParaRPr lang="en-US" sz="1200" dirty="0">
+              <a:latin typeface="Consolas" panose="020B0609020204030204" pitchFamily="49" charset="0"/>
+            </a:endParaRPr>
+          </a:p>
+          <a:p>
+            <a:r>
+              <a:rPr lang="en-US" sz="1200" dirty="0" err="1">
+                <a:latin typeface="Consolas" panose="020B0609020204030204" pitchFamily="49" charset="0"/>
+              </a:rPr>
+              <a:t>iron;wood;wood</a:t>
+            </a:r>
+            <a:endParaRPr lang="en-US" sz="1200" dirty="0">
+              <a:latin typeface="Consolas" panose="020B0609020204030204" pitchFamily="49" charset="0"/>
+            </a:endParaRPr>
+          </a:p>
+          <a:p>
+            <a:r>
+              <a:rPr lang="en-US" sz="1200" dirty="0">
+                <a:latin typeface="Consolas" panose="020B0609020204030204" pitchFamily="49" charset="0"/>
+              </a:rPr>
+              <a:t>toolshed</a:t>
+            </a:r>
+          </a:p>
+          <a:p>
+            <a:r>
+              <a:rPr lang="en-US" sz="1200" dirty="0">
+                <a:latin typeface="Consolas" panose="020B0609020204030204" pitchFamily="49" charset="0"/>
+              </a:rPr>
+              <a:t>workbench</a:t>
+            </a:r>
+          </a:p>
+          <a:p>
+            <a:r>
+              <a:rPr lang="en-US" sz="1200" dirty="0">
+                <a:latin typeface="Consolas" panose="020B0609020204030204" pitchFamily="49" charset="0"/>
+              </a:rPr>
+              <a:t>factory</a:t>
+            </a:r>
+          </a:p>
+          <a:p>
+            <a:r>
+              <a:rPr lang="en-US" sz="1200" dirty="0">
+                <a:latin typeface="Consolas" panose="020B0609020204030204" pitchFamily="49" charset="0"/>
+              </a:rPr>
+              <a:t>workbench</a:t>
+            </a:r>
+          </a:p>
+          <a:p>
+            <a:r>
+              <a:rPr lang="en-US" sz="1200" dirty="0" err="1">
+                <a:latin typeface="Consolas" panose="020B0609020204030204" pitchFamily="49" charset="0"/>
+              </a:rPr>
+              <a:t>iron;iron</a:t>
+            </a:r>
+            <a:endParaRPr lang="en-US" sz="1200" dirty="0">
+              <a:latin typeface="Consolas" panose="020B0609020204030204" pitchFamily="49" charset="0"/>
+            </a:endParaRPr>
+          </a:p>
+          <a:p>
+            <a:r>
+              <a:rPr lang="en-US" sz="1200" dirty="0" err="1">
+                <a:latin typeface="Consolas" panose="020B0609020204030204" pitchFamily="49" charset="0"/>
+              </a:rPr>
+              <a:t>iron;toolshed</a:t>
+            </a:r>
+            <a:endParaRPr lang="en-US" sz="1200" dirty="0">
+              <a:latin typeface="Consolas" panose="020B0609020204030204" pitchFamily="49" charset="0"/>
+            </a:endParaRPr>
+          </a:p>
+          <a:p>
+            <a:r>
+              <a:rPr lang="en-US" sz="1200" dirty="0">
+                <a:latin typeface="Consolas" panose="020B0609020204030204" pitchFamily="49" charset="0"/>
+              </a:rPr>
+              <a:t>grass</a:t>
+            </a:r>
+          </a:p>
+          <a:p>
+            <a:r>
+              <a:rPr lang="en-US" sz="1200" dirty="0">
+                <a:latin typeface="Consolas" panose="020B0609020204030204" pitchFamily="49" charset="0"/>
+              </a:rPr>
+              <a:t>wood</a:t>
+            </a:r>
+          </a:p>
+          <a:p>
+            <a:r>
+              <a:rPr lang="en-US" sz="1200" dirty="0">
+                <a:latin typeface="Consolas" panose="020B0609020204030204" pitchFamily="49" charset="0"/>
+              </a:rPr>
+              <a:t>toolshed</a:t>
+            </a:r>
+          </a:p>
+          <a:p>
+            <a:r>
+              <a:rPr lang="en-US" sz="1200" dirty="0">
+                <a:latin typeface="Consolas" panose="020B0609020204030204" pitchFamily="49" charset="0"/>
+              </a:rPr>
+              <a:t>grass</a:t>
+            </a:r>
+          </a:p>
+          <a:p>
+            <a:r>
+              <a:rPr lang="en-US" sz="1200" dirty="0">
+                <a:latin typeface="Consolas" panose="020B0609020204030204" pitchFamily="49" charset="0"/>
+              </a:rPr>
+              <a:t>wood</a:t>
+            </a:r>
+          </a:p>
+          <a:p>
+            <a:r>
+              <a:rPr lang="en-US" sz="1200" dirty="0">
+                <a:latin typeface="Consolas" panose="020B0609020204030204" pitchFamily="49" charset="0"/>
+              </a:rPr>
+              <a:t>toolshed</a:t>
+            </a:r>
+          </a:p>
+          <a:p>
+            <a:r>
+              <a:rPr lang="en-US" sz="1200" dirty="0">
+                <a:latin typeface="Consolas" panose="020B0609020204030204" pitchFamily="49" charset="0"/>
+              </a:rPr>
+              <a:t>wood</a:t>
+            </a:r>
+          </a:p>
+          <a:p>
+            <a:r>
+              <a:rPr lang="en-US" sz="1200" dirty="0" err="1">
+                <a:latin typeface="Consolas" panose="020B0609020204030204" pitchFamily="49" charset="0"/>
+              </a:rPr>
+              <a:t>iron;wood;grass</a:t>
+            </a:r>
+            <a:endParaRPr lang="en-US" sz="1200" dirty="0">
+              <a:latin typeface="Consolas" panose="020B0609020204030204" pitchFamily="49" charset="0"/>
+            </a:endParaRPr>
+          </a:p>
+        </p:txBody>
+      </p:sp>
+      <p:sp>
+        <p:nvSpPr>
+          <p:cNvPr id="10" name="Arrow: Right 9">
+            <a:extLst>
+              <a:ext uri="{FF2B5EF4-FFF2-40B4-BE49-F238E27FC236}">
+                <a16:creationId xmlns:a16="http://schemas.microsoft.com/office/drawing/2014/main" id="{CED73DD6-4940-445E-83EB-EBB5980E0F01}"/>
+              </a:ext>
+            </a:extLst>
+          </p:cNvPr>
+          <p:cNvSpPr/>
+          <p:nvPr/>
+        </p:nvSpPr>
+        <p:spPr>
+          <a:xfrm>
+            <a:off x="3879786" y="2464946"/>
+            <a:ext cx="1346897" cy="411348"/>
+          </a:xfrm>
+          <a:prstGeom prst="rightArrow">
+            <a:avLst>
+              <a:gd name="adj1" fmla="val 27602"/>
+              <a:gd name="adj2" fmla="val 55599"/>
+            </a:avLst>
+          </a:prstGeom>
+        </p:spPr>
+        <p:style>
+          <a:lnRef idx="3">
+            <a:schemeClr val="lt1"/>
+          </a:lnRef>
+          <a:fillRef idx="1">
+            <a:schemeClr val="accent3"/>
+          </a:fillRef>
+          <a:effectRef idx="1">
+            <a:schemeClr val="accent3"/>
+          </a:effectRef>
+          <a:fontRef idx="minor">
+            <a:schemeClr val="lt1"/>
+          </a:fontRef>
+        </p:style>
+        <p:txBody>
+          <a:bodyPr rtlCol="0" anchor="ctr"/>
+          <a:lstStyle/>
+          <a:p>
+            <a:pPr algn="ctr"/>
+            <a:endParaRPr lang="en-US" sz="1600"/>
+          </a:p>
+        </p:txBody>
+      </p:sp>
+      <p:sp>
+        <p:nvSpPr>
+          <p:cNvPr id="11" name="TextBox 10">
+            <a:extLst>
+              <a:ext uri="{FF2B5EF4-FFF2-40B4-BE49-F238E27FC236}">
+                <a16:creationId xmlns:a16="http://schemas.microsoft.com/office/drawing/2014/main" id="{3EE5CCB0-71A1-4DFE-B103-BC17F3E660A8}"/>
+              </a:ext>
+            </a:extLst>
+          </p:cNvPr>
+          <p:cNvSpPr txBox="1"/>
+          <p:nvPr/>
+        </p:nvSpPr>
+        <p:spPr>
+          <a:xfrm>
+            <a:off x="3419523" y="1954288"/>
+            <a:ext cx="2135061" cy="461665"/>
+          </a:xfrm>
+          <a:prstGeom prst="rect">
+            <a:avLst/>
+          </a:prstGeom>
+          <a:noFill/>
+        </p:spPr>
+        <p:txBody>
+          <a:bodyPr wrap="square" rtlCol="0">
+            <a:spAutoFit/>
+          </a:bodyPr>
+          <a:lstStyle/>
+          <a:p>
+            <a:r>
+              <a:rPr lang="en-US" sz="1200" dirty="0">
+                <a:latin typeface="Segoe UI" panose="020B0502040204020203" pitchFamily="34" charset="0"/>
+                <a:cs typeface="Segoe UI" panose="020B0502040204020203" pitchFamily="34" charset="0"/>
+              </a:rPr>
+              <a:t>From traces, the DFA is generated:</a:t>
+            </a:r>
+          </a:p>
+        </p:txBody>
+      </p:sp>
+      <p:sp>
+        <p:nvSpPr>
+          <p:cNvPr id="12" name="Rectangle 11">
+            <a:extLst>
+              <a:ext uri="{FF2B5EF4-FFF2-40B4-BE49-F238E27FC236}">
+                <a16:creationId xmlns:a16="http://schemas.microsoft.com/office/drawing/2014/main" id="{6A82DE47-5D1F-4B54-984E-4930267FAC8F}"/>
+              </a:ext>
+            </a:extLst>
+          </p:cNvPr>
+          <p:cNvSpPr/>
+          <p:nvPr/>
+        </p:nvSpPr>
+        <p:spPr>
+          <a:xfrm>
+            <a:off x="458354" y="1001270"/>
+            <a:ext cx="6096000" cy="830997"/>
+          </a:xfrm>
+          <a:prstGeom prst="rect">
+            <a:avLst/>
+          </a:prstGeom>
+        </p:spPr>
+        <p:txBody>
+          <a:bodyPr>
+            <a:spAutoFit/>
+          </a:bodyPr>
+          <a:lstStyle/>
+          <a:p>
+            <a:r>
+              <a:rPr lang="en-US" sz="1200" b="1" dirty="0">
+                <a:latin typeface="Consolas" panose="020B0609020204030204" pitchFamily="49" charset="0"/>
+              </a:rPr>
+              <a:t>FORMULA:</a:t>
+            </a:r>
+          </a:p>
+          <a:p>
+            <a:r>
+              <a:rPr lang="en-US" sz="1200" dirty="0">
+                <a:latin typeface="Consolas" panose="020B0609020204030204" pitchFamily="49" charset="0"/>
+              </a:rPr>
+              <a:t>&lt;(!iron &amp; !factory &amp; !wood)*;iron;</a:t>
+            </a:r>
+          </a:p>
+          <a:p>
+            <a:r>
+              <a:rPr lang="en-US" sz="1200" dirty="0">
+                <a:latin typeface="Consolas" panose="020B0609020204030204" pitchFamily="49" charset="0"/>
+              </a:rPr>
+              <a:t> (!iron &amp; !factory &amp; !wood)*;wood;</a:t>
+            </a:r>
+          </a:p>
+          <a:p>
+            <a:r>
+              <a:rPr lang="en-US" sz="1200" dirty="0">
+                <a:latin typeface="Consolas" panose="020B0609020204030204" pitchFamily="49" charset="0"/>
+              </a:rPr>
+              <a:t> (!iron &amp; !factory &amp; !wood)*;factory&gt;</a:t>
+            </a:r>
+            <a:r>
+              <a:rPr lang="en-US" sz="1200" dirty="0" err="1">
+                <a:latin typeface="Consolas" panose="020B0609020204030204" pitchFamily="49" charset="0"/>
+              </a:rPr>
+              <a:t>tt</a:t>
+            </a:r>
+            <a:endParaRPr lang="en-US" sz="1200" dirty="0">
+              <a:latin typeface="Consolas" panose="020B0609020204030204" pitchFamily="49" charset="0"/>
+            </a:endParaRPr>
+          </a:p>
+        </p:txBody>
+      </p:sp>
+    </p:spTree>
+    <p:extLst>
+      <p:ext uri="{BB962C8B-B14F-4D97-AF65-F5344CB8AC3E}">
+        <p14:creationId xmlns:p14="http://schemas.microsoft.com/office/powerpoint/2010/main" val="765504211"/>
+      </p:ext>
+    </p:extLst>
+  </p:cSld>
+  <p:clrMapOvr>
+    <a:masterClrMapping/>
+  </p:clrMapOvr>
+</p:sld>
+</file>
+
+<file path=ppt/slides/slide11.xml><?xml version="1.0" encoding="utf-8"?>
+<p:sld xmlns:a="http://schemas.openxmlformats.org/drawingml/2006/main" xmlns:r="http://schemas.openxmlformats.org/officeDocument/2006/relationships" xmlns:p="http://schemas.openxmlformats.org/presentationml/2006/main">
+  <p:cSld>
+    <p:spTree>
+      <p:nvGrpSpPr>
+        <p:cNvPr id="1" name=""/>
+        <p:cNvGrpSpPr/>
+        <p:nvPr/>
+      </p:nvGrpSpPr>
+      <p:grpSpPr>
+        <a:xfrm>
+          <a:off x="0" y="0"/>
+          <a:ext cx="0" cy="0"/>
+          <a:chOff x="0" y="0"/>
+          <a:chExt cx="0" cy="0"/>
+        </a:xfrm>
+      </p:grpSpPr>
+      <p:sp>
+        <p:nvSpPr>
+          <p:cNvPr id="2" name="Title 1">
+            <a:extLst>
+              <a:ext uri="{FF2B5EF4-FFF2-40B4-BE49-F238E27FC236}">
+                <a16:creationId xmlns:a16="http://schemas.microsoft.com/office/drawing/2014/main" id="{F960395C-D28E-473E-A5D4-6AE003F6D494}"/>
+              </a:ext>
+            </a:extLst>
+          </p:cNvPr>
+          <p:cNvSpPr>
+            <a:spLocks noGrp="1"/>
+          </p:cNvSpPr>
+          <p:nvPr>
+            <p:ph type="title"/>
+          </p:nvPr>
+        </p:nvSpPr>
+        <p:spPr>
+          <a:xfrm>
+            <a:off x="562993" y="409515"/>
+            <a:ext cx="3609513" cy="407232"/>
+          </a:xfrm>
+        </p:spPr>
+        <p:txBody>
+          <a:bodyPr>
+            <a:normAutofit fontScale="90000"/>
+          </a:bodyPr>
+          <a:lstStyle/>
+          <a:p>
+            <a:r>
+              <a:rPr lang="en-US" dirty="0"/>
+              <a:t>Comparison</a:t>
+            </a:r>
+          </a:p>
+        </p:txBody>
+      </p:sp>
+      <p:sp>
+        <p:nvSpPr>
+          <p:cNvPr id="4" name="TextBox 3">
+            <a:extLst>
+              <a:ext uri="{FF2B5EF4-FFF2-40B4-BE49-F238E27FC236}">
+                <a16:creationId xmlns:a16="http://schemas.microsoft.com/office/drawing/2014/main" id="{DE3FED8A-62AC-48AA-9842-BEAA9DA9393C}"/>
+              </a:ext>
+            </a:extLst>
+          </p:cNvPr>
+          <p:cNvSpPr txBox="1"/>
+          <p:nvPr/>
+        </p:nvSpPr>
+        <p:spPr>
+          <a:xfrm>
+            <a:off x="683580" y="1055503"/>
+            <a:ext cx="3278398" cy="369332"/>
+          </a:xfrm>
+          <a:prstGeom prst="rect">
+            <a:avLst/>
+          </a:prstGeom>
+          <a:noFill/>
+        </p:spPr>
+        <p:txBody>
+          <a:bodyPr wrap="none" rtlCol="0">
+            <a:spAutoFit/>
+          </a:bodyPr>
+          <a:lstStyle/>
+          <a:p>
+            <a:r>
+              <a:rPr lang="en-US" b="1" dirty="0"/>
+              <a:t>INITIAL FORMULA (Expert input)</a:t>
+            </a:r>
+          </a:p>
+        </p:txBody>
+      </p:sp>
+      <p:sp>
+        <p:nvSpPr>
+          <p:cNvPr id="5" name="Rectangle 4">
+            <a:extLst>
+              <a:ext uri="{FF2B5EF4-FFF2-40B4-BE49-F238E27FC236}">
+                <a16:creationId xmlns:a16="http://schemas.microsoft.com/office/drawing/2014/main" id="{2610F445-561A-42D3-B5A3-788059E68103}"/>
+              </a:ext>
+            </a:extLst>
+          </p:cNvPr>
+          <p:cNvSpPr/>
+          <p:nvPr/>
+        </p:nvSpPr>
+        <p:spPr>
+          <a:xfrm>
+            <a:off x="798990" y="3198861"/>
+            <a:ext cx="6096000" cy="1200329"/>
+          </a:xfrm>
+          <a:prstGeom prst="rect">
+            <a:avLst/>
+          </a:prstGeom>
+        </p:spPr>
+        <p:txBody>
+          <a:bodyPr>
+            <a:spAutoFit/>
+          </a:bodyPr>
+          <a:lstStyle/>
+          <a:p>
+            <a:r>
+              <a:rPr lang="en-US" b="1" dirty="0">
+                <a:latin typeface="Consolas" panose="020B0609020204030204" pitchFamily="49" charset="0"/>
+              </a:rPr>
+              <a:t>SAPIENTINO</a:t>
+            </a:r>
+          </a:p>
+          <a:p>
+            <a:r>
+              <a:rPr lang="en-US" dirty="0">
+                <a:latin typeface="Consolas" panose="020B0609020204030204" pitchFamily="49" charset="0"/>
+              </a:rPr>
+              <a:t>&lt;(!</a:t>
+            </a:r>
+            <a:r>
+              <a:rPr lang="en-US" dirty="0" err="1">
+                <a:latin typeface="Consolas" panose="020B0609020204030204" pitchFamily="49" charset="0"/>
+              </a:rPr>
+              <a:t>bad_beep</a:t>
+            </a:r>
+            <a:r>
+              <a:rPr lang="en-US" dirty="0">
+                <a:latin typeface="Consolas" panose="020B0609020204030204" pitchFamily="49" charset="0"/>
+              </a:rPr>
+              <a:t> &amp; !red &amp; !green &amp; !blue)*;red;</a:t>
+            </a:r>
+          </a:p>
+          <a:p>
+            <a:r>
+              <a:rPr lang="en-US" dirty="0">
+                <a:latin typeface="Consolas" panose="020B0609020204030204" pitchFamily="49" charset="0"/>
+              </a:rPr>
+              <a:t> (!</a:t>
+            </a:r>
+            <a:r>
+              <a:rPr lang="en-US" dirty="0" err="1">
+                <a:latin typeface="Consolas" panose="020B0609020204030204" pitchFamily="49" charset="0"/>
+              </a:rPr>
+              <a:t>bad_beep</a:t>
+            </a:r>
+            <a:r>
+              <a:rPr lang="en-US" dirty="0">
+                <a:latin typeface="Consolas" panose="020B0609020204030204" pitchFamily="49" charset="0"/>
+              </a:rPr>
+              <a:t> &amp; !red &amp; !green &amp; !blue)*;green;</a:t>
+            </a:r>
+          </a:p>
+          <a:p>
+            <a:r>
+              <a:rPr lang="en-US" dirty="0">
+                <a:latin typeface="Consolas" panose="020B0609020204030204" pitchFamily="49" charset="0"/>
+              </a:rPr>
+              <a:t> (!</a:t>
+            </a:r>
+            <a:r>
+              <a:rPr lang="en-US" dirty="0" err="1">
+                <a:latin typeface="Consolas" panose="020B0609020204030204" pitchFamily="49" charset="0"/>
+              </a:rPr>
+              <a:t>bad_beep</a:t>
+            </a:r>
+            <a:r>
+              <a:rPr lang="en-US" dirty="0">
+                <a:latin typeface="Consolas" panose="020B0609020204030204" pitchFamily="49" charset="0"/>
+              </a:rPr>
+              <a:t> &amp; !red &amp; !green &amp; !blue)*;blue&gt;</a:t>
+            </a:r>
+            <a:r>
+              <a:rPr lang="en-US" dirty="0" err="1">
+                <a:latin typeface="Consolas" panose="020B0609020204030204" pitchFamily="49" charset="0"/>
+              </a:rPr>
+              <a:t>tt</a:t>
+            </a:r>
+            <a:endParaRPr lang="en-US" dirty="0">
+              <a:latin typeface="Consolas" panose="020B0609020204030204" pitchFamily="49" charset="0"/>
+            </a:endParaRPr>
+          </a:p>
+        </p:txBody>
+      </p:sp>
+      <p:sp>
+        <p:nvSpPr>
+          <p:cNvPr id="7" name="Rectangle 6">
+            <a:extLst>
+              <a:ext uri="{FF2B5EF4-FFF2-40B4-BE49-F238E27FC236}">
+                <a16:creationId xmlns:a16="http://schemas.microsoft.com/office/drawing/2014/main" id="{3E05375F-FFDD-4549-8356-8B3548D9FBB7}"/>
+              </a:ext>
+            </a:extLst>
+          </p:cNvPr>
+          <p:cNvSpPr/>
+          <p:nvPr/>
+        </p:nvSpPr>
+        <p:spPr>
+          <a:xfrm>
+            <a:off x="798990" y="4771289"/>
+            <a:ext cx="6096000" cy="1200329"/>
+          </a:xfrm>
+          <a:prstGeom prst="rect">
+            <a:avLst/>
+          </a:prstGeom>
+        </p:spPr>
+        <p:txBody>
+          <a:bodyPr>
+            <a:spAutoFit/>
+          </a:bodyPr>
+          <a:lstStyle/>
+          <a:p>
+            <a:r>
+              <a:rPr lang="en-US" b="1" dirty="0">
+                <a:latin typeface="Consolas" panose="020B0609020204030204" pitchFamily="49" charset="0"/>
+              </a:rPr>
+              <a:t>MINECRAFT:</a:t>
+            </a:r>
+          </a:p>
+          <a:p>
+            <a:r>
+              <a:rPr lang="en-US" dirty="0">
+                <a:latin typeface="Consolas" panose="020B0609020204030204" pitchFamily="49" charset="0"/>
+              </a:rPr>
+              <a:t>&lt;(!iron &amp; !factory &amp; !wood)*;iron;</a:t>
+            </a:r>
+          </a:p>
+          <a:p>
+            <a:r>
+              <a:rPr lang="en-US" dirty="0">
+                <a:latin typeface="Consolas" panose="020B0609020204030204" pitchFamily="49" charset="0"/>
+              </a:rPr>
+              <a:t> (!iron &amp; !factory &amp; !wood)*;wood;</a:t>
+            </a:r>
+          </a:p>
+          <a:p>
+            <a:r>
+              <a:rPr lang="en-US" dirty="0">
+                <a:latin typeface="Consolas" panose="020B0609020204030204" pitchFamily="49" charset="0"/>
+              </a:rPr>
+              <a:t> (!iron &amp; !factory &amp; !wood)*;factory&gt;</a:t>
+            </a:r>
+            <a:r>
+              <a:rPr lang="en-US" dirty="0" err="1">
+                <a:latin typeface="Consolas" panose="020B0609020204030204" pitchFamily="49" charset="0"/>
+              </a:rPr>
+              <a:t>tt</a:t>
+            </a:r>
+            <a:endParaRPr lang="en-US" dirty="0">
+              <a:latin typeface="Consolas" panose="020B0609020204030204" pitchFamily="49" charset="0"/>
+            </a:endParaRPr>
+          </a:p>
+        </p:txBody>
+      </p:sp>
+      <p:sp>
+        <p:nvSpPr>
+          <p:cNvPr id="8" name="Rectangle 7">
+            <a:extLst>
+              <a:ext uri="{FF2B5EF4-FFF2-40B4-BE49-F238E27FC236}">
+                <a16:creationId xmlns:a16="http://schemas.microsoft.com/office/drawing/2014/main" id="{DD9CA8B6-9DC3-40D7-BA0E-ECC45D0848FF}"/>
+              </a:ext>
+            </a:extLst>
+          </p:cNvPr>
+          <p:cNvSpPr/>
+          <p:nvPr/>
+        </p:nvSpPr>
+        <p:spPr>
+          <a:xfrm>
+            <a:off x="798990" y="1663934"/>
+            <a:ext cx="6904590" cy="1200329"/>
+          </a:xfrm>
+          <a:prstGeom prst="rect">
+            <a:avLst/>
+          </a:prstGeom>
+        </p:spPr>
+        <p:txBody>
+          <a:bodyPr>
+            <a:spAutoFit/>
+          </a:bodyPr>
+          <a:lstStyle/>
+          <a:p>
+            <a:r>
+              <a:rPr lang="en-US" b="1" dirty="0">
+                <a:latin typeface="Consolas" panose="020B0609020204030204" pitchFamily="49" charset="0"/>
+              </a:rPr>
+              <a:t>BREAKOUT:</a:t>
+            </a:r>
+          </a:p>
+          <a:p>
+            <a:r>
+              <a:rPr lang="en-US" dirty="0">
+                <a:latin typeface="Consolas" panose="020B0609020204030204" pitchFamily="49" charset="0"/>
+              </a:rPr>
+              <a:t>&lt;(!c0 &amp; !c1 &amp; !c2)*;c0; </a:t>
+            </a:r>
+          </a:p>
+          <a:p>
+            <a:r>
+              <a:rPr lang="en-US" dirty="0">
+                <a:latin typeface="Consolas" panose="020B0609020204030204" pitchFamily="49" charset="0"/>
+              </a:rPr>
+              <a:t> (!c0 &amp; !c1 &amp; !c2)*;c1; </a:t>
+            </a:r>
+          </a:p>
+          <a:p>
+            <a:r>
+              <a:rPr lang="en-US" dirty="0">
+                <a:latin typeface="Consolas" panose="020B0609020204030204" pitchFamily="49" charset="0"/>
+              </a:rPr>
+              <a:t> (!c0 &amp; !c1 &amp; !c2)*;c2 &gt;</a:t>
+            </a:r>
+            <a:r>
+              <a:rPr lang="en-US" dirty="0" err="1">
+                <a:latin typeface="Consolas" panose="020B0609020204030204" pitchFamily="49" charset="0"/>
+              </a:rPr>
+              <a:t>tt</a:t>
+            </a:r>
+            <a:endParaRPr lang="en-US" dirty="0">
+              <a:latin typeface="Consolas" panose="020B0609020204030204" pitchFamily="49" charset="0"/>
+            </a:endParaRPr>
+          </a:p>
+        </p:txBody>
+      </p:sp>
+      <p:sp>
+        <p:nvSpPr>
+          <p:cNvPr id="9" name="TextBox 8">
+            <a:extLst>
+              <a:ext uri="{FF2B5EF4-FFF2-40B4-BE49-F238E27FC236}">
+                <a16:creationId xmlns:a16="http://schemas.microsoft.com/office/drawing/2014/main" id="{3CE755C7-AFA5-4457-8C6E-6970E9896811}"/>
+              </a:ext>
+            </a:extLst>
+          </p:cNvPr>
+          <p:cNvSpPr txBox="1"/>
+          <p:nvPr/>
+        </p:nvSpPr>
+        <p:spPr>
+          <a:xfrm>
+            <a:off x="5095781" y="1107169"/>
+            <a:ext cx="5756319" cy="369332"/>
+          </a:xfrm>
+          <a:prstGeom prst="rect">
+            <a:avLst/>
+          </a:prstGeom>
+          <a:noFill/>
+        </p:spPr>
+        <p:txBody>
+          <a:bodyPr wrap="none" rtlCol="0">
+            <a:spAutoFit/>
+          </a:bodyPr>
+          <a:lstStyle/>
+          <a:p>
+            <a:r>
+              <a:rPr lang="en-US" dirty="0"/>
+              <a:t>(They are basically the same formula, with different names)</a:t>
+            </a:r>
+          </a:p>
+        </p:txBody>
+      </p:sp>
+    </p:spTree>
+    <p:extLst>
+      <p:ext uri="{BB962C8B-B14F-4D97-AF65-F5344CB8AC3E}">
+        <p14:creationId xmlns:p14="http://schemas.microsoft.com/office/powerpoint/2010/main" val="849138647"/>
+      </p:ext>
+    </p:extLst>
+  </p:cSld>
+  <p:clrMapOvr>
+    <a:masterClrMapping/>
+  </p:clrMapOvr>
+</p:sld>
+</file>
+
+<file path=ppt/slides/slide12.xml><?xml version="1.0" encoding="utf-8"?>
+<p:sld xmlns:a="http://schemas.openxmlformats.org/drawingml/2006/main" xmlns:r="http://schemas.openxmlformats.org/officeDocument/2006/relationships" xmlns:p="http://schemas.openxmlformats.org/presentationml/2006/main">
+  <p:cSld>
+    <p:spTree>
+      <p:nvGrpSpPr>
+        <p:cNvPr id="1" name=""/>
+        <p:cNvGrpSpPr/>
+        <p:nvPr/>
+      </p:nvGrpSpPr>
+      <p:grpSpPr>
+        <a:xfrm>
+          <a:off x="0" y="0"/>
+          <a:ext cx="0" cy="0"/>
+          <a:chOff x="0" y="0"/>
+          <a:chExt cx="0" cy="0"/>
+        </a:xfrm>
+      </p:grpSpPr>
+      <p:pic>
+        <p:nvPicPr>
+          <p:cNvPr id="8" name="Graphic 7">
+            <a:extLst>
+              <a:ext uri="{FF2B5EF4-FFF2-40B4-BE49-F238E27FC236}">
+                <a16:creationId xmlns:a16="http://schemas.microsoft.com/office/drawing/2014/main" id="{CAC711D0-89E6-48AA-A28C-CF7667AAADF6}"/>
+              </a:ext>
+            </a:extLst>
+          </p:cNvPr>
+          <p:cNvPicPr>
+            <a:picLocks noChangeAspect="1"/>
+          </p:cNvPicPr>
+          <p:nvPr/>
+        </p:nvPicPr>
+        <p:blipFill>
+          <a:blip r:embed="rId2">
+            <a:extLst>
+              <a:ext uri="{28A0092B-C50C-407E-A947-70E740481C1C}">
+                <a14:useLocalDpi xmlns:a14="http://schemas.microsoft.com/office/drawing/2010/main" val="0"/>
+              </a:ext>
+              <a:ext uri="{96DAC541-7B7A-43D3-8B79-37D633B846F1}">
+                <asvg:svgBlip xmlns:asvg="http://schemas.microsoft.com/office/drawing/2016/SVG/main" r:embed="rId3"/>
+              </a:ext>
+            </a:extLst>
+          </a:blip>
+          <a:stretch>
+            <a:fillRect/>
+          </a:stretch>
+        </p:blipFill>
+        <p:spPr>
+          <a:xfrm>
+            <a:off x="2080294" y="833304"/>
+            <a:ext cx="2271944" cy="2925128"/>
+          </a:xfrm>
+          <a:prstGeom prst="rect">
+            <a:avLst/>
+          </a:prstGeom>
+        </p:spPr>
+      </p:pic>
+      <p:sp>
+        <p:nvSpPr>
+          <p:cNvPr id="2" name="Title 1">
+            <a:extLst>
+              <a:ext uri="{FF2B5EF4-FFF2-40B4-BE49-F238E27FC236}">
+                <a16:creationId xmlns:a16="http://schemas.microsoft.com/office/drawing/2014/main" id="{C48E234A-8C9A-49EF-9E83-3A333ECAD212}"/>
+              </a:ext>
+            </a:extLst>
+          </p:cNvPr>
+          <p:cNvSpPr>
+            <a:spLocks noGrp="1"/>
+          </p:cNvSpPr>
+          <p:nvPr>
+            <p:ph type="title"/>
+          </p:nvPr>
+        </p:nvSpPr>
+        <p:spPr>
+          <a:xfrm>
+            <a:off x="548271" y="239697"/>
+            <a:ext cx="10515600" cy="767410"/>
+          </a:xfrm>
+        </p:spPr>
+        <p:txBody>
+          <a:bodyPr/>
+          <a:lstStyle/>
+          <a:p>
+            <a:r>
+              <a:rPr lang="en-US" dirty="0"/>
+              <a:t>Output diagram – learned automaton </a:t>
+            </a:r>
+          </a:p>
+        </p:txBody>
+      </p:sp>
+      <p:pic>
+        <p:nvPicPr>
+          <p:cNvPr id="4" name="Graphic 3">
+            <a:extLst>
+              <a:ext uri="{FF2B5EF4-FFF2-40B4-BE49-F238E27FC236}">
+                <a16:creationId xmlns:a16="http://schemas.microsoft.com/office/drawing/2014/main" id="{532D97EA-3EB4-4CC1-AD18-4B23514A5617}"/>
+              </a:ext>
+            </a:extLst>
+          </p:cNvPr>
+          <p:cNvPicPr>
+            <a:picLocks noChangeAspect="1"/>
+          </p:cNvPicPr>
+          <p:nvPr/>
+        </p:nvPicPr>
+        <p:blipFill>
+          <a:blip r:embed="rId4">
+            <a:extLst>
+              <a:ext uri="{28A0092B-C50C-407E-A947-70E740481C1C}">
+                <a14:useLocalDpi xmlns:a14="http://schemas.microsoft.com/office/drawing/2010/main" val="0"/>
+              </a:ext>
+              <a:ext uri="{96DAC541-7B7A-43D3-8B79-37D633B846F1}">
+                <asvg:svgBlip xmlns:asvg="http://schemas.microsoft.com/office/drawing/2016/SVG/main" r:embed="rId5"/>
+              </a:ext>
+            </a:extLst>
+          </a:blip>
+          <a:stretch>
+            <a:fillRect/>
+          </a:stretch>
+        </p:blipFill>
+        <p:spPr>
+          <a:xfrm>
+            <a:off x="2513896" y="3867856"/>
+            <a:ext cx="7164207" cy="2603787"/>
+          </a:xfrm>
+          <a:prstGeom prst="rect">
+            <a:avLst/>
+          </a:prstGeom>
+        </p:spPr>
+      </p:pic>
+      <p:sp>
+        <p:nvSpPr>
+          <p:cNvPr id="5" name="Rectangle 4">
+            <a:extLst>
+              <a:ext uri="{FF2B5EF4-FFF2-40B4-BE49-F238E27FC236}">
+                <a16:creationId xmlns:a16="http://schemas.microsoft.com/office/drawing/2014/main" id="{C336C747-9359-4CBC-9403-8FD9DDC0EB2C}"/>
+              </a:ext>
+            </a:extLst>
+          </p:cNvPr>
+          <p:cNvSpPr/>
+          <p:nvPr/>
+        </p:nvSpPr>
+        <p:spPr>
+          <a:xfrm>
+            <a:off x="983905" y="1150012"/>
+            <a:ext cx="1324402" cy="369332"/>
+          </a:xfrm>
+          <a:prstGeom prst="rect">
+            <a:avLst/>
+          </a:prstGeom>
+        </p:spPr>
+        <p:txBody>
+          <a:bodyPr wrap="none">
+            <a:spAutoFit/>
+          </a:bodyPr>
+          <a:lstStyle/>
+          <a:p>
+            <a:r>
+              <a:rPr lang="en-US" b="1" dirty="0">
+                <a:latin typeface="Consolas" panose="020B0609020204030204" pitchFamily="49" charset="0"/>
+              </a:rPr>
+              <a:t>BREAKOUT:</a:t>
+            </a:r>
+          </a:p>
+        </p:txBody>
+      </p:sp>
+      <p:sp>
+        <p:nvSpPr>
+          <p:cNvPr id="7" name="Rectangle 6">
+            <a:extLst>
+              <a:ext uri="{FF2B5EF4-FFF2-40B4-BE49-F238E27FC236}">
+                <a16:creationId xmlns:a16="http://schemas.microsoft.com/office/drawing/2014/main" id="{DABAEA4F-63C0-4912-8C3F-054A68E8FA99}"/>
+              </a:ext>
+            </a:extLst>
+          </p:cNvPr>
+          <p:cNvSpPr/>
+          <p:nvPr/>
+        </p:nvSpPr>
+        <p:spPr>
+          <a:xfrm>
+            <a:off x="5158742" y="3758432"/>
+            <a:ext cx="1451038" cy="369332"/>
+          </a:xfrm>
+          <a:prstGeom prst="rect">
+            <a:avLst/>
+          </a:prstGeom>
+        </p:spPr>
+        <p:txBody>
+          <a:bodyPr wrap="none">
+            <a:spAutoFit/>
+          </a:bodyPr>
+          <a:lstStyle/>
+          <a:p>
+            <a:r>
+              <a:rPr lang="en-US" b="1" dirty="0">
+                <a:latin typeface="Consolas" panose="020B0609020204030204" pitchFamily="49" charset="0"/>
+              </a:rPr>
+              <a:t>MINECRAFT:</a:t>
+            </a:r>
+          </a:p>
+        </p:txBody>
+      </p:sp>
+      <p:pic>
+        <p:nvPicPr>
+          <p:cNvPr id="9" name="Graphic 8">
+            <a:extLst>
+              <a:ext uri="{FF2B5EF4-FFF2-40B4-BE49-F238E27FC236}">
+                <a16:creationId xmlns:a16="http://schemas.microsoft.com/office/drawing/2014/main" id="{50CF1C7E-288D-4F6A-8822-7A20F9EE565D}"/>
+              </a:ext>
+            </a:extLst>
+          </p:cNvPr>
+          <p:cNvPicPr>
+            <a:picLocks noChangeAspect="1"/>
+          </p:cNvPicPr>
+          <p:nvPr/>
+        </p:nvPicPr>
+        <p:blipFill>
+          <a:blip r:embed="rId6">
+            <a:extLst>
+              <a:ext uri="{28A0092B-C50C-407E-A947-70E740481C1C}">
+                <a14:useLocalDpi xmlns:a14="http://schemas.microsoft.com/office/drawing/2010/main" val="0"/>
+              </a:ext>
+              <a:ext uri="{96DAC541-7B7A-43D3-8B79-37D633B846F1}">
+                <asvg:svgBlip xmlns:asvg="http://schemas.microsoft.com/office/drawing/2016/SVG/main" r:embed="rId7"/>
+              </a:ext>
+            </a:extLst>
+          </a:blip>
+          <a:stretch>
+            <a:fillRect/>
+          </a:stretch>
+        </p:blipFill>
+        <p:spPr>
+          <a:xfrm>
+            <a:off x="6895709" y="966994"/>
+            <a:ext cx="4442067" cy="2859581"/>
+          </a:xfrm>
+          <a:prstGeom prst="rect">
+            <a:avLst/>
+          </a:prstGeom>
+        </p:spPr>
+      </p:pic>
+      <p:sp>
+        <p:nvSpPr>
+          <p:cNvPr id="6" name="Rectangle 5">
+            <a:extLst>
+              <a:ext uri="{FF2B5EF4-FFF2-40B4-BE49-F238E27FC236}">
+                <a16:creationId xmlns:a16="http://schemas.microsoft.com/office/drawing/2014/main" id="{1A79A802-63B6-4CD9-AD99-4B34731C1D2D}"/>
+              </a:ext>
+            </a:extLst>
+          </p:cNvPr>
+          <p:cNvSpPr/>
+          <p:nvPr/>
+        </p:nvSpPr>
+        <p:spPr>
+          <a:xfrm>
+            <a:off x="5963907" y="1229887"/>
+            <a:ext cx="1577676" cy="369332"/>
+          </a:xfrm>
+          <a:prstGeom prst="rect">
+            <a:avLst/>
+          </a:prstGeom>
+        </p:spPr>
+        <p:txBody>
+          <a:bodyPr wrap="none">
+            <a:spAutoFit/>
+          </a:bodyPr>
+          <a:lstStyle/>
+          <a:p>
+            <a:r>
+              <a:rPr lang="en-US" b="1" dirty="0">
+                <a:latin typeface="Consolas" panose="020B0609020204030204" pitchFamily="49" charset="0"/>
+              </a:rPr>
+              <a:t>SAPIENTINO:</a:t>
+            </a:r>
+          </a:p>
+        </p:txBody>
+      </p:sp>
+    </p:spTree>
+    <p:extLst>
+      <p:ext uri="{BB962C8B-B14F-4D97-AF65-F5344CB8AC3E}">
+        <p14:creationId xmlns:p14="http://schemas.microsoft.com/office/powerpoint/2010/main" val="2774839794"/>
+      </p:ext>
+    </p:extLst>
+  </p:cSld>
+  <p:clrMapOvr>
+    <a:masterClrMapping/>
+  </p:clrMapOvr>
+</p:sld>
+</file>
+
 <file path=ppt/slides/slide2.xml><?xml version="1.0" encoding="utf-8"?>
 <p:sld xmlns:a="http://schemas.openxmlformats.org/drawingml/2006/main" xmlns:r="http://schemas.openxmlformats.org/officeDocument/2006/relationships" xmlns:p="http://schemas.openxmlformats.org/presentationml/2006/main">
   <p:cSld>
@@ -3707,6 +5497,4386 @@
     <p:extLst>
       <p:ext uri="{BB962C8B-B14F-4D97-AF65-F5344CB8AC3E}">
         <p14:creationId xmlns:p14="http://schemas.microsoft.com/office/powerpoint/2010/main" val="1934166974"/>
+      </p:ext>
+    </p:extLst>
+  </p:cSld>
+  <p:clrMapOvr>
+    <a:masterClrMapping/>
+  </p:clrMapOvr>
+</p:sld>
+</file>
+
+<file path=ppt/slides/slide3.xml><?xml version="1.0" encoding="utf-8"?>
+<p:sld xmlns:a="http://schemas.openxmlformats.org/drawingml/2006/main" xmlns:r="http://schemas.openxmlformats.org/officeDocument/2006/relationships" xmlns:p="http://schemas.openxmlformats.org/presentationml/2006/main">
+  <p:cSld>
+    <p:spTree>
+      <p:nvGrpSpPr>
+        <p:cNvPr id="1" name=""/>
+        <p:cNvGrpSpPr/>
+        <p:nvPr/>
+      </p:nvGrpSpPr>
+      <p:grpSpPr>
+        <a:xfrm>
+          <a:off x="0" y="0"/>
+          <a:ext cx="0" cy="0"/>
+          <a:chOff x="0" y="0"/>
+          <a:chExt cx="0" cy="0"/>
+        </a:xfrm>
+      </p:grpSpPr>
+      <p:sp>
+        <p:nvSpPr>
+          <p:cNvPr id="2" name="Title 1">
+            <a:extLst>
+              <a:ext uri="{FF2B5EF4-FFF2-40B4-BE49-F238E27FC236}">
+                <a16:creationId xmlns:a16="http://schemas.microsoft.com/office/drawing/2014/main" id="{97B28175-D332-4E0A-A780-4C2BEADA35F3}"/>
+              </a:ext>
+            </a:extLst>
+          </p:cNvPr>
+          <p:cNvSpPr>
+            <a:spLocks noGrp="1"/>
+          </p:cNvSpPr>
+          <p:nvPr>
+            <p:ph type="title"/>
+          </p:nvPr>
+        </p:nvSpPr>
+        <p:spPr>
+          <a:xfrm>
+            <a:off x="1005414" y="229963"/>
+            <a:ext cx="10515600" cy="1325563"/>
+          </a:xfrm>
+        </p:spPr>
+        <p:txBody>
+          <a:bodyPr/>
+          <a:lstStyle/>
+          <a:p>
+            <a:r>
+              <a:rPr lang="en-US" dirty="0">
+                <a:latin typeface="Segoe UI" panose="020B0502040204020203" pitchFamily="34" charset="0"/>
+                <a:cs typeface="Segoe UI" panose="020B0502040204020203" pitchFamily="34" charset="0"/>
+              </a:rPr>
+              <a:t>BREAKOUT - Diagrams</a:t>
+            </a:r>
+          </a:p>
+        </p:txBody>
+      </p:sp>
+      <p:pic>
+        <p:nvPicPr>
+          <p:cNvPr id="5" name="Graphic 4">
+            <a:extLst>
+              <a:ext uri="{FF2B5EF4-FFF2-40B4-BE49-F238E27FC236}">
+                <a16:creationId xmlns:a16="http://schemas.microsoft.com/office/drawing/2014/main" id="{F7670FF5-4482-4B78-9ECA-9C07DAFDF7FF}"/>
+              </a:ext>
+            </a:extLst>
+          </p:cNvPr>
+          <p:cNvPicPr>
+            <a:picLocks noChangeAspect="1"/>
+          </p:cNvPicPr>
+          <p:nvPr/>
+        </p:nvPicPr>
+        <p:blipFill>
+          <a:blip r:embed="rId2">
+            <a:extLst>
+              <a:ext uri="{28A0092B-C50C-407E-A947-70E740481C1C}">
+                <a14:useLocalDpi xmlns:a14="http://schemas.microsoft.com/office/drawing/2010/main" val="0"/>
+              </a:ext>
+              <a:ext uri="{96DAC541-7B7A-43D3-8B79-37D633B846F1}">
+                <asvg:svgBlip xmlns:asvg="http://schemas.microsoft.com/office/drawing/2016/SVG/main" r:embed="rId3"/>
+              </a:ext>
+            </a:extLst>
+          </a:blip>
+          <a:stretch>
+            <a:fillRect/>
+          </a:stretch>
+        </p:blipFill>
+        <p:spPr>
+          <a:xfrm>
+            <a:off x="8327995" y="2395367"/>
+            <a:ext cx="2683508" cy="3455017"/>
+          </a:xfrm>
+          <a:prstGeom prst="rect">
+            <a:avLst/>
+          </a:prstGeom>
+        </p:spPr>
+      </p:pic>
+      <p:pic>
+        <p:nvPicPr>
+          <p:cNvPr id="7" name="Graphic 6">
+            <a:extLst>
+              <a:ext uri="{FF2B5EF4-FFF2-40B4-BE49-F238E27FC236}">
+                <a16:creationId xmlns:a16="http://schemas.microsoft.com/office/drawing/2014/main" id="{D466980F-3732-4E5E-8569-42616FCD2DD1}"/>
+              </a:ext>
+            </a:extLst>
+          </p:cNvPr>
+          <p:cNvPicPr>
+            <a:picLocks noChangeAspect="1"/>
+          </p:cNvPicPr>
+          <p:nvPr/>
+        </p:nvPicPr>
+        <p:blipFill rotWithShape="1">
+          <a:blip r:embed="rId4">
+            <a:extLst>
+              <a:ext uri="{28A0092B-C50C-407E-A947-70E740481C1C}">
+                <a14:useLocalDpi xmlns:a14="http://schemas.microsoft.com/office/drawing/2010/main" val="0"/>
+              </a:ext>
+              <a:ext uri="{96DAC541-7B7A-43D3-8B79-37D633B846F1}">
+                <asvg:svgBlip xmlns:asvg="http://schemas.microsoft.com/office/drawing/2016/SVG/main" r:embed="rId5"/>
+              </a:ext>
+            </a:extLst>
+          </a:blip>
+          <a:srcRect r="11377"/>
+          <a:stretch/>
+        </p:blipFill>
+        <p:spPr>
+          <a:xfrm>
+            <a:off x="639194" y="2145845"/>
+            <a:ext cx="7375852" cy="3540534"/>
+          </a:xfrm>
+          <a:prstGeom prst="rect">
+            <a:avLst/>
+          </a:prstGeom>
+        </p:spPr>
+      </p:pic>
+      <p:sp>
+        <p:nvSpPr>
+          <p:cNvPr id="8" name="TextBox 7">
+            <a:extLst>
+              <a:ext uri="{FF2B5EF4-FFF2-40B4-BE49-F238E27FC236}">
+                <a16:creationId xmlns:a16="http://schemas.microsoft.com/office/drawing/2014/main" id="{BC86A4A1-9831-4F28-9828-03840F88C7D7}"/>
+              </a:ext>
+            </a:extLst>
+          </p:cNvPr>
+          <p:cNvSpPr txBox="1"/>
+          <p:nvPr/>
+        </p:nvSpPr>
+        <p:spPr>
+          <a:xfrm>
+            <a:off x="3258104" y="1776513"/>
+            <a:ext cx="1792863" cy="369332"/>
+          </a:xfrm>
+          <a:prstGeom prst="rect">
+            <a:avLst/>
+          </a:prstGeom>
+          <a:noFill/>
+        </p:spPr>
+        <p:txBody>
+          <a:bodyPr wrap="none" rtlCol="0">
+            <a:spAutoFit/>
+          </a:bodyPr>
+          <a:lstStyle/>
+          <a:p>
+            <a:r>
+              <a:rPr lang="en-US" dirty="0">
+                <a:latin typeface="Segoe UI" panose="020B0502040204020203" pitchFamily="34" charset="0"/>
+                <a:cs typeface="Segoe UI" panose="020B0502040204020203" pitchFamily="34" charset="0"/>
+              </a:rPr>
+              <a:t>True automaton</a:t>
+            </a:r>
+          </a:p>
+        </p:txBody>
+      </p:sp>
+      <p:sp>
+        <p:nvSpPr>
+          <p:cNvPr id="9" name="TextBox 8">
+            <a:extLst>
+              <a:ext uri="{FF2B5EF4-FFF2-40B4-BE49-F238E27FC236}">
+                <a16:creationId xmlns:a16="http://schemas.microsoft.com/office/drawing/2014/main" id="{B8A9C2E9-4C62-4797-A747-0EFEA7DAC690}"/>
+              </a:ext>
+            </a:extLst>
+          </p:cNvPr>
+          <p:cNvSpPr txBox="1"/>
+          <p:nvPr/>
+        </p:nvSpPr>
+        <p:spPr>
+          <a:xfrm>
+            <a:off x="8469296" y="1776513"/>
+            <a:ext cx="2174763" cy="369332"/>
+          </a:xfrm>
+          <a:prstGeom prst="rect">
+            <a:avLst/>
+          </a:prstGeom>
+          <a:noFill/>
+        </p:spPr>
+        <p:txBody>
+          <a:bodyPr wrap="none" rtlCol="0">
+            <a:spAutoFit/>
+          </a:bodyPr>
+          <a:lstStyle/>
+          <a:p>
+            <a:r>
+              <a:rPr lang="en-US" dirty="0">
+                <a:latin typeface="Segoe UI" panose="020B0502040204020203" pitchFamily="34" charset="0"/>
+                <a:cs typeface="Segoe UI" panose="020B0502040204020203" pitchFamily="34" charset="0"/>
+              </a:rPr>
+              <a:t>Learned automaton</a:t>
+            </a:r>
+          </a:p>
+        </p:txBody>
+      </p:sp>
+      <p:pic>
+        <p:nvPicPr>
+          <p:cNvPr id="10" name="Picture 9">
+            <a:extLst>
+              <a:ext uri="{FF2B5EF4-FFF2-40B4-BE49-F238E27FC236}">
+                <a16:creationId xmlns:a16="http://schemas.microsoft.com/office/drawing/2014/main" id="{696E9F9A-545B-4663-A7C6-50F145227FB4}"/>
+              </a:ext>
+            </a:extLst>
+          </p:cNvPr>
+          <p:cNvPicPr>
+            <a:picLocks noChangeAspect="1"/>
+          </p:cNvPicPr>
+          <p:nvPr/>
+        </p:nvPicPr>
+        <p:blipFill>
+          <a:blip r:embed="rId6"/>
+          <a:stretch>
+            <a:fillRect/>
+          </a:stretch>
+        </p:blipFill>
+        <p:spPr>
+          <a:xfrm>
+            <a:off x="0" y="0"/>
+            <a:ext cx="1005414" cy="1850876"/>
+          </a:xfrm>
+          <a:prstGeom prst="rect">
+            <a:avLst/>
+          </a:prstGeom>
+        </p:spPr>
+      </p:pic>
+    </p:spTree>
+    <p:extLst>
+      <p:ext uri="{BB962C8B-B14F-4D97-AF65-F5344CB8AC3E}">
+        <p14:creationId xmlns:p14="http://schemas.microsoft.com/office/powerpoint/2010/main" val="3983975931"/>
+      </p:ext>
+    </p:extLst>
+  </p:cSld>
+  <p:clrMapOvr>
+    <a:masterClrMapping/>
+  </p:clrMapOvr>
+</p:sld>
+</file>
+
+<file path=ppt/slides/slide4.xml><?xml version="1.0" encoding="utf-8"?>
+<p:sld xmlns:a="http://schemas.openxmlformats.org/drawingml/2006/main" xmlns:r="http://schemas.openxmlformats.org/officeDocument/2006/relationships" xmlns:p="http://schemas.openxmlformats.org/presentationml/2006/main">
+  <p:cSld>
+    <p:spTree>
+      <p:nvGrpSpPr>
+        <p:cNvPr id="1" name=""/>
+        <p:cNvGrpSpPr/>
+        <p:nvPr/>
+      </p:nvGrpSpPr>
+      <p:grpSpPr>
+        <a:xfrm>
+          <a:off x="0" y="0"/>
+          <a:ext cx="0" cy="0"/>
+          <a:chOff x="0" y="0"/>
+          <a:chExt cx="0" cy="0"/>
+        </a:xfrm>
+      </p:grpSpPr>
+      <p:sp>
+        <p:nvSpPr>
+          <p:cNvPr id="2" name="Title 1">
+            <a:extLst>
+              <a:ext uri="{FF2B5EF4-FFF2-40B4-BE49-F238E27FC236}">
+                <a16:creationId xmlns:a16="http://schemas.microsoft.com/office/drawing/2014/main" id="{97B28175-D332-4E0A-A780-4C2BEADA35F3}"/>
+              </a:ext>
+            </a:extLst>
+          </p:cNvPr>
+          <p:cNvSpPr>
+            <a:spLocks noGrp="1"/>
+          </p:cNvSpPr>
+          <p:nvPr>
+            <p:ph type="title"/>
+          </p:nvPr>
+        </p:nvSpPr>
+        <p:spPr>
+          <a:xfrm>
+            <a:off x="1071775" y="238623"/>
+            <a:ext cx="4115510" cy="377992"/>
+          </a:xfrm>
+        </p:spPr>
+        <p:txBody>
+          <a:bodyPr>
+            <a:normAutofit fontScale="90000"/>
+          </a:bodyPr>
+          <a:lstStyle/>
+          <a:p>
+            <a:r>
+              <a:rPr lang="en-US" sz="2400" dirty="0">
+                <a:latin typeface="Segoe UI" panose="020B0502040204020203" pitchFamily="34" charset="0"/>
+                <a:cs typeface="Segoe UI" panose="020B0502040204020203" pitchFamily="34" charset="0"/>
+              </a:rPr>
+              <a:t>BREAKOUT</a:t>
+            </a:r>
+            <a:r>
+              <a:rPr lang="en-US" sz="2800" dirty="0">
+                <a:latin typeface="Segoe UI" panose="020B0502040204020203" pitchFamily="34" charset="0"/>
+                <a:cs typeface="Segoe UI" panose="020B0502040204020203" pitchFamily="34" charset="0"/>
+              </a:rPr>
+              <a:t> - Diagrams</a:t>
+            </a:r>
+          </a:p>
+        </p:txBody>
+      </p:sp>
+      <p:pic>
+        <p:nvPicPr>
+          <p:cNvPr id="5" name="Graphic 4">
+            <a:extLst>
+              <a:ext uri="{FF2B5EF4-FFF2-40B4-BE49-F238E27FC236}">
+                <a16:creationId xmlns:a16="http://schemas.microsoft.com/office/drawing/2014/main" id="{F7670FF5-4482-4B78-9ECA-9C07DAFDF7FF}"/>
+              </a:ext>
+            </a:extLst>
+          </p:cNvPr>
+          <p:cNvPicPr>
+            <a:picLocks noChangeAspect="1"/>
+          </p:cNvPicPr>
+          <p:nvPr/>
+        </p:nvPicPr>
+        <p:blipFill>
+          <a:blip r:embed="rId2">
+            <a:extLst>
+              <a:ext uri="{28A0092B-C50C-407E-A947-70E740481C1C}">
+                <a14:useLocalDpi xmlns:a14="http://schemas.microsoft.com/office/drawing/2010/main" val="0"/>
+              </a:ext>
+              <a:ext uri="{96DAC541-7B7A-43D3-8B79-37D633B846F1}">
+                <asvg:svgBlip xmlns:asvg="http://schemas.microsoft.com/office/drawing/2016/SVG/main" r:embed="rId3"/>
+              </a:ext>
+            </a:extLst>
+          </a:blip>
+          <a:stretch>
+            <a:fillRect/>
+          </a:stretch>
+        </p:blipFill>
+        <p:spPr>
+          <a:xfrm>
+            <a:off x="7696940" y="1171621"/>
+            <a:ext cx="3201491" cy="3375119"/>
+          </a:xfrm>
+          <a:prstGeom prst="rect">
+            <a:avLst/>
+          </a:prstGeom>
+        </p:spPr>
+      </p:pic>
+      <p:pic>
+        <p:nvPicPr>
+          <p:cNvPr id="7" name="Graphic 6">
+            <a:extLst>
+              <a:ext uri="{FF2B5EF4-FFF2-40B4-BE49-F238E27FC236}">
+                <a16:creationId xmlns:a16="http://schemas.microsoft.com/office/drawing/2014/main" id="{D466980F-3732-4E5E-8569-42616FCD2DD1}"/>
+              </a:ext>
+            </a:extLst>
+          </p:cNvPr>
+          <p:cNvPicPr>
+            <a:picLocks noChangeAspect="1"/>
+          </p:cNvPicPr>
+          <p:nvPr/>
+        </p:nvPicPr>
+        <p:blipFill rotWithShape="1">
+          <a:blip r:embed="rId4">
+            <a:extLst>
+              <a:ext uri="{28A0092B-C50C-407E-A947-70E740481C1C}">
+                <a14:useLocalDpi xmlns:a14="http://schemas.microsoft.com/office/drawing/2010/main" val="0"/>
+              </a:ext>
+              <a:ext uri="{96DAC541-7B7A-43D3-8B79-37D633B846F1}">
+                <asvg:svgBlip xmlns:asvg="http://schemas.microsoft.com/office/drawing/2016/SVG/main" r:embed="rId5"/>
+              </a:ext>
+            </a:extLst>
+          </a:blip>
+          <a:srcRect r="11377"/>
+          <a:stretch/>
+        </p:blipFill>
+        <p:spPr>
+          <a:xfrm>
+            <a:off x="1429327" y="1107104"/>
+            <a:ext cx="5297732" cy="2104432"/>
+          </a:xfrm>
+          <a:prstGeom prst="rect">
+            <a:avLst/>
+          </a:prstGeom>
+        </p:spPr>
+      </p:pic>
+      <p:sp>
+        <p:nvSpPr>
+          <p:cNvPr id="8" name="TextBox 7">
+            <a:extLst>
+              <a:ext uri="{FF2B5EF4-FFF2-40B4-BE49-F238E27FC236}">
+                <a16:creationId xmlns:a16="http://schemas.microsoft.com/office/drawing/2014/main" id="{BC86A4A1-9831-4F28-9828-03840F88C7D7}"/>
+              </a:ext>
+            </a:extLst>
+          </p:cNvPr>
+          <p:cNvSpPr txBox="1"/>
+          <p:nvPr/>
+        </p:nvSpPr>
+        <p:spPr>
+          <a:xfrm>
+            <a:off x="2493278" y="833067"/>
+            <a:ext cx="2060967" cy="369332"/>
+          </a:xfrm>
+          <a:prstGeom prst="rect">
+            <a:avLst/>
+          </a:prstGeom>
+          <a:noFill/>
+        </p:spPr>
+        <p:txBody>
+          <a:bodyPr wrap="square" rtlCol="0">
+            <a:spAutoFit/>
+          </a:bodyPr>
+          <a:lstStyle/>
+          <a:p>
+            <a:r>
+              <a:rPr lang="en-US" b="1" dirty="0">
+                <a:latin typeface="Segoe UI" panose="020B0502040204020203" pitchFamily="34" charset="0"/>
+                <a:cs typeface="Segoe UI" panose="020B0502040204020203" pitchFamily="34" charset="0"/>
+              </a:rPr>
+              <a:t>True automaton</a:t>
+            </a:r>
+          </a:p>
+        </p:txBody>
+      </p:sp>
+      <p:sp>
+        <p:nvSpPr>
+          <p:cNvPr id="9" name="TextBox 8">
+            <a:extLst>
+              <a:ext uri="{FF2B5EF4-FFF2-40B4-BE49-F238E27FC236}">
+                <a16:creationId xmlns:a16="http://schemas.microsoft.com/office/drawing/2014/main" id="{B8A9C2E9-4C62-4797-A747-0EFEA7DAC690}"/>
+              </a:ext>
+            </a:extLst>
+          </p:cNvPr>
+          <p:cNvSpPr txBox="1"/>
+          <p:nvPr/>
+        </p:nvSpPr>
+        <p:spPr>
+          <a:xfrm>
+            <a:off x="8214923" y="740772"/>
+            <a:ext cx="2658154" cy="369332"/>
+          </a:xfrm>
+          <a:prstGeom prst="rect">
+            <a:avLst/>
+          </a:prstGeom>
+          <a:noFill/>
+        </p:spPr>
+        <p:txBody>
+          <a:bodyPr wrap="square" rtlCol="0">
+            <a:spAutoFit/>
+          </a:bodyPr>
+          <a:lstStyle/>
+          <a:p>
+            <a:r>
+              <a:rPr lang="en-US" b="1" dirty="0">
+                <a:latin typeface="Segoe UI" panose="020B0502040204020203" pitchFamily="34" charset="0"/>
+                <a:cs typeface="Segoe UI" panose="020B0502040204020203" pitchFamily="34" charset="0"/>
+              </a:rPr>
+              <a:t>Learned automaton</a:t>
+            </a:r>
+          </a:p>
+        </p:txBody>
+      </p:sp>
+      <p:pic>
+        <p:nvPicPr>
+          <p:cNvPr id="10" name="Picture 9">
+            <a:extLst>
+              <a:ext uri="{FF2B5EF4-FFF2-40B4-BE49-F238E27FC236}">
+                <a16:creationId xmlns:a16="http://schemas.microsoft.com/office/drawing/2014/main" id="{696E9F9A-545B-4663-A7C6-50F145227FB4}"/>
+              </a:ext>
+            </a:extLst>
+          </p:cNvPr>
+          <p:cNvPicPr>
+            <a:picLocks noChangeAspect="1"/>
+          </p:cNvPicPr>
+          <p:nvPr/>
+        </p:nvPicPr>
+        <p:blipFill>
+          <a:blip r:embed="rId6"/>
+          <a:stretch>
+            <a:fillRect/>
+          </a:stretch>
+        </p:blipFill>
+        <p:spPr>
+          <a:xfrm>
+            <a:off x="0" y="0"/>
+            <a:ext cx="1005414" cy="1850876"/>
+          </a:xfrm>
+          <a:prstGeom prst="rect">
+            <a:avLst/>
+          </a:prstGeom>
+        </p:spPr>
+      </p:pic>
+      <p:sp>
+        <p:nvSpPr>
+          <p:cNvPr id="11" name="TextBox 10">
+            <a:extLst>
+              <a:ext uri="{FF2B5EF4-FFF2-40B4-BE49-F238E27FC236}">
+                <a16:creationId xmlns:a16="http://schemas.microsoft.com/office/drawing/2014/main" id="{4588691A-8A71-4FA2-BD78-BDDB20DA2AD8}"/>
+              </a:ext>
+            </a:extLst>
+          </p:cNvPr>
+          <p:cNvSpPr txBox="1"/>
+          <p:nvPr/>
+        </p:nvSpPr>
+        <p:spPr>
+          <a:xfrm>
+            <a:off x="843145" y="3414606"/>
+            <a:ext cx="1622560" cy="338554"/>
+          </a:xfrm>
+          <a:prstGeom prst="rect">
+            <a:avLst/>
+          </a:prstGeom>
+          <a:noFill/>
+        </p:spPr>
+        <p:txBody>
+          <a:bodyPr wrap="none" rtlCol="0">
+            <a:spAutoFit/>
+          </a:bodyPr>
+          <a:lstStyle/>
+          <a:p>
+            <a:r>
+              <a:rPr lang="en-US" sz="1600" b="1" dirty="0">
+                <a:latin typeface="Arial" panose="020B0604020202020204" pitchFamily="34" charset="0"/>
+                <a:cs typeface="Arial" panose="020B0604020202020204" pitchFamily="34" charset="0"/>
+              </a:rPr>
+              <a:t>Formula string</a:t>
+            </a:r>
+          </a:p>
+        </p:txBody>
+      </p:sp>
+      <p:sp>
+        <p:nvSpPr>
+          <p:cNvPr id="12" name="Rectangle 11">
+            <a:extLst>
+              <a:ext uri="{FF2B5EF4-FFF2-40B4-BE49-F238E27FC236}">
+                <a16:creationId xmlns:a16="http://schemas.microsoft.com/office/drawing/2014/main" id="{561575A4-B74F-440B-98EC-D60119805502}"/>
+              </a:ext>
+            </a:extLst>
+          </p:cNvPr>
+          <p:cNvSpPr/>
+          <p:nvPr/>
+        </p:nvSpPr>
+        <p:spPr>
+          <a:xfrm>
+            <a:off x="843145" y="3748816"/>
+            <a:ext cx="8013577" cy="830997"/>
+          </a:xfrm>
+          <a:prstGeom prst="rect">
+            <a:avLst/>
+          </a:prstGeom>
+        </p:spPr>
+        <p:txBody>
+          <a:bodyPr wrap="square">
+            <a:spAutoFit/>
+          </a:bodyPr>
+          <a:lstStyle/>
+          <a:p>
+            <a:r>
+              <a:rPr lang="en-US" sz="1600" dirty="0">
+                <a:latin typeface="Consolas" panose="020B0609020204030204" pitchFamily="49" charset="0"/>
+                <a:cs typeface="Arial" panose="020B0604020202020204" pitchFamily="34" charset="0"/>
+              </a:rPr>
+              <a:t>&lt; (!c0 &amp; !c1 &amp; !c2) * ; c0 ; </a:t>
+            </a:r>
+          </a:p>
+          <a:p>
+            <a:r>
+              <a:rPr lang="en-US" sz="1600" dirty="0">
+                <a:latin typeface="Consolas" panose="020B0609020204030204" pitchFamily="49" charset="0"/>
+                <a:cs typeface="Arial" panose="020B0604020202020204" pitchFamily="34" charset="0"/>
+              </a:rPr>
+              <a:t>  (!c0 &amp; !c1 &amp; !c2) * ; c1 ; </a:t>
+            </a:r>
+          </a:p>
+          <a:p>
+            <a:r>
+              <a:rPr lang="en-US" sz="1600" dirty="0">
+                <a:latin typeface="Consolas" panose="020B0609020204030204" pitchFamily="49" charset="0"/>
+                <a:cs typeface="Arial" panose="020B0604020202020204" pitchFamily="34" charset="0"/>
+              </a:rPr>
+              <a:t>  (!c0 &amp; !c1 &amp; !c2) * ; c2 &gt;</a:t>
+            </a:r>
+            <a:r>
+              <a:rPr lang="en-US" sz="1600" dirty="0" err="1">
+                <a:latin typeface="Consolas" panose="020B0609020204030204" pitchFamily="49" charset="0"/>
+                <a:cs typeface="Arial" panose="020B0604020202020204" pitchFamily="34" charset="0"/>
+              </a:rPr>
+              <a:t>tt</a:t>
+            </a:r>
+            <a:endParaRPr lang="en-US" sz="1600" dirty="0">
+              <a:latin typeface="Consolas" panose="020B0609020204030204" pitchFamily="49" charset="0"/>
+              <a:cs typeface="Arial" panose="020B0604020202020204" pitchFamily="34" charset="0"/>
+            </a:endParaRPr>
+          </a:p>
+        </p:txBody>
+      </p:sp>
+      <p:sp>
+        <p:nvSpPr>
+          <p:cNvPr id="3" name="Rectangle 2">
+            <a:extLst>
+              <a:ext uri="{FF2B5EF4-FFF2-40B4-BE49-F238E27FC236}">
+                <a16:creationId xmlns:a16="http://schemas.microsoft.com/office/drawing/2014/main" id="{01018E73-9914-4F5F-806B-ED6F502383AE}"/>
+              </a:ext>
+            </a:extLst>
+          </p:cNvPr>
+          <p:cNvSpPr/>
+          <p:nvPr/>
+        </p:nvSpPr>
+        <p:spPr>
+          <a:xfrm>
+            <a:off x="843145" y="4546740"/>
+            <a:ext cx="10360473" cy="646331"/>
+          </a:xfrm>
+          <a:prstGeom prst="rect">
+            <a:avLst/>
+          </a:prstGeom>
+        </p:spPr>
+        <p:txBody>
+          <a:bodyPr wrap="square">
+            <a:spAutoFit/>
+          </a:bodyPr>
+          <a:lstStyle/>
+          <a:p>
+            <a:r>
+              <a:rPr lang="en-US" b="1" dirty="0"/>
+              <a:t>Formula</a:t>
+            </a:r>
+          </a:p>
+          <a:p>
+            <a:r>
+              <a:rPr lang="en-US" dirty="0"/>
+              <a:t>&lt;(((!(c1) &amp; !(c0) &amp; !(c2)))* ; c0 ; ((!(c1) &amp; !(c0) &amp; !(c2)))* ; c1 ; ((!(c1) &amp; !(c0) &amp; !(c2)))* ; c2)&gt;(</a:t>
+            </a:r>
+            <a:r>
+              <a:rPr lang="en-US" dirty="0" err="1"/>
+              <a:t>tt</a:t>
+            </a:r>
+            <a:r>
+              <a:rPr lang="en-US" dirty="0"/>
+              <a:t>)</a:t>
+            </a:r>
+          </a:p>
+        </p:txBody>
+      </p:sp>
+      <p:sp>
+        <p:nvSpPr>
+          <p:cNvPr id="4" name="Rectangle 3">
+            <a:extLst>
+              <a:ext uri="{FF2B5EF4-FFF2-40B4-BE49-F238E27FC236}">
+                <a16:creationId xmlns:a16="http://schemas.microsoft.com/office/drawing/2014/main" id="{C3EA8CD1-124C-4554-80AE-19AA9E722CA8}"/>
+              </a:ext>
+            </a:extLst>
+          </p:cNvPr>
+          <p:cNvSpPr/>
+          <p:nvPr/>
+        </p:nvSpPr>
+        <p:spPr>
+          <a:xfrm>
+            <a:off x="843145" y="5565418"/>
+            <a:ext cx="6096000" cy="584775"/>
+          </a:xfrm>
+          <a:prstGeom prst="rect">
+            <a:avLst/>
+          </a:prstGeom>
+        </p:spPr>
+        <p:txBody>
+          <a:bodyPr>
+            <a:spAutoFit/>
+          </a:bodyPr>
+          <a:lstStyle/>
+          <a:p>
+            <a:r>
+              <a:rPr lang="en-US" sz="1600" b="1" dirty="0">
+                <a:latin typeface="Arial" panose="020B0604020202020204" pitchFamily="34" charset="0"/>
+                <a:cs typeface="Arial" panose="020B0604020202020204" pitchFamily="34" charset="0"/>
+              </a:rPr>
+              <a:t>Labels</a:t>
+            </a:r>
+          </a:p>
+          <a:p>
+            <a:r>
+              <a:rPr lang="en-US" sz="1600" dirty="0">
+                <a:latin typeface="Arial" panose="020B0604020202020204" pitchFamily="34" charset="0"/>
+                <a:cs typeface="Arial" panose="020B0604020202020204" pitchFamily="34" charset="0"/>
+              </a:rPr>
+              <a:t>{'c0', 'c1', 'c2'}</a:t>
+            </a:r>
+          </a:p>
+        </p:txBody>
+      </p:sp>
+    </p:spTree>
+    <p:extLst>
+      <p:ext uri="{BB962C8B-B14F-4D97-AF65-F5344CB8AC3E}">
+        <p14:creationId xmlns:p14="http://schemas.microsoft.com/office/powerpoint/2010/main" val="3992338509"/>
+      </p:ext>
+    </p:extLst>
+  </p:cSld>
+  <p:clrMapOvr>
+    <a:masterClrMapping/>
+  </p:clrMapOvr>
+</p:sld>
+</file>
+
+<file path=ppt/slides/slide5.xml><?xml version="1.0" encoding="utf-8"?>
+<p:sld xmlns:a="http://schemas.openxmlformats.org/drawingml/2006/main" xmlns:r="http://schemas.openxmlformats.org/officeDocument/2006/relationships" xmlns:p="http://schemas.openxmlformats.org/presentationml/2006/main">
+  <p:cSld>
+    <p:spTree>
+      <p:nvGrpSpPr>
+        <p:cNvPr id="1" name=""/>
+        <p:cNvGrpSpPr/>
+        <p:nvPr/>
+      </p:nvGrpSpPr>
+      <p:grpSpPr>
+        <a:xfrm>
+          <a:off x="0" y="0"/>
+          <a:ext cx="0" cy="0"/>
+          <a:chOff x="0" y="0"/>
+          <a:chExt cx="0" cy="0"/>
+        </a:xfrm>
+      </p:grpSpPr>
+      <p:sp>
+        <p:nvSpPr>
+          <p:cNvPr id="8" name="TextBox 7">
+            <a:extLst>
+              <a:ext uri="{FF2B5EF4-FFF2-40B4-BE49-F238E27FC236}">
+                <a16:creationId xmlns:a16="http://schemas.microsoft.com/office/drawing/2014/main" id="{BC86A4A1-9831-4F28-9828-03840F88C7D7}"/>
+              </a:ext>
+            </a:extLst>
+          </p:cNvPr>
+          <p:cNvSpPr txBox="1"/>
+          <p:nvPr/>
+        </p:nvSpPr>
+        <p:spPr>
+          <a:xfrm>
+            <a:off x="1005413" y="1306394"/>
+            <a:ext cx="1330492" cy="307777"/>
+          </a:xfrm>
+          <a:prstGeom prst="rect">
+            <a:avLst/>
+          </a:prstGeom>
+          <a:noFill/>
+        </p:spPr>
+        <p:txBody>
+          <a:bodyPr wrap="none" rtlCol="0">
+            <a:spAutoFit/>
+          </a:bodyPr>
+          <a:lstStyle/>
+          <a:p>
+            <a:r>
+              <a:rPr lang="en-US" sz="1400" dirty="0">
+                <a:latin typeface="Segoe UI" panose="020B0502040204020203" pitchFamily="34" charset="0"/>
+                <a:cs typeface="Segoe UI" panose="020B0502040204020203" pitchFamily="34" charset="0"/>
+              </a:rPr>
+              <a:t>Formula string</a:t>
+            </a:r>
+          </a:p>
+        </p:txBody>
+      </p:sp>
+      <p:pic>
+        <p:nvPicPr>
+          <p:cNvPr id="10" name="Picture 9">
+            <a:extLst>
+              <a:ext uri="{FF2B5EF4-FFF2-40B4-BE49-F238E27FC236}">
+                <a16:creationId xmlns:a16="http://schemas.microsoft.com/office/drawing/2014/main" id="{696E9F9A-545B-4663-A7C6-50F145227FB4}"/>
+              </a:ext>
+            </a:extLst>
+          </p:cNvPr>
+          <p:cNvPicPr>
+            <a:picLocks noChangeAspect="1"/>
+          </p:cNvPicPr>
+          <p:nvPr/>
+        </p:nvPicPr>
+        <p:blipFill>
+          <a:blip r:embed="rId2"/>
+          <a:stretch>
+            <a:fillRect/>
+          </a:stretch>
+        </p:blipFill>
+        <p:spPr>
+          <a:xfrm>
+            <a:off x="0" y="29857"/>
+            <a:ext cx="1005414" cy="1850876"/>
+          </a:xfrm>
+          <a:prstGeom prst="rect">
+            <a:avLst/>
+          </a:prstGeom>
+        </p:spPr>
+      </p:pic>
+      <p:sp>
+        <p:nvSpPr>
+          <p:cNvPr id="3" name="Rectangle 2">
+            <a:extLst>
+              <a:ext uri="{FF2B5EF4-FFF2-40B4-BE49-F238E27FC236}">
+                <a16:creationId xmlns:a16="http://schemas.microsoft.com/office/drawing/2014/main" id="{30EC376D-A938-4024-BF60-77A02637A45F}"/>
+              </a:ext>
+            </a:extLst>
+          </p:cNvPr>
+          <p:cNvSpPr/>
+          <p:nvPr/>
+        </p:nvSpPr>
+        <p:spPr>
+          <a:xfrm>
+            <a:off x="1005414" y="1675726"/>
+            <a:ext cx="6904590" cy="276999"/>
+          </a:xfrm>
+          <a:prstGeom prst="rect">
+            <a:avLst/>
+          </a:prstGeom>
+        </p:spPr>
+        <p:txBody>
+          <a:bodyPr wrap="square">
+            <a:spAutoFit/>
+          </a:bodyPr>
+          <a:lstStyle/>
+          <a:p>
+            <a:r>
+              <a:rPr lang="en-US" sz="1200" dirty="0">
+                <a:latin typeface="Arial" panose="020B0604020202020204" pitchFamily="34" charset="0"/>
+                <a:cs typeface="Arial" panose="020B0604020202020204" pitchFamily="34" charset="0"/>
+              </a:rPr>
+              <a:t>&lt; (!c0 &amp; !c1 &amp; !c2) * ; c0 ; (!c0 &amp; !c1 &amp; !c2) * ; c1 ; (!c0 &amp; !c1 &amp; !c2)*;c2 &gt;</a:t>
+            </a:r>
+            <a:r>
+              <a:rPr lang="en-US" sz="1200" dirty="0" err="1">
+                <a:latin typeface="Arial" panose="020B0604020202020204" pitchFamily="34" charset="0"/>
+                <a:cs typeface="Arial" panose="020B0604020202020204" pitchFamily="34" charset="0"/>
+              </a:rPr>
+              <a:t>tt</a:t>
+            </a:r>
+            <a:endParaRPr lang="en-US" sz="1200" dirty="0">
+              <a:latin typeface="Arial" panose="020B0604020202020204" pitchFamily="34" charset="0"/>
+              <a:cs typeface="Arial" panose="020B0604020202020204" pitchFamily="34" charset="0"/>
+            </a:endParaRPr>
+          </a:p>
+        </p:txBody>
+      </p:sp>
+      <p:sp>
+        <p:nvSpPr>
+          <p:cNvPr id="4" name="Rectangle 3">
+            <a:extLst>
+              <a:ext uri="{FF2B5EF4-FFF2-40B4-BE49-F238E27FC236}">
+                <a16:creationId xmlns:a16="http://schemas.microsoft.com/office/drawing/2014/main" id="{95BD9206-C54D-4B40-9A3D-DA8E6198DAAE}"/>
+              </a:ext>
+            </a:extLst>
+          </p:cNvPr>
+          <p:cNvSpPr/>
+          <p:nvPr/>
+        </p:nvSpPr>
+        <p:spPr>
+          <a:xfrm>
+            <a:off x="2941983" y="2305400"/>
+            <a:ext cx="1805126" cy="3754874"/>
+          </a:xfrm>
+          <a:prstGeom prst="rect">
+            <a:avLst/>
+          </a:prstGeom>
+        </p:spPr>
+        <p:txBody>
+          <a:bodyPr wrap="square">
+            <a:spAutoFit/>
+          </a:bodyPr>
+          <a:lstStyle/>
+          <a:p>
+            <a:r>
+              <a:rPr lang="en-US" sz="1400" b="1" dirty="0">
+                <a:solidFill>
+                  <a:srgbClr val="FF0000"/>
+                </a:solidFill>
+              </a:rPr>
+              <a:t>NEGATIVE TRACES </a:t>
+            </a:r>
+          </a:p>
+          <a:p>
+            <a:r>
+              <a:rPr lang="en-US" sz="1400" dirty="0"/>
+              <a:t>c1;c0;c2</a:t>
+            </a:r>
+          </a:p>
+          <a:p>
+            <a:r>
+              <a:rPr lang="en-US" sz="1400" dirty="0"/>
+              <a:t>c1;c2</a:t>
+            </a:r>
+          </a:p>
+          <a:p>
+            <a:r>
+              <a:rPr lang="en-US" sz="1400" dirty="0"/>
+              <a:t>c1;c2</a:t>
+            </a:r>
+          </a:p>
+          <a:p>
+            <a:r>
+              <a:rPr lang="en-US" sz="1400" dirty="0"/>
+              <a:t>c0;c2;c1</a:t>
+            </a:r>
+          </a:p>
+          <a:p>
+            <a:r>
+              <a:rPr lang="en-US" sz="1400" dirty="0"/>
+              <a:t>c2;c1</a:t>
+            </a:r>
+          </a:p>
+          <a:p>
+            <a:r>
+              <a:rPr lang="en-US" sz="1400" dirty="0"/>
+              <a:t>c1;c2;c0</a:t>
+            </a:r>
+          </a:p>
+          <a:p>
+            <a:r>
+              <a:rPr lang="en-US" sz="1400" dirty="0"/>
+              <a:t>c2;c1</a:t>
+            </a:r>
+          </a:p>
+          <a:p>
+            <a:r>
+              <a:rPr lang="en-US" sz="1400" dirty="0"/>
+              <a:t>c1;c2;c0</a:t>
+            </a:r>
+          </a:p>
+          <a:p>
+            <a:r>
+              <a:rPr lang="en-US" sz="1400" dirty="0"/>
+              <a:t>c2;c1;c0</a:t>
+            </a:r>
+          </a:p>
+          <a:p>
+            <a:r>
+              <a:rPr lang="en-US" sz="1400" dirty="0"/>
+              <a:t>c2;c1</a:t>
+            </a:r>
+          </a:p>
+          <a:p>
+            <a:r>
+              <a:rPr lang="en-US" sz="1400" dirty="0"/>
+              <a:t>c1;c0</a:t>
+            </a:r>
+          </a:p>
+          <a:p>
+            <a:r>
+              <a:rPr lang="en-US" sz="1400" dirty="0"/>
+              <a:t>c1;c0</a:t>
+            </a:r>
+          </a:p>
+          <a:p>
+            <a:r>
+              <a:rPr lang="en-US" sz="1400" dirty="0"/>
+              <a:t>c0;c2;c1</a:t>
+            </a:r>
+          </a:p>
+          <a:p>
+            <a:r>
+              <a:rPr lang="en-US" sz="1400" dirty="0"/>
+              <a:t>c2;c1;c0</a:t>
+            </a:r>
+          </a:p>
+          <a:p>
+            <a:r>
+              <a:rPr lang="en-US" sz="1400" dirty="0"/>
+              <a:t>c2;c1;c0</a:t>
+            </a:r>
+          </a:p>
+          <a:p>
+            <a:r>
+              <a:rPr lang="en-US" sz="1400" dirty="0"/>
+              <a:t>c2;c0</a:t>
+            </a:r>
+          </a:p>
+        </p:txBody>
+      </p:sp>
+      <p:sp>
+        <p:nvSpPr>
+          <p:cNvPr id="6" name="Rectangle 5">
+            <a:extLst>
+              <a:ext uri="{FF2B5EF4-FFF2-40B4-BE49-F238E27FC236}">
+                <a16:creationId xmlns:a16="http://schemas.microsoft.com/office/drawing/2014/main" id="{8E6BFE10-69B6-4E22-9D36-E9FD3D0992D5}"/>
+              </a:ext>
+            </a:extLst>
+          </p:cNvPr>
+          <p:cNvSpPr/>
+          <p:nvPr/>
+        </p:nvSpPr>
+        <p:spPr>
+          <a:xfrm>
+            <a:off x="1110963" y="2305400"/>
+            <a:ext cx="1831021" cy="3970318"/>
+          </a:xfrm>
+          <a:prstGeom prst="rect">
+            <a:avLst/>
+          </a:prstGeom>
+        </p:spPr>
+        <p:txBody>
+          <a:bodyPr wrap="square">
+            <a:spAutoFit/>
+          </a:bodyPr>
+          <a:lstStyle/>
+          <a:p>
+            <a:r>
+              <a:rPr lang="en-US" sz="1400" b="1" dirty="0">
+                <a:solidFill>
+                  <a:srgbClr val="00B050"/>
+                </a:solidFill>
+              </a:rPr>
+              <a:t>POSITIVE TRACES</a:t>
+            </a:r>
+          </a:p>
+          <a:p>
+            <a:r>
+              <a:rPr lang="en-US" sz="1400" dirty="0"/>
+              <a:t>c0;c1;c2</a:t>
+            </a:r>
+          </a:p>
+          <a:p>
+            <a:r>
+              <a:rPr lang="en-US" sz="1400" dirty="0"/>
+              <a:t>c0;c1;c2</a:t>
+            </a:r>
+          </a:p>
+          <a:p>
+            <a:r>
+              <a:rPr lang="en-US" sz="1400" dirty="0"/>
+              <a:t>c0;c1;c2</a:t>
+            </a:r>
+          </a:p>
+          <a:p>
+            <a:r>
+              <a:rPr lang="en-US" sz="1400" dirty="0"/>
+              <a:t>c0;c1;c2</a:t>
+            </a:r>
+          </a:p>
+          <a:p>
+            <a:r>
+              <a:rPr lang="en-US" sz="1400" dirty="0"/>
+              <a:t>c0;c1;c2</a:t>
+            </a:r>
+          </a:p>
+          <a:p>
+            <a:r>
+              <a:rPr lang="en-US" sz="1400" dirty="0"/>
+              <a:t>c0;c1;c2</a:t>
+            </a:r>
+          </a:p>
+          <a:p>
+            <a:r>
+              <a:rPr lang="en-US" sz="1400" dirty="0"/>
+              <a:t>c0;c1;c2</a:t>
+            </a:r>
+          </a:p>
+          <a:p>
+            <a:r>
+              <a:rPr lang="en-US" sz="1400" dirty="0"/>
+              <a:t>c0;c1;c2</a:t>
+            </a:r>
+          </a:p>
+          <a:p>
+            <a:r>
+              <a:rPr lang="en-US" sz="1400" dirty="0"/>
+              <a:t>c0;c1;c2</a:t>
+            </a:r>
+          </a:p>
+          <a:p>
+            <a:r>
+              <a:rPr lang="en-US" sz="1400" dirty="0"/>
+              <a:t>c0;c1;c2</a:t>
+            </a:r>
+          </a:p>
+          <a:p>
+            <a:r>
+              <a:rPr lang="en-US" sz="1400" dirty="0"/>
+              <a:t>c0;c1;c2</a:t>
+            </a:r>
+          </a:p>
+          <a:p>
+            <a:r>
+              <a:rPr lang="en-US" sz="1400" dirty="0"/>
+              <a:t>c0;c1;c2</a:t>
+            </a:r>
+          </a:p>
+          <a:p>
+            <a:r>
+              <a:rPr lang="en-US" sz="1400" dirty="0"/>
+              <a:t>c0;c1;c2</a:t>
+            </a:r>
+          </a:p>
+          <a:p>
+            <a:r>
+              <a:rPr lang="en-US" sz="1400" dirty="0"/>
+              <a:t>c0;c1;c2</a:t>
+            </a:r>
+          </a:p>
+          <a:p>
+            <a:r>
+              <a:rPr lang="en-US" sz="1400" dirty="0"/>
+              <a:t>c0;c1;c2</a:t>
+            </a:r>
+          </a:p>
+          <a:p>
+            <a:r>
+              <a:rPr lang="en-US" sz="1400" dirty="0"/>
+              <a:t>c0;c1;c2</a:t>
+            </a:r>
+          </a:p>
+          <a:p>
+            <a:r>
+              <a:rPr lang="en-US" sz="1400" dirty="0"/>
+              <a:t>c0;c1;c2</a:t>
+            </a:r>
+          </a:p>
+        </p:txBody>
+      </p:sp>
+      <p:sp>
+        <p:nvSpPr>
+          <p:cNvPr id="12" name="Arrow: Right 11">
+            <a:extLst>
+              <a:ext uri="{FF2B5EF4-FFF2-40B4-BE49-F238E27FC236}">
+                <a16:creationId xmlns:a16="http://schemas.microsoft.com/office/drawing/2014/main" id="{7C99090F-2F0D-43B8-828B-D6FFF5CBBFE1}"/>
+              </a:ext>
+            </a:extLst>
+          </p:cNvPr>
+          <p:cNvSpPr/>
+          <p:nvPr/>
+        </p:nvSpPr>
+        <p:spPr>
+          <a:xfrm>
+            <a:off x="4747109" y="4385854"/>
+            <a:ext cx="1606858" cy="411348"/>
+          </a:xfrm>
+          <a:prstGeom prst="rightArrow">
+            <a:avLst>
+              <a:gd name="adj1" fmla="val 27602"/>
+              <a:gd name="adj2" fmla="val 55599"/>
+            </a:avLst>
+          </a:prstGeom>
+        </p:spPr>
+        <p:style>
+          <a:lnRef idx="3">
+            <a:schemeClr val="lt1"/>
+          </a:lnRef>
+          <a:fillRef idx="1">
+            <a:schemeClr val="accent3"/>
+          </a:fillRef>
+          <a:effectRef idx="1">
+            <a:schemeClr val="accent3"/>
+          </a:effectRef>
+          <a:fontRef idx="minor">
+            <a:schemeClr val="lt1"/>
+          </a:fontRef>
+        </p:style>
+        <p:txBody>
+          <a:bodyPr rtlCol="0" anchor="ctr"/>
+          <a:lstStyle/>
+          <a:p>
+            <a:pPr algn="ctr"/>
+            <a:endParaRPr lang="en-US"/>
+          </a:p>
+        </p:txBody>
+      </p:sp>
+      <p:sp>
+        <p:nvSpPr>
+          <p:cNvPr id="13" name="TextBox 12">
+            <a:extLst>
+              <a:ext uri="{FF2B5EF4-FFF2-40B4-BE49-F238E27FC236}">
+                <a16:creationId xmlns:a16="http://schemas.microsoft.com/office/drawing/2014/main" id="{592E80B7-9ACA-40D7-B00A-3DEDBE7A292C}"/>
+              </a:ext>
+            </a:extLst>
+          </p:cNvPr>
+          <p:cNvSpPr txBox="1"/>
+          <p:nvPr/>
+        </p:nvSpPr>
+        <p:spPr>
+          <a:xfrm>
+            <a:off x="4653163" y="3659617"/>
+            <a:ext cx="2135061" cy="523220"/>
+          </a:xfrm>
+          <a:prstGeom prst="rect">
+            <a:avLst/>
+          </a:prstGeom>
+          <a:noFill/>
+        </p:spPr>
+        <p:txBody>
+          <a:bodyPr wrap="square" rtlCol="0">
+            <a:spAutoFit/>
+          </a:bodyPr>
+          <a:lstStyle/>
+          <a:p>
+            <a:r>
+              <a:rPr lang="en-US" sz="1400" dirty="0"/>
+              <a:t>From traces, the DFA is generated:</a:t>
+            </a:r>
+          </a:p>
+        </p:txBody>
+      </p:sp>
+      <p:sp>
+        <p:nvSpPr>
+          <p:cNvPr id="14" name="Rectangle 13">
+            <a:extLst>
+              <a:ext uri="{FF2B5EF4-FFF2-40B4-BE49-F238E27FC236}">
+                <a16:creationId xmlns:a16="http://schemas.microsoft.com/office/drawing/2014/main" id="{4B50C486-8522-48B5-BAFD-948015BCD0D2}"/>
+              </a:ext>
+            </a:extLst>
+          </p:cNvPr>
+          <p:cNvSpPr/>
+          <p:nvPr/>
+        </p:nvSpPr>
+        <p:spPr>
+          <a:xfrm>
+            <a:off x="6886791" y="3389829"/>
+            <a:ext cx="4194246" cy="3277820"/>
+          </a:xfrm>
+          <a:prstGeom prst="rect">
+            <a:avLst/>
+          </a:prstGeom>
+        </p:spPr>
+        <p:txBody>
+          <a:bodyPr wrap="square">
+            <a:spAutoFit/>
+          </a:bodyPr>
+          <a:lstStyle/>
+          <a:p>
+            <a:r>
+              <a:rPr lang="en-US" sz="900" dirty="0">
+                <a:latin typeface="Consolas" panose="020B0609020204030204" pitchFamily="49" charset="0"/>
+              </a:rPr>
+              <a:t>{'_states': </a:t>
+            </a:r>
+            <a:r>
+              <a:rPr lang="en-US" sz="900" dirty="0" err="1">
+                <a:latin typeface="Consolas" panose="020B0609020204030204" pitchFamily="49" charset="0"/>
+              </a:rPr>
+              <a:t>frozenset</a:t>
+            </a:r>
+            <a:r>
+              <a:rPr lang="en-US" sz="900" dirty="0">
+                <a:latin typeface="Consolas" panose="020B0609020204030204" pitchFamily="49" charset="0"/>
+              </a:rPr>
+              <a:t>({'0', '1', '2', '3'}),</a:t>
+            </a:r>
+          </a:p>
+          <a:p>
+            <a:r>
+              <a:rPr lang="en-US" sz="900" dirty="0">
+                <a:latin typeface="Consolas" panose="020B0609020204030204" pitchFamily="49" charset="0"/>
+              </a:rPr>
+              <a:t> '_alphabet': </a:t>
+            </a:r>
+            <a:r>
+              <a:rPr lang="en-US" sz="900" dirty="0" err="1">
+                <a:latin typeface="Consolas" panose="020B0609020204030204" pitchFamily="49" charset="0"/>
+              </a:rPr>
+              <a:t>frozenset</a:t>
+            </a:r>
+            <a:r>
+              <a:rPr lang="en-US" sz="900" dirty="0">
+                <a:latin typeface="Consolas" panose="020B0609020204030204" pitchFamily="49" charset="0"/>
+              </a:rPr>
+              <a:t>({{}, {c1}, {c0}, {c2}}),</a:t>
+            </a:r>
+          </a:p>
+          <a:p>
+            <a:r>
+              <a:rPr lang="en-US" sz="900" dirty="0">
+                <a:latin typeface="Consolas" panose="020B0609020204030204" pitchFamily="49" charset="0"/>
+              </a:rPr>
+              <a:t> '_</a:t>
+            </a:r>
+            <a:r>
+              <a:rPr lang="en-US" sz="900" dirty="0" err="1">
+                <a:latin typeface="Consolas" panose="020B0609020204030204" pitchFamily="49" charset="0"/>
+              </a:rPr>
+              <a:t>initial_state</a:t>
+            </a:r>
+            <a:r>
+              <a:rPr lang="en-US" sz="900" dirty="0">
+                <a:latin typeface="Consolas" panose="020B0609020204030204" pitchFamily="49" charset="0"/>
+              </a:rPr>
+              <a:t>': </a:t>
+            </a:r>
+            <a:r>
+              <a:rPr lang="en-US" sz="900" dirty="0">
+                <a:highlight>
+                  <a:srgbClr val="FFFF00"/>
+                </a:highlight>
+                <a:latin typeface="Consolas" panose="020B0609020204030204" pitchFamily="49" charset="0"/>
+              </a:rPr>
+              <a:t>'0'</a:t>
+            </a:r>
+            <a:r>
+              <a:rPr lang="en-US" sz="900" dirty="0">
+                <a:latin typeface="Consolas" panose="020B0609020204030204" pitchFamily="49" charset="0"/>
+              </a:rPr>
+              <a:t>,</a:t>
+            </a:r>
+          </a:p>
+          <a:p>
+            <a:r>
+              <a:rPr lang="en-US" sz="900" dirty="0">
+                <a:latin typeface="Consolas" panose="020B0609020204030204" pitchFamily="49" charset="0"/>
+              </a:rPr>
+              <a:t> '_</a:t>
+            </a:r>
+            <a:r>
+              <a:rPr lang="en-US" sz="900" dirty="0" err="1">
+                <a:latin typeface="Consolas" panose="020B0609020204030204" pitchFamily="49" charset="0"/>
+              </a:rPr>
+              <a:t>accepting_states</a:t>
+            </a:r>
+            <a:r>
+              <a:rPr lang="en-US" sz="900" dirty="0">
+                <a:latin typeface="Consolas" panose="020B0609020204030204" pitchFamily="49" charset="0"/>
+              </a:rPr>
+              <a:t>': </a:t>
+            </a:r>
+            <a:r>
+              <a:rPr lang="en-US" sz="900" dirty="0" err="1">
+                <a:highlight>
+                  <a:srgbClr val="FFFF00"/>
+                </a:highlight>
+                <a:latin typeface="Consolas" panose="020B0609020204030204" pitchFamily="49" charset="0"/>
+              </a:rPr>
+              <a:t>frozenset</a:t>
+            </a:r>
+            <a:r>
+              <a:rPr lang="en-US" sz="900" dirty="0">
+                <a:highlight>
+                  <a:srgbClr val="FFFF00"/>
+                </a:highlight>
+                <a:latin typeface="Consolas" panose="020B0609020204030204" pitchFamily="49" charset="0"/>
+              </a:rPr>
+              <a:t>({'3'}),</a:t>
+            </a:r>
+          </a:p>
+          <a:p>
+            <a:r>
+              <a:rPr lang="en-US" sz="900" dirty="0">
+                <a:latin typeface="Consolas" panose="020B0609020204030204" pitchFamily="49" charset="0"/>
+              </a:rPr>
+              <a:t> '_</a:t>
+            </a:r>
+            <a:r>
+              <a:rPr lang="en-US" sz="900" dirty="0" err="1">
+                <a:latin typeface="Consolas" panose="020B0609020204030204" pitchFamily="49" charset="0"/>
+              </a:rPr>
+              <a:t>transition_function</a:t>
+            </a:r>
+            <a:r>
+              <a:rPr lang="en-US" sz="900" dirty="0">
+                <a:latin typeface="Consolas" panose="020B0609020204030204" pitchFamily="49" charset="0"/>
+              </a:rPr>
+              <a:t>’: </a:t>
+            </a:r>
+          </a:p>
+          <a:p>
+            <a:pPr lvl="1"/>
+            <a:r>
+              <a:rPr lang="en-US" sz="900" dirty="0">
+                <a:latin typeface="Consolas" panose="020B0609020204030204" pitchFamily="49" charset="0"/>
+              </a:rPr>
+              <a:t> {'2': {{c2}: '3', {c0}: '0', {c1}: '0', {}: '2'},</a:t>
+            </a:r>
+          </a:p>
+          <a:p>
+            <a:pPr lvl="1"/>
+            <a:r>
+              <a:rPr lang="en-US" sz="900" dirty="0">
+                <a:latin typeface="Consolas" panose="020B0609020204030204" pitchFamily="49" charset="0"/>
+              </a:rPr>
+              <a:t>  '0': {{c2}: '0', {c0}: '1', {c1}: '0', {}: '0'},</a:t>
+            </a:r>
+          </a:p>
+          <a:p>
+            <a:pPr lvl="1"/>
+            <a:r>
+              <a:rPr lang="en-US" sz="900" dirty="0">
+                <a:latin typeface="Consolas" panose="020B0609020204030204" pitchFamily="49" charset="0"/>
+              </a:rPr>
+              <a:t>  '3': {{c2}: '0', {c0}: '0', {c1}: '0', {}: '3'},</a:t>
+            </a:r>
+          </a:p>
+          <a:p>
+            <a:pPr lvl="1"/>
+            <a:r>
+              <a:rPr lang="en-US" sz="900" dirty="0">
+                <a:latin typeface="Consolas" panose="020B0609020204030204" pitchFamily="49" charset="0"/>
+              </a:rPr>
+              <a:t>  '1': {{c2}: '0', {c0}: '0', {c1}: '2', {}: '1'}},</a:t>
+            </a:r>
+          </a:p>
+          <a:p>
+            <a:r>
+              <a:rPr lang="en-US" sz="900" dirty="0">
+                <a:latin typeface="Consolas" panose="020B0609020204030204" pitchFamily="49" charset="0"/>
+              </a:rPr>
+              <a:t> '_</a:t>
+            </a:r>
+            <a:r>
+              <a:rPr lang="en-US" sz="900" dirty="0" err="1">
+                <a:latin typeface="Consolas" panose="020B0609020204030204" pitchFamily="49" charset="0"/>
+              </a:rPr>
+              <a:t>idx_to_state</a:t>
+            </a:r>
+            <a:r>
+              <a:rPr lang="en-US" sz="900" dirty="0">
+                <a:latin typeface="Consolas" panose="020B0609020204030204" pitchFamily="49" charset="0"/>
+              </a:rPr>
+              <a:t>': ['2', '3', '1', '0'],</a:t>
+            </a:r>
+          </a:p>
+          <a:p>
+            <a:r>
+              <a:rPr lang="en-US" sz="900" dirty="0">
+                <a:latin typeface="Consolas" panose="020B0609020204030204" pitchFamily="49" charset="0"/>
+              </a:rPr>
+              <a:t> '_</a:t>
+            </a:r>
+            <a:r>
+              <a:rPr lang="en-US" sz="900" dirty="0" err="1">
+                <a:latin typeface="Consolas" panose="020B0609020204030204" pitchFamily="49" charset="0"/>
+              </a:rPr>
+              <a:t>state_to_idx</a:t>
+            </a:r>
+            <a:r>
+              <a:rPr lang="en-US" sz="900" dirty="0">
+                <a:latin typeface="Consolas" panose="020B0609020204030204" pitchFamily="49" charset="0"/>
+              </a:rPr>
+              <a:t>': {'2': 0, '3': 1, '1': 2, '0': 3},</a:t>
+            </a:r>
+          </a:p>
+          <a:p>
+            <a:r>
+              <a:rPr lang="en-US" sz="900" dirty="0">
+                <a:latin typeface="Consolas" panose="020B0609020204030204" pitchFamily="49" charset="0"/>
+              </a:rPr>
+              <a:t> '_</a:t>
+            </a:r>
+            <a:r>
+              <a:rPr lang="en-US" sz="900" dirty="0" err="1">
+                <a:latin typeface="Consolas" panose="020B0609020204030204" pitchFamily="49" charset="0"/>
+              </a:rPr>
+              <a:t>idx_to_symbol</a:t>
+            </a:r>
+            <a:r>
+              <a:rPr lang="en-US" sz="900" dirty="0">
+                <a:latin typeface="Consolas" panose="020B0609020204030204" pitchFamily="49" charset="0"/>
+              </a:rPr>
+              <a:t>': [{c1}, {}, {c0}, {c2}],</a:t>
+            </a:r>
+          </a:p>
+          <a:p>
+            <a:r>
+              <a:rPr lang="en-US" sz="900" dirty="0">
+                <a:latin typeface="Consolas" panose="020B0609020204030204" pitchFamily="49" charset="0"/>
+              </a:rPr>
+              <a:t> '_</a:t>
+            </a:r>
+            <a:r>
+              <a:rPr lang="en-US" sz="900" dirty="0" err="1">
+                <a:latin typeface="Consolas" panose="020B0609020204030204" pitchFamily="49" charset="0"/>
+              </a:rPr>
+              <a:t>symbol_to_idx</a:t>
+            </a:r>
+            <a:r>
+              <a:rPr lang="en-US" sz="900" dirty="0">
+                <a:latin typeface="Consolas" panose="020B0609020204030204" pitchFamily="49" charset="0"/>
+              </a:rPr>
+              <a:t>': {{c1}: 0, {}: 1, {c0}: 2, {c2}: 3},</a:t>
+            </a:r>
+          </a:p>
+          <a:p>
+            <a:r>
+              <a:rPr lang="en-US" sz="900" dirty="0">
+                <a:latin typeface="Consolas" panose="020B0609020204030204" pitchFamily="49" charset="0"/>
+              </a:rPr>
+              <a:t> '_</a:t>
+            </a:r>
+            <a:r>
+              <a:rPr lang="en-US" sz="900" dirty="0" err="1">
+                <a:latin typeface="Consolas" panose="020B0609020204030204" pitchFamily="49" charset="0"/>
+              </a:rPr>
+              <a:t>idx_transition_function</a:t>
+            </a:r>
+            <a:r>
+              <a:rPr lang="en-US" sz="900" dirty="0">
+                <a:latin typeface="Consolas" panose="020B0609020204030204" pitchFamily="49" charset="0"/>
+              </a:rPr>
+              <a:t>': {0: {3: 1, 2: 3, 0: 3, 1: 0},</a:t>
+            </a:r>
+          </a:p>
+          <a:p>
+            <a:r>
+              <a:rPr lang="en-US" sz="900" dirty="0">
+                <a:latin typeface="Consolas" panose="020B0609020204030204" pitchFamily="49" charset="0"/>
+              </a:rPr>
+              <a:t>  1: {3: 3, 2: 3, 0: 3, 1: 1},</a:t>
+            </a:r>
+          </a:p>
+          <a:p>
+            <a:r>
+              <a:rPr lang="en-US" sz="900" dirty="0">
+                <a:latin typeface="Consolas" panose="020B0609020204030204" pitchFamily="49" charset="0"/>
+              </a:rPr>
+              <a:t>  2: {3: 3, 2: 3, 0: 0, 1: 2},</a:t>
+            </a:r>
+          </a:p>
+          <a:p>
+            <a:r>
+              <a:rPr lang="en-US" sz="900" dirty="0">
+                <a:latin typeface="Consolas" panose="020B0609020204030204" pitchFamily="49" charset="0"/>
+              </a:rPr>
+              <a:t>  3: {3: 3, 2: 2, 0: 3, 1: 3}},</a:t>
+            </a:r>
+          </a:p>
+          <a:p>
+            <a:r>
+              <a:rPr lang="en-US" sz="900" dirty="0">
+                <a:latin typeface="Consolas" panose="020B0609020204030204" pitchFamily="49" charset="0"/>
+              </a:rPr>
+              <a:t> '_</a:t>
+            </a:r>
+            <a:r>
+              <a:rPr lang="en-US" sz="900" dirty="0" err="1">
+                <a:latin typeface="Consolas" panose="020B0609020204030204" pitchFamily="49" charset="0"/>
+              </a:rPr>
+              <a:t>idx_delta_by_state</a:t>
+            </a:r>
+            <a:r>
+              <a:rPr lang="en-US" sz="900" dirty="0">
+                <a:latin typeface="Consolas" panose="020B0609020204030204" pitchFamily="49" charset="0"/>
+              </a:rPr>
+              <a:t>': {0: {(0, 3), (1, 0), (2, 3), (3, 1)},</a:t>
+            </a:r>
+          </a:p>
+          <a:p>
+            <a:r>
+              <a:rPr lang="en-US" sz="900" dirty="0">
+                <a:latin typeface="Consolas" panose="020B0609020204030204" pitchFamily="49" charset="0"/>
+              </a:rPr>
+              <a:t>  1: {(0, 3), (1, 1), (2, 3), (3, 3)},</a:t>
+            </a:r>
+          </a:p>
+          <a:p>
+            <a:r>
+              <a:rPr lang="en-US" sz="900" dirty="0">
+                <a:latin typeface="Consolas" panose="020B0609020204030204" pitchFamily="49" charset="0"/>
+              </a:rPr>
+              <a:t>  2: {(0, 0), (1, 2), (2, 3), (3, 3)},</a:t>
+            </a:r>
+          </a:p>
+          <a:p>
+            <a:r>
+              <a:rPr lang="en-US" sz="900" dirty="0">
+                <a:latin typeface="Consolas" panose="020B0609020204030204" pitchFamily="49" charset="0"/>
+              </a:rPr>
+              <a:t>  3: {(0, 3), (1, 3), (2, 2), (3, 3)}},</a:t>
+            </a:r>
+          </a:p>
+          <a:p>
+            <a:r>
+              <a:rPr lang="en-US" sz="900" dirty="0">
+                <a:latin typeface="Consolas" panose="020B0609020204030204" pitchFamily="49" charset="0"/>
+              </a:rPr>
+              <a:t> '_</a:t>
+            </a:r>
+            <a:r>
+              <a:rPr lang="en-US" sz="900" dirty="0" err="1">
+                <a:latin typeface="Consolas" panose="020B0609020204030204" pitchFamily="49" charset="0"/>
+              </a:rPr>
+              <a:t>idx_initial_state</a:t>
+            </a:r>
+            <a:r>
+              <a:rPr lang="en-US" sz="900" dirty="0">
+                <a:latin typeface="Consolas" panose="020B0609020204030204" pitchFamily="49" charset="0"/>
+              </a:rPr>
+              <a:t>': 3,</a:t>
+            </a:r>
+          </a:p>
+          <a:p>
+            <a:r>
+              <a:rPr lang="en-US" sz="900" dirty="0">
+                <a:latin typeface="Consolas" panose="020B0609020204030204" pitchFamily="49" charset="0"/>
+              </a:rPr>
+              <a:t> '_</a:t>
+            </a:r>
+            <a:r>
+              <a:rPr lang="en-US" sz="900" dirty="0" err="1">
+                <a:latin typeface="Consolas" panose="020B0609020204030204" pitchFamily="49" charset="0"/>
+              </a:rPr>
+              <a:t>idx_accepting_states</a:t>
+            </a:r>
+            <a:r>
+              <a:rPr lang="en-US" sz="900" dirty="0">
+                <a:latin typeface="Consolas" panose="020B0609020204030204" pitchFamily="49" charset="0"/>
+              </a:rPr>
+              <a:t>': </a:t>
+            </a:r>
+            <a:r>
+              <a:rPr lang="en-US" sz="900" dirty="0" err="1">
+                <a:latin typeface="Consolas" panose="020B0609020204030204" pitchFamily="49" charset="0"/>
+              </a:rPr>
+              <a:t>frozenset</a:t>
+            </a:r>
+            <a:r>
+              <a:rPr lang="en-US" sz="900" dirty="0">
+                <a:latin typeface="Consolas" panose="020B0609020204030204" pitchFamily="49" charset="0"/>
+              </a:rPr>
+              <a:t>({1})}</a:t>
+            </a:r>
+          </a:p>
+        </p:txBody>
+      </p:sp>
+      <p:sp>
+        <p:nvSpPr>
+          <p:cNvPr id="17" name="Title 1">
+            <a:extLst>
+              <a:ext uri="{FF2B5EF4-FFF2-40B4-BE49-F238E27FC236}">
+                <a16:creationId xmlns:a16="http://schemas.microsoft.com/office/drawing/2014/main" id="{508A1AC0-9827-4810-AFA3-3AE23B13BC8E}"/>
+              </a:ext>
+            </a:extLst>
+          </p:cNvPr>
+          <p:cNvSpPr txBox="1">
+            <a:spLocks/>
+          </p:cNvSpPr>
+          <p:nvPr/>
+        </p:nvSpPr>
+        <p:spPr>
+          <a:xfrm>
+            <a:off x="1071775" y="238623"/>
+            <a:ext cx="4115510" cy="377992"/>
+          </a:xfrm>
+          <a:prstGeom prst="rect">
+            <a:avLst/>
+          </a:prstGeom>
+        </p:spPr>
+        <p:txBody>
+          <a:bodyPr vert="horz" lIns="91440" tIns="45720" rIns="91440" bIns="45720" rtlCol="0" anchor="ctr">
+            <a:normAutofit fontScale="82500" lnSpcReduction="10000"/>
+          </a:bodyPr>
+          <a:lstStyle>
+            <a:lvl1pPr algn="l" defTabSz="914400" rtl="0" eaLnBrk="1" latinLnBrk="0" hangingPunct="1">
+              <a:lnSpc>
+                <a:spcPct val="90000"/>
+              </a:lnSpc>
+              <a:spcBef>
+                <a:spcPct val="0"/>
+              </a:spcBef>
+              <a:buNone/>
+              <a:defRPr sz="4400" kern="1200">
+                <a:solidFill>
+                  <a:schemeClr val="tx1"/>
+                </a:solidFill>
+                <a:latin typeface="+mj-lt"/>
+                <a:ea typeface="+mj-ea"/>
+                <a:cs typeface="+mj-cs"/>
+              </a:defRPr>
+            </a:lvl1pPr>
+          </a:lstStyle>
+          <a:p>
+            <a:r>
+              <a:rPr lang="en-US" sz="2400" b="1" dirty="0">
+                <a:latin typeface="Segoe UI" panose="020B0502040204020203" pitchFamily="34" charset="0"/>
+                <a:cs typeface="Segoe UI" panose="020B0502040204020203" pitchFamily="34" charset="0"/>
+              </a:rPr>
+              <a:t>BREAKOUT</a:t>
+            </a:r>
+            <a:r>
+              <a:rPr lang="en-US" sz="2800" b="1" dirty="0">
+                <a:latin typeface="Segoe UI" panose="020B0502040204020203" pitchFamily="34" charset="0"/>
+                <a:cs typeface="Segoe UI" panose="020B0502040204020203" pitchFamily="34" charset="0"/>
+              </a:rPr>
+              <a:t> – traces and DFA</a:t>
+            </a:r>
+          </a:p>
+        </p:txBody>
+      </p:sp>
+      <p:grpSp>
+        <p:nvGrpSpPr>
+          <p:cNvPr id="20" name="Group 19">
+            <a:extLst>
+              <a:ext uri="{FF2B5EF4-FFF2-40B4-BE49-F238E27FC236}">
+                <a16:creationId xmlns:a16="http://schemas.microsoft.com/office/drawing/2014/main" id="{9E221EF5-0206-414D-BF99-549C04D48686}"/>
+              </a:ext>
+            </a:extLst>
+          </p:cNvPr>
+          <p:cNvGrpSpPr/>
+          <p:nvPr/>
+        </p:nvGrpSpPr>
+        <p:grpSpPr>
+          <a:xfrm>
+            <a:off x="7140736" y="238622"/>
+            <a:ext cx="3240843" cy="3102345"/>
+            <a:chOff x="8284551" y="154222"/>
+            <a:chExt cx="2902035" cy="2552774"/>
+          </a:xfrm>
+        </p:grpSpPr>
+        <p:pic>
+          <p:nvPicPr>
+            <p:cNvPr id="11" name="Graphic 10">
+              <a:extLst>
+                <a:ext uri="{FF2B5EF4-FFF2-40B4-BE49-F238E27FC236}">
+                  <a16:creationId xmlns:a16="http://schemas.microsoft.com/office/drawing/2014/main" id="{5773F95E-BC41-4CC0-85F2-0A9DAEBBD2D8}"/>
+                </a:ext>
+              </a:extLst>
+            </p:cNvPr>
+            <p:cNvPicPr>
+              <a:picLocks noChangeAspect="1"/>
+            </p:cNvPicPr>
+            <p:nvPr/>
+          </p:nvPicPr>
+          <p:blipFill rotWithShape="1">
+            <a:blip r:embed="rId3">
+              <a:extLst>
+                <a:ext uri="{28A0092B-C50C-407E-A947-70E740481C1C}">
+                  <a14:useLocalDpi xmlns:a14="http://schemas.microsoft.com/office/drawing/2010/main" val="0"/>
+                </a:ext>
+                <a:ext uri="{96DAC541-7B7A-43D3-8B79-37D633B846F1}">
+                  <asvg:svgBlip xmlns:asvg="http://schemas.microsoft.com/office/drawing/2016/SVG/main" r:embed="rId4"/>
+                </a:ext>
+              </a:extLst>
+            </a:blip>
+            <a:srcRect t="9566"/>
+            <a:stretch/>
+          </p:blipFill>
+          <p:spPr>
+            <a:xfrm>
+              <a:off x="8284551" y="154222"/>
+              <a:ext cx="2902035" cy="2552774"/>
+            </a:xfrm>
+            <a:prstGeom prst="rect">
+              <a:avLst/>
+            </a:prstGeom>
+          </p:spPr>
+        </p:pic>
+        <p:sp>
+          <p:nvSpPr>
+            <p:cNvPr id="18" name="Oval 17">
+              <a:extLst>
+                <a:ext uri="{FF2B5EF4-FFF2-40B4-BE49-F238E27FC236}">
+                  <a16:creationId xmlns:a16="http://schemas.microsoft.com/office/drawing/2014/main" id="{B5FC45D4-97CB-45AB-B33E-11DB7F7FF521}"/>
+                </a:ext>
+              </a:extLst>
+            </p:cNvPr>
+            <p:cNvSpPr/>
+            <p:nvPr/>
+          </p:nvSpPr>
+          <p:spPr>
+            <a:xfrm>
+              <a:off x="10303529" y="2343150"/>
+              <a:ext cx="435007" cy="344796"/>
+            </a:xfrm>
+            <a:prstGeom prst="ellipse">
+              <a:avLst/>
+            </a:prstGeom>
+            <a:solidFill>
+              <a:schemeClr val="accent6">
+                <a:alpha val="50000"/>
+              </a:schemeClr>
+            </a:solidFill>
+            <a:ln>
+              <a:noFill/>
+            </a:ln>
+          </p:spPr>
+          <p:style>
+            <a:lnRef idx="0">
+              <a:scrgbClr r="0" g="0" b="0"/>
+            </a:lnRef>
+            <a:fillRef idx="0">
+              <a:scrgbClr r="0" g="0" b="0"/>
+            </a:fillRef>
+            <a:effectRef idx="0">
+              <a:scrgbClr r="0" g="0" b="0"/>
+            </a:effectRef>
+            <a:fontRef idx="minor">
+              <a:schemeClr val="lt1"/>
+            </a:fontRef>
+          </p:style>
+          <p:txBody>
+            <a:bodyPr rtlCol="0" anchor="ctr"/>
+            <a:lstStyle/>
+            <a:p>
+              <a:pPr algn="ctr"/>
+              <a:endParaRPr lang="en-US"/>
+            </a:p>
+          </p:txBody>
+        </p:sp>
+      </p:grpSp>
+      <p:sp>
+        <p:nvSpPr>
+          <p:cNvPr id="19" name="Rectangle 18">
+            <a:extLst>
+              <a:ext uri="{FF2B5EF4-FFF2-40B4-BE49-F238E27FC236}">
+                <a16:creationId xmlns:a16="http://schemas.microsoft.com/office/drawing/2014/main" id="{8DF5A65A-1742-4AF5-8A39-858E23ED1CAE}"/>
+              </a:ext>
+            </a:extLst>
+          </p:cNvPr>
+          <p:cNvSpPr/>
+          <p:nvPr/>
+        </p:nvSpPr>
+        <p:spPr>
+          <a:xfrm>
+            <a:off x="1071775" y="740772"/>
+            <a:ext cx="3512757" cy="369332"/>
+          </a:xfrm>
+          <a:prstGeom prst="rect">
+            <a:avLst/>
+          </a:prstGeom>
+        </p:spPr>
+        <p:txBody>
+          <a:bodyPr wrap="none">
+            <a:spAutoFit/>
+          </a:bodyPr>
+          <a:lstStyle/>
+          <a:p>
+            <a:r>
+              <a:rPr lang="en-US" b="1" dirty="0">
+                <a:solidFill>
+                  <a:srgbClr val="00B050"/>
+                </a:solidFill>
+              </a:rPr>
+              <a:t>TRACES are the performed actions.</a:t>
+            </a:r>
+            <a:endParaRPr lang="en-US" dirty="0"/>
+          </a:p>
+        </p:txBody>
+      </p:sp>
+    </p:spTree>
+    <p:extLst>
+      <p:ext uri="{BB962C8B-B14F-4D97-AF65-F5344CB8AC3E}">
+        <p14:creationId xmlns:p14="http://schemas.microsoft.com/office/powerpoint/2010/main" val="2213608391"/>
+      </p:ext>
+    </p:extLst>
+  </p:cSld>
+  <p:clrMapOvr>
+    <a:masterClrMapping/>
+  </p:clrMapOvr>
+</p:sld>
+</file>
+
+<file path=ppt/slides/slide6.xml><?xml version="1.0" encoding="utf-8"?>
+<p:sld xmlns:a="http://schemas.openxmlformats.org/drawingml/2006/main" xmlns:r="http://schemas.openxmlformats.org/officeDocument/2006/relationships" xmlns:p="http://schemas.openxmlformats.org/presentationml/2006/main">
+  <p:cSld>
+    <p:spTree>
+      <p:nvGrpSpPr>
+        <p:cNvPr id="1" name=""/>
+        <p:cNvGrpSpPr/>
+        <p:nvPr/>
+      </p:nvGrpSpPr>
+      <p:grpSpPr>
+        <a:xfrm>
+          <a:off x="0" y="0"/>
+          <a:ext cx="0" cy="0"/>
+          <a:chOff x="0" y="0"/>
+          <a:chExt cx="0" cy="0"/>
+        </a:xfrm>
+      </p:grpSpPr>
+      <p:pic>
+        <p:nvPicPr>
+          <p:cNvPr id="10" name="Picture 9">
+            <a:extLst>
+              <a:ext uri="{FF2B5EF4-FFF2-40B4-BE49-F238E27FC236}">
+                <a16:creationId xmlns:a16="http://schemas.microsoft.com/office/drawing/2014/main" id="{696E9F9A-545B-4663-A7C6-50F145227FB4}"/>
+              </a:ext>
+            </a:extLst>
+          </p:cNvPr>
+          <p:cNvPicPr>
+            <a:picLocks noChangeAspect="1"/>
+          </p:cNvPicPr>
+          <p:nvPr/>
+        </p:nvPicPr>
+        <p:blipFill>
+          <a:blip r:embed="rId2"/>
+          <a:stretch>
+            <a:fillRect/>
+          </a:stretch>
+        </p:blipFill>
+        <p:spPr>
+          <a:xfrm>
+            <a:off x="0" y="29857"/>
+            <a:ext cx="1005414" cy="1850876"/>
+          </a:xfrm>
+          <a:prstGeom prst="rect">
+            <a:avLst/>
+          </a:prstGeom>
+        </p:spPr>
+      </p:pic>
+      <p:sp>
+        <p:nvSpPr>
+          <p:cNvPr id="4" name="Rectangle 3">
+            <a:extLst>
+              <a:ext uri="{FF2B5EF4-FFF2-40B4-BE49-F238E27FC236}">
+                <a16:creationId xmlns:a16="http://schemas.microsoft.com/office/drawing/2014/main" id="{95BD9206-C54D-4B40-9A3D-DA8E6198DAAE}"/>
+              </a:ext>
+            </a:extLst>
+          </p:cNvPr>
+          <p:cNvSpPr/>
+          <p:nvPr/>
+        </p:nvSpPr>
+        <p:spPr>
+          <a:xfrm>
+            <a:off x="2738783" y="4835674"/>
+            <a:ext cx="1805126" cy="1600438"/>
+          </a:xfrm>
+          <a:prstGeom prst="rect">
+            <a:avLst/>
+          </a:prstGeom>
+        </p:spPr>
+        <p:txBody>
+          <a:bodyPr wrap="square">
+            <a:spAutoFit/>
+          </a:bodyPr>
+          <a:lstStyle/>
+          <a:p>
+            <a:r>
+              <a:rPr lang="en-US" sz="1400" b="1" dirty="0">
+                <a:solidFill>
+                  <a:srgbClr val="FF0000"/>
+                </a:solidFill>
+              </a:rPr>
+              <a:t>NEGATIVE TRACES </a:t>
+            </a:r>
+          </a:p>
+          <a:p>
+            <a:r>
+              <a:rPr lang="en-US" sz="1400" dirty="0"/>
+              <a:t>c1;c0;c2</a:t>
+            </a:r>
+          </a:p>
+          <a:p>
+            <a:r>
+              <a:rPr lang="en-US" sz="1400" dirty="0"/>
+              <a:t>c1;c2</a:t>
+            </a:r>
+          </a:p>
+          <a:p>
+            <a:r>
+              <a:rPr lang="en-US" sz="1400" dirty="0"/>
+              <a:t>c1;c2</a:t>
+            </a:r>
+          </a:p>
+          <a:p>
+            <a:r>
+              <a:rPr lang="en-US" sz="1400" dirty="0"/>
+              <a:t>c0;c2;c1</a:t>
+            </a:r>
+          </a:p>
+          <a:p>
+            <a:r>
+              <a:rPr lang="en-US" sz="1400" dirty="0"/>
+              <a:t>c2;c1</a:t>
+            </a:r>
+          </a:p>
+          <a:p>
+            <a:r>
+              <a:rPr lang="en-US" sz="1400" dirty="0"/>
+              <a:t>c1;c2;c0</a:t>
+            </a:r>
+          </a:p>
+        </p:txBody>
+      </p:sp>
+      <p:sp>
+        <p:nvSpPr>
+          <p:cNvPr id="6" name="Rectangle 5">
+            <a:extLst>
+              <a:ext uri="{FF2B5EF4-FFF2-40B4-BE49-F238E27FC236}">
+                <a16:creationId xmlns:a16="http://schemas.microsoft.com/office/drawing/2014/main" id="{8E6BFE10-69B6-4E22-9D36-E9FD3D0992D5}"/>
+              </a:ext>
+            </a:extLst>
+          </p:cNvPr>
+          <p:cNvSpPr/>
+          <p:nvPr/>
+        </p:nvSpPr>
+        <p:spPr>
+          <a:xfrm>
+            <a:off x="907763" y="4835674"/>
+            <a:ext cx="1831021" cy="1600438"/>
+          </a:xfrm>
+          <a:prstGeom prst="rect">
+            <a:avLst/>
+          </a:prstGeom>
+        </p:spPr>
+        <p:txBody>
+          <a:bodyPr wrap="square">
+            <a:spAutoFit/>
+          </a:bodyPr>
+          <a:lstStyle/>
+          <a:p>
+            <a:r>
+              <a:rPr lang="en-US" sz="1400" b="1" dirty="0">
+                <a:solidFill>
+                  <a:srgbClr val="00B050"/>
+                </a:solidFill>
+              </a:rPr>
+              <a:t>POSITIVE TRACES</a:t>
+            </a:r>
+          </a:p>
+          <a:p>
+            <a:r>
+              <a:rPr lang="en-US" sz="1400" dirty="0"/>
+              <a:t>c0;c1;c2</a:t>
+            </a:r>
+          </a:p>
+          <a:p>
+            <a:r>
+              <a:rPr lang="en-US" sz="1400" dirty="0"/>
+              <a:t>c0;c1;c2</a:t>
+            </a:r>
+          </a:p>
+          <a:p>
+            <a:r>
+              <a:rPr lang="en-US" sz="1400" dirty="0"/>
+              <a:t>c0;c1;c2</a:t>
+            </a:r>
+          </a:p>
+          <a:p>
+            <a:r>
+              <a:rPr lang="en-US" sz="1400" dirty="0"/>
+              <a:t>c0;c1;c2</a:t>
+            </a:r>
+          </a:p>
+          <a:p>
+            <a:r>
+              <a:rPr lang="en-US" sz="1400" dirty="0"/>
+              <a:t>c0;c1;c2</a:t>
+            </a:r>
+          </a:p>
+          <a:p>
+            <a:r>
+              <a:rPr lang="en-US" sz="1400" dirty="0"/>
+              <a:t>c0;c1;c2</a:t>
+            </a:r>
+          </a:p>
+        </p:txBody>
+      </p:sp>
+      <p:sp>
+        <p:nvSpPr>
+          <p:cNvPr id="12" name="Arrow: Right 11">
+            <a:extLst>
+              <a:ext uri="{FF2B5EF4-FFF2-40B4-BE49-F238E27FC236}">
+                <a16:creationId xmlns:a16="http://schemas.microsoft.com/office/drawing/2014/main" id="{7C99090F-2F0D-43B8-828B-D6FFF5CBBFE1}"/>
+              </a:ext>
+            </a:extLst>
+          </p:cNvPr>
+          <p:cNvSpPr/>
+          <p:nvPr/>
+        </p:nvSpPr>
+        <p:spPr>
+          <a:xfrm>
+            <a:off x="4383856" y="4114513"/>
+            <a:ext cx="1606858" cy="411348"/>
+          </a:xfrm>
+          <a:prstGeom prst="rightArrow">
+            <a:avLst>
+              <a:gd name="adj1" fmla="val 27602"/>
+              <a:gd name="adj2" fmla="val 55599"/>
+            </a:avLst>
+          </a:prstGeom>
+        </p:spPr>
+        <p:style>
+          <a:lnRef idx="3">
+            <a:schemeClr val="lt1"/>
+          </a:lnRef>
+          <a:fillRef idx="1">
+            <a:schemeClr val="accent3"/>
+          </a:fillRef>
+          <a:effectRef idx="1">
+            <a:schemeClr val="accent3"/>
+          </a:effectRef>
+          <a:fontRef idx="minor">
+            <a:schemeClr val="lt1"/>
+          </a:fontRef>
+        </p:style>
+        <p:txBody>
+          <a:bodyPr rtlCol="0" anchor="ctr"/>
+          <a:lstStyle/>
+          <a:p>
+            <a:pPr algn="ctr"/>
+            <a:endParaRPr lang="en-US"/>
+          </a:p>
+        </p:txBody>
+      </p:sp>
+      <p:sp>
+        <p:nvSpPr>
+          <p:cNvPr id="13" name="TextBox 12">
+            <a:extLst>
+              <a:ext uri="{FF2B5EF4-FFF2-40B4-BE49-F238E27FC236}">
+                <a16:creationId xmlns:a16="http://schemas.microsoft.com/office/drawing/2014/main" id="{592E80B7-9ACA-40D7-B00A-3DEDBE7A292C}"/>
+              </a:ext>
+            </a:extLst>
+          </p:cNvPr>
+          <p:cNvSpPr txBox="1"/>
+          <p:nvPr/>
+        </p:nvSpPr>
+        <p:spPr>
+          <a:xfrm>
+            <a:off x="4285290" y="3294790"/>
+            <a:ext cx="2135061" cy="523220"/>
+          </a:xfrm>
+          <a:prstGeom prst="rect">
+            <a:avLst/>
+          </a:prstGeom>
+          <a:noFill/>
+        </p:spPr>
+        <p:txBody>
+          <a:bodyPr wrap="square" rtlCol="0">
+            <a:spAutoFit/>
+          </a:bodyPr>
+          <a:lstStyle/>
+          <a:p>
+            <a:r>
+              <a:rPr lang="en-US" sz="1400" dirty="0">
+                <a:latin typeface="Segoe UI" panose="020B0502040204020203" pitchFamily="34" charset="0"/>
+                <a:cs typeface="Segoe UI" panose="020B0502040204020203" pitchFamily="34" charset="0"/>
+              </a:rPr>
+              <a:t>From traces, the DFA is generated:</a:t>
+            </a:r>
+          </a:p>
+        </p:txBody>
+      </p:sp>
+      <p:sp>
+        <p:nvSpPr>
+          <p:cNvPr id="14" name="Rectangle 13">
+            <a:extLst>
+              <a:ext uri="{FF2B5EF4-FFF2-40B4-BE49-F238E27FC236}">
+                <a16:creationId xmlns:a16="http://schemas.microsoft.com/office/drawing/2014/main" id="{4B50C486-8522-48B5-BAFD-948015BCD0D2}"/>
+              </a:ext>
+            </a:extLst>
+          </p:cNvPr>
+          <p:cNvSpPr/>
+          <p:nvPr/>
+        </p:nvSpPr>
+        <p:spPr>
+          <a:xfrm>
+            <a:off x="6501209" y="830711"/>
+            <a:ext cx="5000409" cy="4555093"/>
+          </a:xfrm>
+          <a:prstGeom prst="rect">
+            <a:avLst/>
+          </a:prstGeom>
+        </p:spPr>
+        <p:txBody>
+          <a:bodyPr wrap="square">
+            <a:spAutoFit/>
+          </a:bodyPr>
+          <a:lstStyle/>
+          <a:p>
+            <a:r>
+              <a:rPr lang="en-US" sz="1000" dirty="0">
+                <a:latin typeface="Consolas" panose="020B0609020204030204" pitchFamily="49" charset="0"/>
+              </a:rPr>
+              <a:t>{'_states': </a:t>
+            </a:r>
+            <a:r>
+              <a:rPr lang="en-US" sz="1000" dirty="0" err="1">
+                <a:latin typeface="Consolas" panose="020B0609020204030204" pitchFamily="49" charset="0"/>
+              </a:rPr>
+              <a:t>frozenset</a:t>
+            </a:r>
+            <a:r>
+              <a:rPr lang="en-US" sz="1000" dirty="0">
+                <a:latin typeface="Consolas" panose="020B0609020204030204" pitchFamily="49" charset="0"/>
+              </a:rPr>
+              <a:t>({'0', '1', '2', '3'}),</a:t>
+            </a:r>
+          </a:p>
+          <a:p>
+            <a:r>
+              <a:rPr lang="en-US" sz="1000" dirty="0">
+                <a:latin typeface="Consolas" panose="020B0609020204030204" pitchFamily="49" charset="0"/>
+              </a:rPr>
+              <a:t> '_alphabet': </a:t>
+            </a:r>
+            <a:r>
+              <a:rPr lang="en-US" sz="1000" dirty="0" err="1">
+                <a:latin typeface="Consolas" panose="020B0609020204030204" pitchFamily="49" charset="0"/>
+              </a:rPr>
+              <a:t>frozenset</a:t>
+            </a:r>
+            <a:r>
+              <a:rPr lang="en-US" sz="1000" dirty="0">
+                <a:latin typeface="Consolas" panose="020B0609020204030204" pitchFamily="49" charset="0"/>
+              </a:rPr>
+              <a:t>({{}, {c1}, {c0}, {c2}}),</a:t>
+            </a:r>
+          </a:p>
+          <a:p>
+            <a:endParaRPr lang="en-US" sz="1000" dirty="0">
+              <a:latin typeface="Consolas" panose="020B0609020204030204" pitchFamily="49" charset="0"/>
+            </a:endParaRPr>
+          </a:p>
+          <a:p>
+            <a:r>
+              <a:rPr lang="en-US" sz="1000" b="1" dirty="0">
+                <a:latin typeface="Consolas" panose="020B0609020204030204" pitchFamily="49" charset="0"/>
+              </a:rPr>
+              <a:t>  Alphabet = Sigma = Set of possible actions</a:t>
+            </a:r>
+          </a:p>
+          <a:p>
+            <a:endParaRPr lang="en-US" sz="1000" dirty="0">
+              <a:latin typeface="Consolas" panose="020B0609020204030204" pitchFamily="49" charset="0"/>
+            </a:endParaRPr>
+          </a:p>
+          <a:p>
+            <a:r>
+              <a:rPr lang="en-US" sz="1000" dirty="0">
+                <a:latin typeface="Consolas" panose="020B0609020204030204" pitchFamily="49" charset="0"/>
+              </a:rPr>
+              <a:t> '_</a:t>
+            </a:r>
+            <a:r>
+              <a:rPr lang="en-US" sz="1000" dirty="0" err="1">
+                <a:latin typeface="Consolas" panose="020B0609020204030204" pitchFamily="49" charset="0"/>
+              </a:rPr>
+              <a:t>initial_state</a:t>
+            </a:r>
+            <a:r>
+              <a:rPr lang="en-US" sz="1000" dirty="0">
+                <a:latin typeface="Consolas" panose="020B0609020204030204" pitchFamily="49" charset="0"/>
+              </a:rPr>
+              <a:t>': </a:t>
+            </a:r>
+            <a:r>
+              <a:rPr lang="en-US" sz="1000" dirty="0">
+                <a:highlight>
+                  <a:srgbClr val="FFFF00"/>
+                </a:highlight>
+                <a:latin typeface="Consolas" panose="020B0609020204030204" pitchFamily="49" charset="0"/>
+              </a:rPr>
+              <a:t>'0'</a:t>
+            </a:r>
+            <a:r>
+              <a:rPr lang="en-US" sz="1000" dirty="0">
+                <a:latin typeface="Consolas" panose="020B0609020204030204" pitchFamily="49" charset="0"/>
+              </a:rPr>
+              <a:t>,</a:t>
+            </a:r>
+          </a:p>
+          <a:p>
+            <a:r>
+              <a:rPr lang="en-US" sz="1000" dirty="0">
+                <a:latin typeface="Consolas" panose="020B0609020204030204" pitchFamily="49" charset="0"/>
+              </a:rPr>
+              <a:t> '_</a:t>
+            </a:r>
+            <a:r>
+              <a:rPr lang="en-US" sz="1000" dirty="0" err="1">
+                <a:latin typeface="Consolas" panose="020B0609020204030204" pitchFamily="49" charset="0"/>
+              </a:rPr>
+              <a:t>accepting_states</a:t>
+            </a:r>
+            <a:r>
+              <a:rPr lang="en-US" sz="1000" dirty="0">
+                <a:latin typeface="Consolas" panose="020B0609020204030204" pitchFamily="49" charset="0"/>
+              </a:rPr>
+              <a:t>': </a:t>
+            </a:r>
+            <a:r>
+              <a:rPr lang="en-US" sz="1000" dirty="0" err="1">
+                <a:highlight>
+                  <a:srgbClr val="FFFF00"/>
+                </a:highlight>
+                <a:latin typeface="Consolas" panose="020B0609020204030204" pitchFamily="49" charset="0"/>
+              </a:rPr>
+              <a:t>frozenset</a:t>
+            </a:r>
+            <a:r>
+              <a:rPr lang="en-US" sz="1000" dirty="0">
+                <a:highlight>
+                  <a:srgbClr val="FFFF00"/>
+                </a:highlight>
+                <a:latin typeface="Consolas" panose="020B0609020204030204" pitchFamily="49" charset="0"/>
+              </a:rPr>
+              <a:t>({'3’}), # Goal state</a:t>
+            </a:r>
+          </a:p>
+          <a:p>
+            <a:r>
+              <a:rPr lang="en-US" sz="1000" dirty="0">
+                <a:latin typeface="Consolas" panose="020B0609020204030204" pitchFamily="49" charset="0"/>
+              </a:rPr>
+              <a:t> '_</a:t>
+            </a:r>
+            <a:r>
+              <a:rPr lang="en-US" sz="1000" dirty="0" err="1">
+                <a:latin typeface="Consolas" panose="020B0609020204030204" pitchFamily="49" charset="0"/>
+              </a:rPr>
+              <a:t>transition_function</a:t>
+            </a:r>
+            <a:r>
+              <a:rPr lang="en-US" sz="1000" dirty="0">
+                <a:latin typeface="Consolas" panose="020B0609020204030204" pitchFamily="49" charset="0"/>
+              </a:rPr>
+              <a:t>’: </a:t>
+            </a:r>
+          </a:p>
+          <a:p>
+            <a:pPr lvl="1"/>
+            <a:r>
+              <a:rPr lang="en-US" sz="1000" dirty="0">
+                <a:latin typeface="Consolas" panose="020B0609020204030204" pitchFamily="49" charset="0"/>
+              </a:rPr>
+              <a:t> {'2': {{c2}: '3', {c0}: '0', {c1}: '0', {}: '2'},</a:t>
+            </a:r>
+          </a:p>
+          <a:p>
+            <a:pPr lvl="1"/>
+            <a:r>
+              <a:rPr lang="en-US" sz="1000" dirty="0">
+                <a:latin typeface="Consolas" panose="020B0609020204030204" pitchFamily="49" charset="0"/>
+              </a:rPr>
+              <a:t>  '0': {{c2}: '0', {c0}: '1', {c1}: '0', {}: '0'},</a:t>
+            </a:r>
+          </a:p>
+          <a:p>
+            <a:pPr lvl="1"/>
+            <a:r>
+              <a:rPr lang="en-US" sz="1000" dirty="0">
+                <a:latin typeface="Consolas" panose="020B0609020204030204" pitchFamily="49" charset="0"/>
+              </a:rPr>
+              <a:t>  '3': {{c2}: '0', {c0}: '0', {c1}: '0', {}: '3'},</a:t>
+            </a:r>
+          </a:p>
+          <a:p>
+            <a:pPr lvl="1"/>
+            <a:r>
+              <a:rPr lang="en-US" sz="1000" dirty="0">
+                <a:latin typeface="Consolas" panose="020B0609020204030204" pitchFamily="49" charset="0"/>
+              </a:rPr>
+              <a:t>  '1': {{c2}: '0', {c0}: '0', {c1}: '2', {}: '1’}},</a:t>
+            </a:r>
+          </a:p>
+          <a:p>
+            <a:pPr lvl="1"/>
+            <a:r>
+              <a:rPr lang="en-US" sz="1000" dirty="0">
+                <a:highlight>
+                  <a:srgbClr val="FFFF00"/>
+                </a:highlight>
+                <a:latin typeface="Consolas" panose="020B0609020204030204" pitchFamily="49" charset="0"/>
+              </a:rPr>
+              <a:t># This define the edges of the graph</a:t>
+            </a:r>
+          </a:p>
+          <a:p>
+            <a:pPr lvl="1"/>
+            <a:endParaRPr lang="en-US" sz="1000" dirty="0">
+              <a:latin typeface="Consolas" panose="020B0609020204030204" pitchFamily="49" charset="0"/>
+            </a:endParaRPr>
+          </a:p>
+          <a:p>
+            <a:r>
+              <a:rPr lang="en-US" sz="1000" dirty="0">
+                <a:latin typeface="Consolas" panose="020B0609020204030204" pitchFamily="49" charset="0"/>
+              </a:rPr>
+              <a:t> '_</a:t>
+            </a:r>
+            <a:r>
+              <a:rPr lang="en-US" sz="1000" dirty="0" err="1">
+                <a:latin typeface="Consolas" panose="020B0609020204030204" pitchFamily="49" charset="0"/>
+              </a:rPr>
+              <a:t>idx_to_state</a:t>
+            </a:r>
+            <a:r>
+              <a:rPr lang="en-US" sz="1000" dirty="0">
+                <a:latin typeface="Consolas" panose="020B0609020204030204" pitchFamily="49" charset="0"/>
+              </a:rPr>
+              <a:t>': ['2', '3', '1', '0'],</a:t>
+            </a:r>
+          </a:p>
+          <a:p>
+            <a:r>
+              <a:rPr lang="en-US" sz="1000" dirty="0">
+                <a:latin typeface="Consolas" panose="020B0609020204030204" pitchFamily="49" charset="0"/>
+              </a:rPr>
+              <a:t> '_</a:t>
+            </a:r>
+            <a:r>
+              <a:rPr lang="en-US" sz="1000" dirty="0" err="1">
+                <a:latin typeface="Consolas" panose="020B0609020204030204" pitchFamily="49" charset="0"/>
+              </a:rPr>
+              <a:t>state_to_idx</a:t>
+            </a:r>
+            <a:r>
+              <a:rPr lang="en-US" sz="1000" dirty="0">
+                <a:latin typeface="Consolas" panose="020B0609020204030204" pitchFamily="49" charset="0"/>
+              </a:rPr>
+              <a:t>': {'2': 0, '3': 1, '1': 2, '0': 3},</a:t>
+            </a:r>
+          </a:p>
+          <a:p>
+            <a:r>
+              <a:rPr lang="en-US" sz="1000" dirty="0">
+                <a:latin typeface="Consolas" panose="020B0609020204030204" pitchFamily="49" charset="0"/>
+              </a:rPr>
+              <a:t> '_</a:t>
+            </a:r>
+            <a:r>
+              <a:rPr lang="en-US" sz="1000" dirty="0" err="1">
+                <a:latin typeface="Consolas" panose="020B0609020204030204" pitchFamily="49" charset="0"/>
+              </a:rPr>
+              <a:t>idx_to_symbol</a:t>
+            </a:r>
+            <a:r>
+              <a:rPr lang="en-US" sz="1000" dirty="0">
+                <a:latin typeface="Consolas" panose="020B0609020204030204" pitchFamily="49" charset="0"/>
+              </a:rPr>
+              <a:t>': [{c1}, {}, {c0}, {c2}],</a:t>
+            </a:r>
+          </a:p>
+          <a:p>
+            <a:r>
+              <a:rPr lang="en-US" sz="1000" dirty="0">
+                <a:latin typeface="Consolas" panose="020B0609020204030204" pitchFamily="49" charset="0"/>
+              </a:rPr>
+              <a:t> '_</a:t>
+            </a:r>
+            <a:r>
+              <a:rPr lang="en-US" sz="1000" dirty="0" err="1">
+                <a:latin typeface="Consolas" panose="020B0609020204030204" pitchFamily="49" charset="0"/>
+              </a:rPr>
+              <a:t>symbol_to_idx</a:t>
+            </a:r>
+            <a:r>
+              <a:rPr lang="en-US" sz="1000" dirty="0">
+                <a:latin typeface="Consolas" panose="020B0609020204030204" pitchFamily="49" charset="0"/>
+              </a:rPr>
+              <a:t>': {{c1}: 0, {}: 1, {c0}: 2, {c2}: 3},</a:t>
+            </a:r>
+          </a:p>
+          <a:p>
+            <a:r>
+              <a:rPr lang="en-US" sz="1000" dirty="0">
+                <a:latin typeface="Consolas" panose="020B0609020204030204" pitchFamily="49" charset="0"/>
+              </a:rPr>
+              <a:t> '_</a:t>
+            </a:r>
+            <a:r>
+              <a:rPr lang="en-US" sz="1000" dirty="0" err="1">
+                <a:latin typeface="Consolas" panose="020B0609020204030204" pitchFamily="49" charset="0"/>
+              </a:rPr>
+              <a:t>idx_transition_function</a:t>
+            </a:r>
+            <a:r>
+              <a:rPr lang="en-US" sz="1000" dirty="0">
+                <a:latin typeface="Consolas" panose="020B0609020204030204" pitchFamily="49" charset="0"/>
+              </a:rPr>
+              <a:t>': {0: {3: 1, 2: 3, 0: 3, 1: 0},</a:t>
+            </a:r>
+          </a:p>
+          <a:p>
+            <a:r>
+              <a:rPr lang="en-US" sz="1000" dirty="0">
+                <a:latin typeface="Consolas" panose="020B0609020204030204" pitchFamily="49" charset="0"/>
+              </a:rPr>
+              <a:t>  1: {3: 3, 2: 3, 0: 3, 1: 1},</a:t>
+            </a:r>
+          </a:p>
+          <a:p>
+            <a:r>
+              <a:rPr lang="en-US" sz="1000" dirty="0">
+                <a:latin typeface="Consolas" panose="020B0609020204030204" pitchFamily="49" charset="0"/>
+              </a:rPr>
+              <a:t>  2: {3: 3, 2: 3, 0: 0, 1: 2},</a:t>
+            </a:r>
+          </a:p>
+          <a:p>
+            <a:r>
+              <a:rPr lang="en-US" sz="1000" dirty="0">
+                <a:latin typeface="Consolas" panose="020B0609020204030204" pitchFamily="49" charset="0"/>
+              </a:rPr>
+              <a:t>  3: {3: 3, 2: 2, 0: 3, 1: 3}},</a:t>
+            </a:r>
+          </a:p>
+          <a:p>
+            <a:r>
+              <a:rPr lang="en-US" sz="1000" dirty="0">
+                <a:latin typeface="Consolas" panose="020B0609020204030204" pitchFamily="49" charset="0"/>
+              </a:rPr>
+              <a:t> '_</a:t>
+            </a:r>
+            <a:r>
+              <a:rPr lang="en-US" sz="1000" dirty="0" err="1">
+                <a:latin typeface="Consolas" panose="020B0609020204030204" pitchFamily="49" charset="0"/>
+              </a:rPr>
+              <a:t>idx_delta_by_state</a:t>
+            </a:r>
+            <a:r>
+              <a:rPr lang="en-US" sz="1000" dirty="0">
+                <a:latin typeface="Consolas" panose="020B0609020204030204" pitchFamily="49" charset="0"/>
+              </a:rPr>
+              <a:t>': {0: {(0, 3), (1, 0), (2, 3), (3, 1)},</a:t>
+            </a:r>
+          </a:p>
+          <a:p>
+            <a:r>
+              <a:rPr lang="en-US" sz="1000" dirty="0">
+                <a:latin typeface="Consolas" panose="020B0609020204030204" pitchFamily="49" charset="0"/>
+              </a:rPr>
+              <a:t>  1: {(0, 3), (1, 1), (2, 3), (3, 3)},</a:t>
+            </a:r>
+          </a:p>
+          <a:p>
+            <a:r>
+              <a:rPr lang="en-US" sz="1000" dirty="0">
+                <a:latin typeface="Consolas" panose="020B0609020204030204" pitchFamily="49" charset="0"/>
+              </a:rPr>
+              <a:t>  2: {(0, 0), (1, 2), (2, 3), (3, 3)},</a:t>
+            </a:r>
+          </a:p>
+          <a:p>
+            <a:r>
+              <a:rPr lang="en-US" sz="1000" dirty="0">
+                <a:latin typeface="Consolas" panose="020B0609020204030204" pitchFamily="49" charset="0"/>
+              </a:rPr>
+              <a:t>  3: {(0, 3), (1, 3), (2, 2), (3, 3)}},</a:t>
+            </a:r>
+          </a:p>
+          <a:p>
+            <a:r>
+              <a:rPr lang="en-US" sz="1000" dirty="0">
+                <a:latin typeface="Consolas" panose="020B0609020204030204" pitchFamily="49" charset="0"/>
+              </a:rPr>
+              <a:t> '_</a:t>
+            </a:r>
+            <a:r>
+              <a:rPr lang="en-US" sz="1000" dirty="0" err="1">
+                <a:latin typeface="Consolas" panose="020B0609020204030204" pitchFamily="49" charset="0"/>
+              </a:rPr>
+              <a:t>idx_initial_state</a:t>
+            </a:r>
+            <a:r>
+              <a:rPr lang="en-US" sz="1000" dirty="0">
+                <a:latin typeface="Consolas" panose="020B0609020204030204" pitchFamily="49" charset="0"/>
+              </a:rPr>
+              <a:t>': 3,</a:t>
+            </a:r>
+          </a:p>
+          <a:p>
+            <a:r>
+              <a:rPr lang="en-US" sz="1000" dirty="0">
+                <a:latin typeface="Consolas" panose="020B0609020204030204" pitchFamily="49" charset="0"/>
+              </a:rPr>
+              <a:t> '_</a:t>
+            </a:r>
+            <a:r>
+              <a:rPr lang="en-US" sz="1000" dirty="0" err="1">
+                <a:latin typeface="Consolas" panose="020B0609020204030204" pitchFamily="49" charset="0"/>
+              </a:rPr>
+              <a:t>idx_accepting_states</a:t>
+            </a:r>
+            <a:r>
+              <a:rPr lang="en-US" sz="1000" dirty="0">
+                <a:latin typeface="Consolas" panose="020B0609020204030204" pitchFamily="49" charset="0"/>
+              </a:rPr>
+              <a:t>': </a:t>
+            </a:r>
+            <a:r>
+              <a:rPr lang="en-US" sz="1000" dirty="0" err="1">
+                <a:latin typeface="Consolas" panose="020B0609020204030204" pitchFamily="49" charset="0"/>
+              </a:rPr>
+              <a:t>frozenset</a:t>
+            </a:r>
+            <a:r>
+              <a:rPr lang="en-US" sz="1000" dirty="0">
+                <a:latin typeface="Consolas" panose="020B0609020204030204" pitchFamily="49" charset="0"/>
+              </a:rPr>
+              <a:t>({1})}</a:t>
+            </a:r>
+          </a:p>
+        </p:txBody>
+      </p:sp>
+      <p:sp>
+        <p:nvSpPr>
+          <p:cNvPr id="17" name="Title 1">
+            <a:extLst>
+              <a:ext uri="{FF2B5EF4-FFF2-40B4-BE49-F238E27FC236}">
+                <a16:creationId xmlns:a16="http://schemas.microsoft.com/office/drawing/2014/main" id="{508A1AC0-9827-4810-AFA3-3AE23B13BC8E}"/>
+              </a:ext>
+            </a:extLst>
+          </p:cNvPr>
+          <p:cNvSpPr txBox="1">
+            <a:spLocks/>
+          </p:cNvSpPr>
+          <p:nvPr/>
+        </p:nvSpPr>
+        <p:spPr>
+          <a:xfrm>
+            <a:off x="1071775" y="238623"/>
+            <a:ext cx="4115510" cy="377992"/>
+          </a:xfrm>
+          <a:prstGeom prst="rect">
+            <a:avLst/>
+          </a:prstGeom>
+        </p:spPr>
+        <p:txBody>
+          <a:bodyPr vert="horz" lIns="91440" tIns="45720" rIns="91440" bIns="45720" rtlCol="0" anchor="ctr">
+            <a:normAutofit fontScale="82500" lnSpcReduction="10000"/>
+          </a:bodyPr>
+          <a:lstStyle>
+            <a:lvl1pPr algn="l" defTabSz="914400" rtl="0" eaLnBrk="1" latinLnBrk="0" hangingPunct="1">
+              <a:lnSpc>
+                <a:spcPct val="90000"/>
+              </a:lnSpc>
+              <a:spcBef>
+                <a:spcPct val="0"/>
+              </a:spcBef>
+              <a:buNone/>
+              <a:defRPr sz="4400" kern="1200">
+                <a:solidFill>
+                  <a:schemeClr val="tx1"/>
+                </a:solidFill>
+                <a:latin typeface="+mj-lt"/>
+                <a:ea typeface="+mj-ea"/>
+                <a:cs typeface="+mj-cs"/>
+              </a:defRPr>
+            </a:lvl1pPr>
+          </a:lstStyle>
+          <a:p>
+            <a:r>
+              <a:rPr lang="en-US" sz="2400" b="1" dirty="0">
+                <a:latin typeface="Segoe UI" panose="020B0502040204020203" pitchFamily="34" charset="0"/>
+                <a:cs typeface="Segoe UI" panose="020B0502040204020203" pitchFamily="34" charset="0"/>
+              </a:rPr>
+              <a:t>BREAKOUT</a:t>
+            </a:r>
+            <a:r>
+              <a:rPr lang="en-US" sz="2800" b="1" dirty="0">
+                <a:latin typeface="Segoe UI" panose="020B0502040204020203" pitchFamily="34" charset="0"/>
+                <a:cs typeface="Segoe UI" panose="020B0502040204020203" pitchFamily="34" charset="0"/>
+              </a:rPr>
+              <a:t> – traces and DFA</a:t>
+            </a:r>
+          </a:p>
+        </p:txBody>
+      </p:sp>
+      <p:grpSp>
+        <p:nvGrpSpPr>
+          <p:cNvPr id="20" name="Group 19">
+            <a:extLst>
+              <a:ext uri="{FF2B5EF4-FFF2-40B4-BE49-F238E27FC236}">
+                <a16:creationId xmlns:a16="http://schemas.microsoft.com/office/drawing/2014/main" id="{9E221EF5-0206-414D-BF99-549C04D48686}"/>
+              </a:ext>
+            </a:extLst>
+          </p:cNvPr>
+          <p:cNvGrpSpPr/>
+          <p:nvPr/>
+        </p:nvGrpSpPr>
+        <p:grpSpPr>
+          <a:xfrm>
+            <a:off x="1191089" y="1091953"/>
+            <a:ext cx="2813380" cy="2907392"/>
+            <a:chOff x="8284551" y="154222"/>
+            <a:chExt cx="2902035" cy="2552774"/>
+          </a:xfrm>
+        </p:grpSpPr>
+        <p:pic>
+          <p:nvPicPr>
+            <p:cNvPr id="11" name="Graphic 10">
+              <a:extLst>
+                <a:ext uri="{FF2B5EF4-FFF2-40B4-BE49-F238E27FC236}">
+                  <a16:creationId xmlns:a16="http://schemas.microsoft.com/office/drawing/2014/main" id="{5773F95E-BC41-4CC0-85F2-0A9DAEBBD2D8}"/>
+                </a:ext>
+              </a:extLst>
+            </p:cNvPr>
+            <p:cNvPicPr>
+              <a:picLocks noChangeAspect="1"/>
+            </p:cNvPicPr>
+            <p:nvPr/>
+          </p:nvPicPr>
+          <p:blipFill rotWithShape="1">
+            <a:blip r:embed="rId3">
+              <a:extLst>
+                <a:ext uri="{28A0092B-C50C-407E-A947-70E740481C1C}">
+                  <a14:useLocalDpi xmlns:a14="http://schemas.microsoft.com/office/drawing/2010/main" val="0"/>
+                </a:ext>
+                <a:ext uri="{96DAC541-7B7A-43D3-8B79-37D633B846F1}">
+                  <asvg:svgBlip xmlns:asvg="http://schemas.microsoft.com/office/drawing/2016/SVG/main" r:embed="rId4"/>
+                </a:ext>
+              </a:extLst>
+            </a:blip>
+            <a:srcRect t="9566"/>
+            <a:stretch/>
+          </p:blipFill>
+          <p:spPr>
+            <a:xfrm>
+              <a:off x="8284551" y="154222"/>
+              <a:ext cx="2902035" cy="2552774"/>
+            </a:xfrm>
+            <a:prstGeom prst="rect">
+              <a:avLst/>
+            </a:prstGeom>
+          </p:spPr>
+        </p:pic>
+        <p:sp>
+          <p:nvSpPr>
+            <p:cNvPr id="18" name="Oval 17">
+              <a:extLst>
+                <a:ext uri="{FF2B5EF4-FFF2-40B4-BE49-F238E27FC236}">
+                  <a16:creationId xmlns:a16="http://schemas.microsoft.com/office/drawing/2014/main" id="{B5FC45D4-97CB-45AB-B33E-11DB7F7FF521}"/>
+                </a:ext>
+              </a:extLst>
+            </p:cNvPr>
+            <p:cNvSpPr/>
+            <p:nvPr/>
+          </p:nvSpPr>
+          <p:spPr>
+            <a:xfrm>
+              <a:off x="10303529" y="2343150"/>
+              <a:ext cx="435007" cy="344796"/>
+            </a:xfrm>
+            <a:prstGeom prst="ellipse">
+              <a:avLst/>
+            </a:prstGeom>
+            <a:solidFill>
+              <a:schemeClr val="accent6">
+                <a:alpha val="50000"/>
+              </a:schemeClr>
+            </a:solidFill>
+            <a:ln>
+              <a:noFill/>
+            </a:ln>
+          </p:spPr>
+          <p:style>
+            <a:lnRef idx="0">
+              <a:scrgbClr r="0" g="0" b="0"/>
+            </a:lnRef>
+            <a:fillRef idx="0">
+              <a:scrgbClr r="0" g="0" b="0"/>
+            </a:fillRef>
+            <a:effectRef idx="0">
+              <a:scrgbClr r="0" g="0" b="0"/>
+            </a:effectRef>
+            <a:fontRef idx="minor">
+              <a:schemeClr val="lt1"/>
+            </a:fontRef>
+          </p:style>
+          <p:txBody>
+            <a:bodyPr rtlCol="0" anchor="ctr"/>
+            <a:lstStyle/>
+            <a:p>
+              <a:pPr algn="ctr"/>
+              <a:endParaRPr lang="en-US"/>
+            </a:p>
+          </p:txBody>
+        </p:sp>
+      </p:grpSp>
+    </p:spTree>
+    <p:extLst>
+      <p:ext uri="{BB962C8B-B14F-4D97-AF65-F5344CB8AC3E}">
+        <p14:creationId xmlns:p14="http://schemas.microsoft.com/office/powerpoint/2010/main" val="921470558"/>
+      </p:ext>
+    </p:extLst>
+  </p:cSld>
+  <p:clrMapOvr>
+    <a:masterClrMapping/>
+  </p:clrMapOvr>
+</p:sld>
+</file>
+
+<file path=ppt/slides/slide7.xml><?xml version="1.0" encoding="utf-8"?>
+<p:sld xmlns:a="http://schemas.openxmlformats.org/drawingml/2006/main" xmlns:r="http://schemas.openxmlformats.org/officeDocument/2006/relationships" xmlns:p="http://schemas.openxmlformats.org/presentationml/2006/main">
+  <p:cSld>
+    <p:spTree>
+      <p:nvGrpSpPr>
+        <p:cNvPr id="1" name=""/>
+        <p:cNvGrpSpPr/>
+        <p:nvPr/>
+      </p:nvGrpSpPr>
+      <p:grpSpPr>
+        <a:xfrm>
+          <a:off x="0" y="0"/>
+          <a:ext cx="0" cy="0"/>
+          <a:chOff x="0" y="0"/>
+          <a:chExt cx="0" cy="0"/>
+        </a:xfrm>
+      </p:grpSpPr>
+      <p:pic>
+        <p:nvPicPr>
+          <p:cNvPr id="4" name="Graphic 3">
+            <a:extLst>
+              <a:ext uri="{FF2B5EF4-FFF2-40B4-BE49-F238E27FC236}">
+                <a16:creationId xmlns:a16="http://schemas.microsoft.com/office/drawing/2014/main" id="{3F0A364D-A577-49F5-B752-31A4B78C4C0D}"/>
+              </a:ext>
+            </a:extLst>
+          </p:cNvPr>
+          <p:cNvPicPr>
+            <a:picLocks noChangeAspect="1"/>
+          </p:cNvPicPr>
+          <p:nvPr/>
+        </p:nvPicPr>
+        <p:blipFill rotWithShape="1">
+          <a:blip r:embed="rId2">
+            <a:extLst>
+              <a:ext uri="{28A0092B-C50C-407E-A947-70E740481C1C}">
+                <a14:useLocalDpi xmlns:a14="http://schemas.microsoft.com/office/drawing/2010/main" val="0"/>
+              </a:ext>
+              <a:ext uri="{96DAC541-7B7A-43D3-8B79-37D633B846F1}">
+                <asvg:svgBlip xmlns:asvg="http://schemas.microsoft.com/office/drawing/2016/SVG/main" r:embed="rId3"/>
+              </a:ext>
+            </a:extLst>
+          </a:blip>
+          <a:srcRect r="5471"/>
+          <a:stretch/>
+        </p:blipFill>
+        <p:spPr>
+          <a:xfrm>
+            <a:off x="373396" y="1079415"/>
+            <a:ext cx="11818604" cy="2493694"/>
+          </a:xfrm>
+          <a:prstGeom prst="rect">
+            <a:avLst/>
+          </a:prstGeom>
+        </p:spPr>
+      </p:pic>
+      <p:sp>
+        <p:nvSpPr>
+          <p:cNvPr id="2" name="Title 1">
+            <a:extLst>
+              <a:ext uri="{FF2B5EF4-FFF2-40B4-BE49-F238E27FC236}">
+                <a16:creationId xmlns:a16="http://schemas.microsoft.com/office/drawing/2014/main" id="{97B28175-D332-4E0A-A780-4C2BEADA35F3}"/>
+              </a:ext>
+            </a:extLst>
+          </p:cNvPr>
+          <p:cNvSpPr>
+            <a:spLocks noGrp="1"/>
+          </p:cNvSpPr>
+          <p:nvPr>
+            <p:ph type="title"/>
+          </p:nvPr>
+        </p:nvSpPr>
+        <p:spPr>
+          <a:xfrm>
+            <a:off x="1005414" y="229963"/>
+            <a:ext cx="10515600" cy="1325563"/>
+          </a:xfrm>
+        </p:spPr>
+        <p:txBody>
+          <a:bodyPr/>
+          <a:lstStyle/>
+          <a:p>
+            <a:r>
+              <a:rPr lang="en-US" dirty="0" err="1">
+                <a:latin typeface="Segoe UI" panose="020B0502040204020203" pitchFamily="34" charset="0"/>
+                <a:cs typeface="Segoe UI" panose="020B0502040204020203" pitchFamily="34" charset="0"/>
+              </a:rPr>
+              <a:t>Sapientino</a:t>
+            </a:r>
+            <a:r>
+              <a:rPr lang="en-US" dirty="0">
+                <a:latin typeface="Segoe UI" panose="020B0502040204020203" pitchFamily="34" charset="0"/>
+                <a:cs typeface="Segoe UI" panose="020B0502040204020203" pitchFamily="34" charset="0"/>
+              </a:rPr>
+              <a:t> - Diagrams</a:t>
+            </a:r>
+          </a:p>
+        </p:txBody>
+      </p:sp>
+      <p:sp>
+        <p:nvSpPr>
+          <p:cNvPr id="8" name="TextBox 7">
+            <a:extLst>
+              <a:ext uri="{FF2B5EF4-FFF2-40B4-BE49-F238E27FC236}">
+                <a16:creationId xmlns:a16="http://schemas.microsoft.com/office/drawing/2014/main" id="{BC86A4A1-9831-4F28-9828-03840F88C7D7}"/>
+              </a:ext>
+            </a:extLst>
+          </p:cNvPr>
+          <p:cNvSpPr txBox="1"/>
+          <p:nvPr/>
+        </p:nvSpPr>
+        <p:spPr>
+          <a:xfrm>
+            <a:off x="941298" y="1370860"/>
+            <a:ext cx="1792863" cy="369332"/>
+          </a:xfrm>
+          <a:prstGeom prst="rect">
+            <a:avLst/>
+          </a:prstGeom>
+          <a:noFill/>
+        </p:spPr>
+        <p:txBody>
+          <a:bodyPr wrap="none" rtlCol="0">
+            <a:spAutoFit/>
+          </a:bodyPr>
+          <a:lstStyle/>
+          <a:p>
+            <a:r>
+              <a:rPr lang="en-US" dirty="0">
+                <a:latin typeface="Segoe UI" panose="020B0502040204020203" pitchFamily="34" charset="0"/>
+                <a:cs typeface="Segoe UI" panose="020B0502040204020203" pitchFamily="34" charset="0"/>
+              </a:rPr>
+              <a:t>True automaton</a:t>
+            </a:r>
+          </a:p>
+        </p:txBody>
+      </p:sp>
+      <p:sp>
+        <p:nvSpPr>
+          <p:cNvPr id="9" name="TextBox 8">
+            <a:extLst>
+              <a:ext uri="{FF2B5EF4-FFF2-40B4-BE49-F238E27FC236}">
+                <a16:creationId xmlns:a16="http://schemas.microsoft.com/office/drawing/2014/main" id="{B8A9C2E9-4C62-4797-A747-0EFEA7DAC690}"/>
+              </a:ext>
+            </a:extLst>
+          </p:cNvPr>
+          <p:cNvSpPr txBox="1"/>
+          <p:nvPr/>
+        </p:nvSpPr>
+        <p:spPr>
+          <a:xfrm>
+            <a:off x="559398" y="4002720"/>
+            <a:ext cx="2174763" cy="369332"/>
+          </a:xfrm>
+          <a:prstGeom prst="rect">
+            <a:avLst/>
+          </a:prstGeom>
+          <a:noFill/>
+        </p:spPr>
+        <p:txBody>
+          <a:bodyPr wrap="none" rtlCol="0">
+            <a:spAutoFit/>
+          </a:bodyPr>
+          <a:lstStyle/>
+          <a:p>
+            <a:r>
+              <a:rPr lang="en-US" dirty="0">
+                <a:latin typeface="Segoe UI" panose="020B0502040204020203" pitchFamily="34" charset="0"/>
+                <a:cs typeface="Segoe UI" panose="020B0502040204020203" pitchFamily="34" charset="0"/>
+              </a:rPr>
+              <a:t>Learned automaton</a:t>
+            </a:r>
+          </a:p>
+        </p:txBody>
+      </p:sp>
+      <p:pic>
+        <p:nvPicPr>
+          <p:cNvPr id="11" name="Graphic 10">
+            <a:extLst>
+              <a:ext uri="{FF2B5EF4-FFF2-40B4-BE49-F238E27FC236}">
+                <a16:creationId xmlns:a16="http://schemas.microsoft.com/office/drawing/2014/main" id="{6189633D-542B-45B6-A614-F7AEEA72A6A9}"/>
+              </a:ext>
+            </a:extLst>
+          </p:cNvPr>
+          <p:cNvPicPr>
+            <a:picLocks noChangeAspect="1"/>
+          </p:cNvPicPr>
+          <p:nvPr/>
+        </p:nvPicPr>
+        <p:blipFill>
+          <a:blip r:embed="rId4">
+            <a:extLst>
+              <a:ext uri="{28A0092B-C50C-407E-A947-70E740481C1C}">
+                <a14:useLocalDpi xmlns:a14="http://schemas.microsoft.com/office/drawing/2010/main" val="0"/>
+              </a:ext>
+              <a:ext uri="{96DAC541-7B7A-43D3-8B79-37D633B846F1}">
+                <asvg:svgBlip xmlns:asvg="http://schemas.microsoft.com/office/drawing/2016/SVG/main" r:embed="rId5"/>
+              </a:ext>
+            </a:extLst>
+          </a:blip>
+          <a:stretch>
+            <a:fillRect/>
+          </a:stretch>
+        </p:blipFill>
+        <p:spPr>
+          <a:xfrm>
+            <a:off x="4066773" y="3614068"/>
+            <a:ext cx="4760355" cy="3064479"/>
+          </a:xfrm>
+          <a:prstGeom prst="rect">
+            <a:avLst/>
+          </a:prstGeom>
+        </p:spPr>
+      </p:pic>
+    </p:spTree>
+    <p:extLst>
+      <p:ext uri="{BB962C8B-B14F-4D97-AF65-F5344CB8AC3E}">
+        <p14:creationId xmlns:p14="http://schemas.microsoft.com/office/powerpoint/2010/main" val="1558379475"/>
+      </p:ext>
+    </p:extLst>
+  </p:cSld>
+  <p:clrMapOvr>
+    <a:masterClrMapping/>
+  </p:clrMapOvr>
+</p:sld>
+</file>
+
+<file path=ppt/slides/slide8.xml><?xml version="1.0" encoding="utf-8"?>
+<p:sld xmlns:a="http://schemas.openxmlformats.org/drawingml/2006/main" xmlns:r="http://schemas.openxmlformats.org/officeDocument/2006/relationships" xmlns:p="http://schemas.openxmlformats.org/presentationml/2006/main">
+  <p:cSld>
+    <p:spTree>
+      <p:nvGrpSpPr>
+        <p:cNvPr id="1" name=""/>
+        <p:cNvGrpSpPr/>
+        <p:nvPr/>
+      </p:nvGrpSpPr>
+      <p:grpSpPr>
+        <a:xfrm>
+          <a:off x="0" y="0"/>
+          <a:ext cx="0" cy="0"/>
+          <a:chOff x="0" y="0"/>
+          <a:chExt cx="0" cy="0"/>
+        </a:xfrm>
+      </p:grpSpPr>
+      <p:sp>
+        <p:nvSpPr>
+          <p:cNvPr id="2" name="Title 1">
+            <a:extLst>
+              <a:ext uri="{FF2B5EF4-FFF2-40B4-BE49-F238E27FC236}">
+                <a16:creationId xmlns:a16="http://schemas.microsoft.com/office/drawing/2014/main" id="{97B28175-D332-4E0A-A780-4C2BEADA35F3}"/>
+              </a:ext>
+            </a:extLst>
+          </p:cNvPr>
+          <p:cNvSpPr>
+            <a:spLocks noGrp="1"/>
+          </p:cNvSpPr>
+          <p:nvPr>
+            <p:ph type="title"/>
+          </p:nvPr>
+        </p:nvSpPr>
+        <p:spPr>
+          <a:xfrm>
+            <a:off x="1063897" y="-124100"/>
+            <a:ext cx="4534252" cy="1325563"/>
+          </a:xfrm>
+        </p:spPr>
+        <p:txBody>
+          <a:bodyPr>
+            <a:normAutofit/>
+          </a:bodyPr>
+          <a:lstStyle/>
+          <a:p>
+            <a:r>
+              <a:rPr lang="en-US" sz="3200" dirty="0">
+                <a:latin typeface="Segoe UI" panose="020B0502040204020203" pitchFamily="34" charset="0"/>
+                <a:cs typeface="Segoe UI" panose="020B0502040204020203" pitchFamily="34" charset="0"/>
+              </a:rPr>
+              <a:t>SAPIENTINO - Diagrams</a:t>
+            </a:r>
+          </a:p>
+        </p:txBody>
+      </p:sp>
+      <p:pic>
+        <p:nvPicPr>
+          <p:cNvPr id="11" name="Graphic 10">
+            <a:extLst>
+              <a:ext uri="{FF2B5EF4-FFF2-40B4-BE49-F238E27FC236}">
+                <a16:creationId xmlns:a16="http://schemas.microsoft.com/office/drawing/2014/main" id="{6189633D-542B-45B6-A614-F7AEEA72A6A9}"/>
+              </a:ext>
+            </a:extLst>
+          </p:cNvPr>
+          <p:cNvPicPr>
+            <a:picLocks noChangeAspect="1"/>
+          </p:cNvPicPr>
+          <p:nvPr/>
+        </p:nvPicPr>
+        <p:blipFill>
+          <a:blip r:embed="rId2">
+            <a:extLst>
+              <a:ext uri="{28A0092B-C50C-407E-A947-70E740481C1C}">
+                <a14:useLocalDpi xmlns:a14="http://schemas.microsoft.com/office/drawing/2010/main" val="0"/>
+              </a:ext>
+              <a:ext uri="{96DAC541-7B7A-43D3-8B79-37D633B846F1}">
+                <asvg:svgBlip xmlns:asvg="http://schemas.microsoft.com/office/drawing/2016/SVG/main" r:embed="rId3"/>
+              </a:ext>
+            </a:extLst>
+          </a:blip>
+          <a:stretch>
+            <a:fillRect/>
+          </a:stretch>
+        </p:blipFill>
+        <p:spPr>
+          <a:xfrm>
+            <a:off x="6738908" y="128089"/>
+            <a:ext cx="4120409" cy="2652514"/>
+          </a:xfrm>
+          <a:prstGeom prst="rect">
+            <a:avLst/>
+          </a:prstGeom>
+        </p:spPr>
+      </p:pic>
+      <p:sp>
+        <p:nvSpPr>
+          <p:cNvPr id="3" name="Rectangle 2">
+            <a:extLst>
+              <a:ext uri="{FF2B5EF4-FFF2-40B4-BE49-F238E27FC236}">
+                <a16:creationId xmlns:a16="http://schemas.microsoft.com/office/drawing/2014/main" id="{E8E7B3FA-2976-46C6-8550-106466F53D4E}"/>
+              </a:ext>
+            </a:extLst>
+          </p:cNvPr>
+          <p:cNvSpPr/>
+          <p:nvPr/>
+        </p:nvSpPr>
+        <p:spPr>
+          <a:xfrm>
+            <a:off x="1005415" y="911635"/>
+            <a:ext cx="4898236" cy="830997"/>
+          </a:xfrm>
+          <a:prstGeom prst="rect">
+            <a:avLst/>
+          </a:prstGeom>
+        </p:spPr>
+        <p:txBody>
+          <a:bodyPr wrap="square">
+            <a:spAutoFit/>
+          </a:bodyPr>
+          <a:lstStyle/>
+          <a:p>
+            <a:r>
+              <a:rPr lang="en-US" sz="1200" dirty="0">
+                <a:latin typeface="Consolas" panose="020B0609020204030204" pitchFamily="49" charset="0"/>
+              </a:rPr>
+              <a:t>Formula: </a:t>
+            </a:r>
+          </a:p>
+          <a:p>
+            <a:r>
+              <a:rPr lang="en-US" sz="1200" dirty="0">
+                <a:latin typeface="Consolas" panose="020B0609020204030204" pitchFamily="49" charset="0"/>
+              </a:rPr>
+              <a:t>&lt;(!</a:t>
+            </a:r>
+            <a:r>
+              <a:rPr lang="en-US" sz="1200" dirty="0" err="1">
+                <a:latin typeface="Consolas" panose="020B0609020204030204" pitchFamily="49" charset="0"/>
+              </a:rPr>
+              <a:t>bad_beep</a:t>
+            </a:r>
+            <a:r>
+              <a:rPr lang="en-US" sz="1200" dirty="0">
+                <a:latin typeface="Consolas" panose="020B0609020204030204" pitchFamily="49" charset="0"/>
+              </a:rPr>
+              <a:t> &amp; !red &amp; !green &amp; !blue)*;red;</a:t>
+            </a:r>
+          </a:p>
+          <a:p>
+            <a:r>
+              <a:rPr lang="en-US" sz="1200" dirty="0">
+                <a:latin typeface="Consolas" panose="020B0609020204030204" pitchFamily="49" charset="0"/>
+              </a:rPr>
+              <a:t> (!</a:t>
+            </a:r>
+            <a:r>
+              <a:rPr lang="en-US" sz="1200" dirty="0" err="1">
+                <a:latin typeface="Consolas" panose="020B0609020204030204" pitchFamily="49" charset="0"/>
+              </a:rPr>
+              <a:t>bad_beep</a:t>
+            </a:r>
+            <a:r>
+              <a:rPr lang="en-US" sz="1200" dirty="0">
+                <a:latin typeface="Consolas" panose="020B0609020204030204" pitchFamily="49" charset="0"/>
+              </a:rPr>
+              <a:t> &amp; !red &amp; !green &amp; !blue)*;green;</a:t>
+            </a:r>
+          </a:p>
+          <a:p>
+            <a:r>
+              <a:rPr lang="en-US" sz="1200" dirty="0">
+                <a:latin typeface="Consolas" panose="020B0609020204030204" pitchFamily="49" charset="0"/>
+              </a:rPr>
+              <a:t> (!</a:t>
+            </a:r>
+            <a:r>
+              <a:rPr lang="en-US" sz="1200" dirty="0" err="1">
+                <a:latin typeface="Consolas" panose="020B0609020204030204" pitchFamily="49" charset="0"/>
+              </a:rPr>
+              <a:t>bad_beep</a:t>
+            </a:r>
+            <a:r>
+              <a:rPr lang="en-US" sz="1200" dirty="0">
+                <a:latin typeface="Consolas" panose="020B0609020204030204" pitchFamily="49" charset="0"/>
+              </a:rPr>
+              <a:t> &amp; !red &amp; !green &amp; !blue)*;blue&gt;</a:t>
+            </a:r>
+            <a:r>
+              <a:rPr lang="en-US" sz="1200" dirty="0" err="1">
+                <a:latin typeface="Consolas" panose="020B0609020204030204" pitchFamily="49" charset="0"/>
+              </a:rPr>
+              <a:t>tt</a:t>
+            </a:r>
+            <a:endParaRPr lang="en-US" sz="1200" dirty="0">
+              <a:latin typeface="Consolas" panose="020B0609020204030204" pitchFamily="49" charset="0"/>
+            </a:endParaRPr>
+          </a:p>
+        </p:txBody>
+      </p:sp>
+      <p:sp>
+        <p:nvSpPr>
+          <p:cNvPr id="7" name="TextBox 6">
+            <a:extLst>
+              <a:ext uri="{FF2B5EF4-FFF2-40B4-BE49-F238E27FC236}">
+                <a16:creationId xmlns:a16="http://schemas.microsoft.com/office/drawing/2014/main" id="{823CF4C7-0C32-48A1-9A1E-EC600F36AB1B}"/>
+              </a:ext>
+            </a:extLst>
+          </p:cNvPr>
+          <p:cNvSpPr txBox="1"/>
+          <p:nvPr/>
+        </p:nvSpPr>
+        <p:spPr>
+          <a:xfrm>
+            <a:off x="1313895" y="3284738"/>
+            <a:ext cx="184731" cy="369332"/>
+          </a:xfrm>
+          <a:prstGeom prst="rect">
+            <a:avLst/>
+          </a:prstGeom>
+          <a:noFill/>
+        </p:spPr>
+        <p:txBody>
+          <a:bodyPr wrap="none" rtlCol="0">
+            <a:spAutoFit/>
+          </a:bodyPr>
+          <a:lstStyle/>
+          <a:p>
+            <a:endParaRPr lang="en-US" dirty="0"/>
+          </a:p>
+        </p:txBody>
+      </p:sp>
+      <p:sp>
+        <p:nvSpPr>
+          <p:cNvPr id="12" name="Rectangle 11">
+            <a:extLst>
+              <a:ext uri="{FF2B5EF4-FFF2-40B4-BE49-F238E27FC236}">
+                <a16:creationId xmlns:a16="http://schemas.microsoft.com/office/drawing/2014/main" id="{F7582E1B-8D64-4CC4-92C0-12C6718B4EBE}"/>
+              </a:ext>
+            </a:extLst>
+          </p:cNvPr>
+          <p:cNvSpPr/>
+          <p:nvPr/>
+        </p:nvSpPr>
+        <p:spPr>
+          <a:xfrm>
+            <a:off x="710213" y="2991619"/>
+            <a:ext cx="1864531" cy="2308324"/>
+          </a:xfrm>
+          <a:prstGeom prst="rect">
+            <a:avLst/>
+          </a:prstGeom>
+        </p:spPr>
+        <p:txBody>
+          <a:bodyPr wrap="square">
+            <a:spAutoFit/>
+          </a:bodyPr>
+          <a:lstStyle/>
+          <a:p>
+            <a:r>
+              <a:rPr lang="en-US" sz="1200" b="1" dirty="0">
+                <a:solidFill>
+                  <a:srgbClr val="00B050"/>
+                </a:solidFill>
+                <a:latin typeface="Consolas" panose="020B0609020204030204" pitchFamily="49" charset="0"/>
+              </a:rPr>
+              <a:t>POSITIVE TRACES</a:t>
+            </a:r>
+          </a:p>
+          <a:p>
+            <a:endParaRPr lang="en-US" sz="1200" dirty="0">
+              <a:latin typeface="Consolas" panose="020B0609020204030204" pitchFamily="49" charset="0"/>
+            </a:endParaRPr>
+          </a:p>
+          <a:p>
+            <a:r>
+              <a:rPr lang="en-US" sz="1200" dirty="0" err="1">
+                <a:latin typeface="Consolas" panose="020B0609020204030204" pitchFamily="49" charset="0"/>
+              </a:rPr>
+              <a:t>red;green;blue</a:t>
+            </a:r>
+            <a:endParaRPr lang="en-US" sz="1200" dirty="0">
+              <a:latin typeface="Consolas" panose="020B0609020204030204" pitchFamily="49" charset="0"/>
+            </a:endParaRPr>
+          </a:p>
+          <a:p>
+            <a:r>
+              <a:rPr lang="en-US" sz="1200" dirty="0" err="1">
+                <a:latin typeface="Consolas" panose="020B0609020204030204" pitchFamily="49" charset="0"/>
+              </a:rPr>
+              <a:t>red;green;blue</a:t>
+            </a:r>
+            <a:endParaRPr lang="en-US" sz="1200" dirty="0">
+              <a:latin typeface="Consolas" panose="020B0609020204030204" pitchFamily="49" charset="0"/>
+            </a:endParaRPr>
+          </a:p>
+          <a:p>
+            <a:r>
+              <a:rPr lang="en-US" sz="1200" dirty="0" err="1">
+                <a:latin typeface="Consolas" panose="020B0609020204030204" pitchFamily="49" charset="0"/>
+              </a:rPr>
+              <a:t>red;green;blue</a:t>
+            </a:r>
+            <a:endParaRPr lang="en-US" sz="1200" dirty="0">
+              <a:latin typeface="Consolas" panose="020B0609020204030204" pitchFamily="49" charset="0"/>
+            </a:endParaRPr>
+          </a:p>
+          <a:p>
+            <a:r>
+              <a:rPr lang="en-US" sz="1200" dirty="0" err="1">
+                <a:latin typeface="Consolas" panose="020B0609020204030204" pitchFamily="49" charset="0"/>
+              </a:rPr>
+              <a:t>red;green;blue</a:t>
+            </a:r>
+            <a:endParaRPr lang="en-US" sz="1200" dirty="0">
+              <a:latin typeface="Consolas" panose="020B0609020204030204" pitchFamily="49" charset="0"/>
+            </a:endParaRPr>
+          </a:p>
+          <a:p>
+            <a:r>
+              <a:rPr lang="en-US" sz="1200" dirty="0" err="1">
+                <a:latin typeface="Consolas" panose="020B0609020204030204" pitchFamily="49" charset="0"/>
+              </a:rPr>
+              <a:t>red;green;blue</a:t>
+            </a:r>
+            <a:endParaRPr lang="en-US" sz="1200" dirty="0">
+              <a:latin typeface="Consolas" panose="020B0609020204030204" pitchFamily="49" charset="0"/>
+            </a:endParaRPr>
+          </a:p>
+          <a:p>
+            <a:r>
+              <a:rPr lang="en-US" sz="1200" dirty="0" err="1">
+                <a:latin typeface="Consolas" panose="020B0609020204030204" pitchFamily="49" charset="0"/>
+              </a:rPr>
+              <a:t>red;green;blue</a:t>
+            </a:r>
+            <a:endParaRPr lang="en-US" sz="1200" dirty="0">
+              <a:latin typeface="Consolas" panose="020B0609020204030204" pitchFamily="49" charset="0"/>
+            </a:endParaRPr>
+          </a:p>
+          <a:p>
+            <a:r>
+              <a:rPr lang="en-US" sz="1200" dirty="0" err="1">
+                <a:latin typeface="Consolas" panose="020B0609020204030204" pitchFamily="49" charset="0"/>
+              </a:rPr>
+              <a:t>red;green;blue</a:t>
+            </a:r>
+            <a:endParaRPr lang="en-US" sz="1200" dirty="0">
+              <a:latin typeface="Consolas" panose="020B0609020204030204" pitchFamily="49" charset="0"/>
+            </a:endParaRPr>
+          </a:p>
+          <a:p>
+            <a:r>
+              <a:rPr lang="en-US" sz="1200" dirty="0" err="1">
+                <a:latin typeface="Consolas" panose="020B0609020204030204" pitchFamily="49" charset="0"/>
+              </a:rPr>
+              <a:t>red;green;blue</a:t>
+            </a:r>
+            <a:endParaRPr lang="en-US" sz="1200" dirty="0">
+              <a:latin typeface="Consolas" panose="020B0609020204030204" pitchFamily="49" charset="0"/>
+            </a:endParaRPr>
+          </a:p>
+          <a:p>
+            <a:r>
+              <a:rPr lang="en-US" sz="1200" dirty="0" err="1">
+                <a:latin typeface="Consolas" panose="020B0609020204030204" pitchFamily="49" charset="0"/>
+              </a:rPr>
+              <a:t>red;green;blue</a:t>
+            </a:r>
+            <a:endParaRPr lang="en-US" sz="1200" dirty="0">
+              <a:latin typeface="Consolas" panose="020B0609020204030204" pitchFamily="49" charset="0"/>
+            </a:endParaRPr>
+          </a:p>
+          <a:p>
+            <a:r>
+              <a:rPr lang="en-US" sz="1200" dirty="0" err="1">
+                <a:latin typeface="Consolas" panose="020B0609020204030204" pitchFamily="49" charset="0"/>
+              </a:rPr>
+              <a:t>red;green;blue</a:t>
+            </a:r>
+            <a:endParaRPr lang="en-US" sz="1200" dirty="0">
+              <a:latin typeface="Consolas" panose="020B0609020204030204" pitchFamily="49" charset="0"/>
+            </a:endParaRPr>
+          </a:p>
+        </p:txBody>
+      </p:sp>
+      <p:sp>
+        <p:nvSpPr>
+          <p:cNvPr id="13" name="Rectangle 12">
+            <a:extLst>
+              <a:ext uri="{FF2B5EF4-FFF2-40B4-BE49-F238E27FC236}">
+                <a16:creationId xmlns:a16="http://schemas.microsoft.com/office/drawing/2014/main" id="{59CC7721-5D3E-4C6D-8EFE-0A3EACC87481}"/>
+              </a:ext>
+            </a:extLst>
+          </p:cNvPr>
+          <p:cNvSpPr/>
+          <p:nvPr/>
+        </p:nvSpPr>
+        <p:spPr>
+          <a:xfrm>
+            <a:off x="2640296" y="2991619"/>
+            <a:ext cx="2095131" cy="2308324"/>
+          </a:xfrm>
+          <a:prstGeom prst="rect">
+            <a:avLst/>
+          </a:prstGeom>
+        </p:spPr>
+        <p:txBody>
+          <a:bodyPr wrap="square">
+            <a:spAutoFit/>
+          </a:bodyPr>
+          <a:lstStyle/>
+          <a:p>
+            <a:r>
+              <a:rPr lang="en-US" sz="1200" b="1" dirty="0">
+                <a:solidFill>
+                  <a:srgbClr val="FF0000"/>
+                </a:solidFill>
+                <a:latin typeface="Consolas" panose="020B0609020204030204" pitchFamily="49" charset="0"/>
+              </a:rPr>
+              <a:t>NEGATIVE TRACES</a:t>
+            </a:r>
+          </a:p>
+          <a:p>
+            <a:endParaRPr lang="en-US" sz="1200" dirty="0">
+              <a:latin typeface="Consolas" panose="020B0609020204030204" pitchFamily="49" charset="0"/>
+            </a:endParaRPr>
+          </a:p>
+          <a:p>
+            <a:r>
+              <a:rPr lang="en-US" sz="1200" dirty="0" err="1">
+                <a:latin typeface="Consolas" panose="020B0609020204030204" pitchFamily="49" charset="0"/>
+              </a:rPr>
+              <a:t>bad_beep</a:t>
+            </a:r>
+            <a:endParaRPr lang="en-US" sz="1200" dirty="0">
+              <a:latin typeface="Consolas" panose="020B0609020204030204" pitchFamily="49" charset="0"/>
+            </a:endParaRPr>
+          </a:p>
+          <a:p>
+            <a:r>
+              <a:rPr lang="en-US" sz="1200" dirty="0">
+                <a:latin typeface="Consolas" panose="020B0609020204030204" pitchFamily="49" charset="0"/>
+              </a:rPr>
+              <a:t>green</a:t>
+            </a:r>
+          </a:p>
+          <a:p>
+            <a:r>
+              <a:rPr lang="en-US" sz="1200" dirty="0" err="1">
+                <a:latin typeface="Consolas" panose="020B0609020204030204" pitchFamily="49" charset="0"/>
+              </a:rPr>
+              <a:t>bad_beep</a:t>
+            </a:r>
+            <a:endParaRPr lang="en-US" sz="1200" dirty="0">
+              <a:latin typeface="Consolas" panose="020B0609020204030204" pitchFamily="49" charset="0"/>
+            </a:endParaRPr>
+          </a:p>
+          <a:p>
+            <a:r>
+              <a:rPr lang="en-US" sz="1200" dirty="0" err="1">
+                <a:latin typeface="Consolas" panose="020B0609020204030204" pitchFamily="49" charset="0"/>
+              </a:rPr>
+              <a:t>bad_beep</a:t>
+            </a:r>
+            <a:endParaRPr lang="en-US" sz="1200" dirty="0">
+              <a:latin typeface="Consolas" panose="020B0609020204030204" pitchFamily="49" charset="0"/>
+            </a:endParaRPr>
+          </a:p>
+          <a:p>
+            <a:r>
+              <a:rPr lang="en-US" sz="1200" dirty="0" err="1">
+                <a:latin typeface="Consolas" panose="020B0609020204030204" pitchFamily="49" charset="0"/>
+              </a:rPr>
+              <a:t>bad_beep</a:t>
+            </a:r>
+            <a:endParaRPr lang="en-US" sz="1200" dirty="0">
+              <a:latin typeface="Consolas" panose="020B0609020204030204" pitchFamily="49" charset="0"/>
+            </a:endParaRPr>
+          </a:p>
+          <a:p>
+            <a:r>
+              <a:rPr lang="en-US" sz="1200" dirty="0" err="1">
+                <a:latin typeface="Consolas" panose="020B0609020204030204" pitchFamily="49" charset="0"/>
+              </a:rPr>
+              <a:t>bad_beep</a:t>
+            </a:r>
+            <a:endParaRPr lang="en-US" sz="1200" dirty="0">
+              <a:latin typeface="Consolas" panose="020B0609020204030204" pitchFamily="49" charset="0"/>
+            </a:endParaRPr>
+          </a:p>
+          <a:p>
+            <a:r>
+              <a:rPr lang="en-US" sz="1200" dirty="0" err="1">
+                <a:latin typeface="Consolas" panose="020B0609020204030204" pitchFamily="49" charset="0"/>
+              </a:rPr>
+              <a:t>bad_beep</a:t>
+            </a:r>
+            <a:endParaRPr lang="en-US" sz="1200" dirty="0">
+              <a:latin typeface="Consolas" panose="020B0609020204030204" pitchFamily="49" charset="0"/>
+            </a:endParaRPr>
+          </a:p>
+          <a:p>
+            <a:r>
+              <a:rPr lang="en-US" sz="1200" dirty="0" err="1">
+                <a:latin typeface="Consolas" panose="020B0609020204030204" pitchFamily="49" charset="0"/>
+              </a:rPr>
+              <a:t>red;red</a:t>
+            </a:r>
+            <a:endParaRPr lang="en-US" sz="1200" dirty="0">
+              <a:latin typeface="Consolas" panose="020B0609020204030204" pitchFamily="49" charset="0"/>
+            </a:endParaRPr>
+          </a:p>
+          <a:p>
+            <a:r>
+              <a:rPr lang="en-US" sz="1200" dirty="0" err="1">
+                <a:latin typeface="Consolas" panose="020B0609020204030204" pitchFamily="49" charset="0"/>
+              </a:rPr>
+              <a:t>bad_beep</a:t>
+            </a:r>
+            <a:endParaRPr lang="en-US" sz="1200" dirty="0">
+              <a:latin typeface="Consolas" panose="020B0609020204030204" pitchFamily="49" charset="0"/>
+            </a:endParaRPr>
+          </a:p>
+          <a:p>
+            <a:r>
+              <a:rPr lang="en-US" sz="1200" dirty="0" err="1">
+                <a:latin typeface="Consolas" panose="020B0609020204030204" pitchFamily="49" charset="0"/>
+              </a:rPr>
+              <a:t>red;red</a:t>
+            </a:r>
+            <a:endParaRPr lang="en-US" sz="1200" dirty="0">
+              <a:latin typeface="Consolas" panose="020B0609020204030204" pitchFamily="49" charset="0"/>
+            </a:endParaRPr>
+          </a:p>
+        </p:txBody>
+      </p:sp>
+      <p:sp>
+        <p:nvSpPr>
+          <p:cNvPr id="14" name="Rectangle 13">
+            <a:extLst>
+              <a:ext uri="{FF2B5EF4-FFF2-40B4-BE49-F238E27FC236}">
+                <a16:creationId xmlns:a16="http://schemas.microsoft.com/office/drawing/2014/main" id="{77149350-3C51-49FA-A0E9-EAAB981E9997}"/>
+              </a:ext>
+            </a:extLst>
+          </p:cNvPr>
+          <p:cNvSpPr/>
+          <p:nvPr/>
+        </p:nvSpPr>
+        <p:spPr>
+          <a:xfrm>
+            <a:off x="6620539" y="2791636"/>
+            <a:ext cx="5583298" cy="3693319"/>
+          </a:xfrm>
+          <a:prstGeom prst="rect">
+            <a:avLst/>
+          </a:prstGeom>
+        </p:spPr>
+        <p:txBody>
+          <a:bodyPr wrap="square">
+            <a:spAutoFit/>
+          </a:bodyPr>
+          <a:lstStyle/>
+          <a:p>
+            <a:r>
+              <a:rPr lang="en-US" sz="900" dirty="0">
+                <a:latin typeface="Consolas" panose="020B0609020204030204" pitchFamily="49" charset="0"/>
+              </a:rPr>
+              <a:t>{'_states': </a:t>
+            </a:r>
+            <a:r>
+              <a:rPr lang="en-US" sz="900" dirty="0" err="1">
+                <a:latin typeface="Consolas" panose="020B0609020204030204" pitchFamily="49" charset="0"/>
+              </a:rPr>
+              <a:t>frozenset</a:t>
+            </a:r>
+            <a:r>
+              <a:rPr lang="en-US" sz="900" dirty="0">
+                <a:latin typeface="Consolas" panose="020B0609020204030204" pitchFamily="49" charset="0"/>
+              </a:rPr>
+              <a:t>({'0', '1', '2', '3'}),</a:t>
+            </a:r>
+          </a:p>
+          <a:p>
+            <a:r>
+              <a:rPr lang="en-US" sz="900" dirty="0">
+                <a:latin typeface="Consolas" panose="020B0609020204030204" pitchFamily="49" charset="0"/>
+              </a:rPr>
+              <a:t> '_alphabet': </a:t>
+            </a:r>
+            <a:r>
+              <a:rPr lang="en-US" sz="900" dirty="0" err="1">
+                <a:latin typeface="Consolas" panose="020B0609020204030204" pitchFamily="49" charset="0"/>
+              </a:rPr>
+              <a:t>frozenset</a:t>
+            </a:r>
+            <a:r>
+              <a:rPr lang="en-US" sz="900" dirty="0">
+                <a:latin typeface="Consolas" panose="020B0609020204030204" pitchFamily="49" charset="0"/>
+              </a:rPr>
+              <a:t>({{}, {blue}, {red}, {</a:t>
+            </a:r>
+            <a:r>
+              <a:rPr lang="en-US" sz="900" dirty="0" err="1">
+                <a:latin typeface="Consolas" panose="020B0609020204030204" pitchFamily="49" charset="0"/>
+              </a:rPr>
+              <a:t>bad_beep</a:t>
+            </a:r>
+            <a:r>
+              <a:rPr lang="en-US" sz="900" dirty="0">
+                <a:latin typeface="Consolas" panose="020B0609020204030204" pitchFamily="49" charset="0"/>
+              </a:rPr>
+              <a:t>}, {green}}),</a:t>
+            </a:r>
+          </a:p>
+          <a:p>
+            <a:r>
+              <a:rPr lang="en-US" sz="900" dirty="0">
+                <a:latin typeface="Consolas" panose="020B0609020204030204" pitchFamily="49" charset="0"/>
+              </a:rPr>
+              <a:t> '_</a:t>
+            </a:r>
+            <a:r>
+              <a:rPr lang="en-US" sz="900" dirty="0" err="1">
+                <a:latin typeface="Consolas" panose="020B0609020204030204" pitchFamily="49" charset="0"/>
+              </a:rPr>
+              <a:t>initial_state</a:t>
+            </a:r>
+            <a:r>
+              <a:rPr lang="en-US" sz="900" dirty="0">
+                <a:latin typeface="Consolas" panose="020B0609020204030204" pitchFamily="49" charset="0"/>
+              </a:rPr>
+              <a:t>': '0',</a:t>
+            </a:r>
+          </a:p>
+          <a:p>
+            <a:r>
+              <a:rPr lang="en-US" sz="900" dirty="0">
+                <a:latin typeface="Consolas" panose="020B0609020204030204" pitchFamily="49" charset="0"/>
+              </a:rPr>
+              <a:t> '_</a:t>
+            </a:r>
+            <a:r>
+              <a:rPr lang="en-US" sz="900" dirty="0" err="1">
+                <a:latin typeface="Consolas" panose="020B0609020204030204" pitchFamily="49" charset="0"/>
+              </a:rPr>
+              <a:t>accepting_states</a:t>
+            </a:r>
+            <a:r>
+              <a:rPr lang="en-US" sz="900" dirty="0">
+                <a:latin typeface="Consolas" panose="020B0609020204030204" pitchFamily="49" charset="0"/>
+              </a:rPr>
+              <a:t>': </a:t>
+            </a:r>
+            <a:r>
+              <a:rPr lang="en-US" sz="900" dirty="0" err="1">
+                <a:latin typeface="Consolas" panose="020B0609020204030204" pitchFamily="49" charset="0"/>
+              </a:rPr>
+              <a:t>frozenset</a:t>
+            </a:r>
+            <a:r>
+              <a:rPr lang="en-US" sz="900" dirty="0">
+                <a:latin typeface="Consolas" panose="020B0609020204030204" pitchFamily="49" charset="0"/>
+              </a:rPr>
+              <a:t>({'3'}),</a:t>
+            </a:r>
+          </a:p>
+          <a:p>
+            <a:r>
+              <a:rPr lang="en-US" sz="900" dirty="0">
+                <a:latin typeface="Consolas" panose="020B0609020204030204" pitchFamily="49" charset="0"/>
+              </a:rPr>
+              <a:t> '_</a:t>
+            </a:r>
+            <a:r>
+              <a:rPr lang="en-US" sz="900" dirty="0" err="1">
+                <a:latin typeface="Consolas" panose="020B0609020204030204" pitchFamily="49" charset="0"/>
+              </a:rPr>
+              <a:t>transition_function</a:t>
+            </a:r>
+            <a:r>
+              <a:rPr lang="en-US" sz="900" dirty="0">
+                <a:latin typeface="Consolas" panose="020B0609020204030204" pitchFamily="49" charset="0"/>
+              </a:rPr>
+              <a:t>’: </a:t>
+            </a:r>
+          </a:p>
+          <a:p>
+            <a:pPr lvl="1"/>
+            <a:r>
+              <a:rPr lang="en-US" sz="900" dirty="0">
+                <a:latin typeface="Consolas" panose="020B0609020204030204" pitchFamily="49" charset="0"/>
+              </a:rPr>
+              <a:t> {'1': {{blue}: '0', {red}: '0', {</a:t>
+            </a:r>
+            <a:r>
+              <a:rPr lang="en-US" sz="900" dirty="0" err="1">
+                <a:latin typeface="Consolas" panose="020B0609020204030204" pitchFamily="49" charset="0"/>
+              </a:rPr>
+              <a:t>bad_beep</a:t>
+            </a:r>
+            <a:r>
+              <a:rPr lang="en-US" sz="900" dirty="0">
+                <a:latin typeface="Consolas" panose="020B0609020204030204" pitchFamily="49" charset="0"/>
+              </a:rPr>
+              <a:t>}: '0’, {green}: '2', {}: '1'},</a:t>
+            </a:r>
+          </a:p>
+          <a:p>
+            <a:pPr lvl="1"/>
+            <a:r>
+              <a:rPr lang="en-US" sz="900" dirty="0">
+                <a:latin typeface="Consolas" panose="020B0609020204030204" pitchFamily="49" charset="0"/>
+              </a:rPr>
+              <a:t>  '0': {{blue}: '0', {red}: '1', {</a:t>
+            </a:r>
+            <a:r>
+              <a:rPr lang="en-US" sz="900" dirty="0" err="1">
+                <a:latin typeface="Consolas" panose="020B0609020204030204" pitchFamily="49" charset="0"/>
+              </a:rPr>
+              <a:t>bad_beep</a:t>
+            </a:r>
+            <a:r>
+              <a:rPr lang="en-US" sz="900" dirty="0">
+                <a:latin typeface="Consolas" panose="020B0609020204030204" pitchFamily="49" charset="0"/>
+              </a:rPr>
+              <a:t>}: '0', {green}: '0', {}: '0'},</a:t>
+            </a:r>
+          </a:p>
+          <a:p>
+            <a:pPr lvl="1"/>
+            <a:r>
+              <a:rPr lang="en-US" sz="900" dirty="0">
+                <a:latin typeface="Consolas" panose="020B0609020204030204" pitchFamily="49" charset="0"/>
+              </a:rPr>
+              <a:t>  '2': {{blue}: '3', {red}: '0', {</a:t>
+            </a:r>
+            <a:r>
+              <a:rPr lang="en-US" sz="900" dirty="0" err="1">
+                <a:latin typeface="Consolas" panose="020B0609020204030204" pitchFamily="49" charset="0"/>
+              </a:rPr>
+              <a:t>bad_beep</a:t>
+            </a:r>
+            <a:r>
+              <a:rPr lang="en-US" sz="900" dirty="0">
+                <a:latin typeface="Consolas" panose="020B0609020204030204" pitchFamily="49" charset="0"/>
+              </a:rPr>
+              <a:t>}: '0', {green}: '0', {}: '2'},</a:t>
+            </a:r>
+          </a:p>
+          <a:p>
+            <a:pPr lvl="1"/>
+            <a:r>
+              <a:rPr lang="en-US" sz="900" dirty="0">
+                <a:latin typeface="Consolas" panose="020B0609020204030204" pitchFamily="49" charset="0"/>
+              </a:rPr>
+              <a:t>  '3': {{blue}: '0', {red}: '0', {</a:t>
+            </a:r>
+            <a:r>
+              <a:rPr lang="en-US" sz="900" dirty="0" err="1">
+                <a:latin typeface="Consolas" panose="020B0609020204030204" pitchFamily="49" charset="0"/>
+              </a:rPr>
+              <a:t>bad_beep</a:t>
+            </a:r>
+            <a:r>
+              <a:rPr lang="en-US" sz="900" dirty="0">
+                <a:latin typeface="Consolas" panose="020B0609020204030204" pitchFamily="49" charset="0"/>
+              </a:rPr>
+              <a:t>}: '0', {green}: '0', {}: '3'}},</a:t>
+            </a:r>
+          </a:p>
+          <a:p>
+            <a:r>
+              <a:rPr lang="en-US" sz="900" dirty="0">
+                <a:latin typeface="Consolas" panose="020B0609020204030204" pitchFamily="49" charset="0"/>
+              </a:rPr>
+              <a:t> '_</a:t>
+            </a:r>
+            <a:r>
+              <a:rPr lang="en-US" sz="900" dirty="0" err="1">
+                <a:latin typeface="Consolas" panose="020B0609020204030204" pitchFamily="49" charset="0"/>
+              </a:rPr>
+              <a:t>idx_to_state</a:t>
+            </a:r>
+            <a:r>
+              <a:rPr lang="en-US" sz="900" dirty="0">
+                <a:latin typeface="Consolas" panose="020B0609020204030204" pitchFamily="49" charset="0"/>
+              </a:rPr>
+              <a:t>': ['0', '2', '3', '1'],</a:t>
+            </a:r>
+          </a:p>
+          <a:p>
+            <a:r>
+              <a:rPr lang="en-US" sz="900" dirty="0">
+                <a:latin typeface="Consolas" panose="020B0609020204030204" pitchFamily="49" charset="0"/>
+              </a:rPr>
+              <a:t> '_</a:t>
+            </a:r>
+            <a:r>
+              <a:rPr lang="en-US" sz="900" dirty="0" err="1">
+                <a:latin typeface="Consolas" panose="020B0609020204030204" pitchFamily="49" charset="0"/>
+              </a:rPr>
+              <a:t>state_to_idx</a:t>
+            </a:r>
+            <a:r>
+              <a:rPr lang="en-US" sz="900" dirty="0">
+                <a:latin typeface="Consolas" panose="020B0609020204030204" pitchFamily="49" charset="0"/>
+              </a:rPr>
+              <a:t>': {'0': 0, '2': 1, '3': 2, '1': 3},</a:t>
+            </a:r>
+          </a:p>
+          <a:p>
+            <a:r>
+              <a:rPr lang="en-US" sz="900" dirty="0">
+                <a:latin typeface="Consolas" panose="020B0609020204030204" pitchFamily="49" charset="0"/>
+              </a:rPr>
+              <a:t> '_</a:t>
+            </a:r>
+            <a:r>
+              <a:rPr lang="en-US" sz="900" dirty="0" err="1">
+                <a:latin typeface="Consolas" panose="020B0609020204030204" pitchFamily="49" charset="0"/>
+              </a:rPr>
+              <a:t>idx_to_symbol</a:t>
+            </a:r>
+            <a:r>
+              <a:rPr lang="en-US" sz="900" dirty="0">
+                <a:latin typeface="Consolas" panose="020B0609020204030204" pitchFamily="49" charset="0"/>
+              </a:rPr>
+              <a:t>': [{blue}, {}, {red}, {</a:t>
+            </a:r>
+            <a:r>
+              <a:rPr lang="en-US" sz="900" dirty="0" err="1">
+                <a:latin typeface="Consolas" panose="020B0609020204030204" pitchFamily="49" charset="0"/>
+              </a:rPr>
+              <a:t>bad_beep</a:t>
+            </a:r>
+            <a:r>
+              <a:rPr lang="en-US" sz="900" dirty="0">
+                <a:latin typeface="Consolas" panose="020B0609020204030204" pitchFamily="49" charset="0"/>
+              </a:rPr>
+              <a:t>}, {green}],</a:t>
+            </a:r>
+          </a:p>
+          <a:p>
+            <a:r>
+              <a:rPr lang="en-US" sz="900" dirty="0">
+                <a:latin typeface="Consolas" panose="020B0609020204030204" pitchFamily="49" charset="0"/>
+              </a:rPr>
+              <a:t> '_</a:t>
+            </a:r>
+            <a:r>
+              <a:rPr lang="en-US" sz="900" dirty="0" err="1">
+                <a:latin typeface="Consolas" panose="020B0609020204030204" pitchFamily="49" charset="0"/>
+              </a:rPr>
+              <a:t>symbol_to_idx</a:t>
+            </a:r>
+            <a:r>
+              <a:rPr lang="en-US" sz="900" dirty="0">
+                <a:latin typeface="Consolas" panose="020B0609020204030204" pitchFamily="49" charset="0"/>
+              </a:rPr>
+              <a:t>': {{blue}: 0, {}: 1, {red}: 2, {</a:t>
+            </a:r>
+            <a:r>
+              <a:rPr lang="en-US" sz="900" dirty="0" err="1">
+                <a:latin typeface="Consolas" panose="020B0609020204030204" pitchFamily="49" charset="0"/>
+              </a:rPr>
+              <a:t>bad_beep</a:t>
+            </a:r>
+            <a:r>
+              <a:rPr lang="en-US" sz="900" dirty="0">
+                <a:latin typeface="Consolas" panose="020B0609020204030204" pitchFamily="49" charset="0"/>
+              </a:rPr>
+              <a:t>}: 3, {green}: 4},</a:t>
+            </a:r>
+          </a:p>
+          <a:p>
+            <a:r>
+              <a:rPr lang="en-US" sz="900" dirty="0">
+                <a:latin typeface="Consolas" panose="020B0609020204030204" pitchFamily="49" charset="0"/>
+              </a:rPr>
+              <a:t> '_</a:t>
+            </a:r>
+            <a:r>
+              <a:rPr lang="en-US" sz="900" dirty="0" err="1">
+                <a:latin typeface="Consolas" panose="020B0609020204030204" pitchFamily="49" charset="0"/>
+              </a:rPr>
+              <a:t>idx_transition_function</a:t>
+            </a:r>
+            <a:r>
+              <a:rPr lang="en-US" sz="900" dirty="0">
+                <a:latin typeface="Consolas" panose="020B0609020204030204" pitchFamily="49" charset="0"/>
+              </a:rPr>
+              <a:t>’: </a:t>
+            </a:r>
+          </a:p>
+          <a:p>
+            <a:pPr lvl="1"/>
+            <a:r>
+              <a:rPr lang="en-US" sz="900" dirty="0">
+                <a:latin typeface="Consolas" panose="020B0609020204030204" pitchFamily="49" charset="0"/>
+              </a:rPr>
+              <a:t> {0: {0: 0, 2: 3, 3: 0, 4: 0, 1: 0},</a:t>
+            </a:r>
+          </a:p>
+          <a:p>
+            <a:pPr lvl="1"/>
+            <a:r>
+              <a:rPr lang="en-US" sz="900" dirty="0">
+                <a:latin typeface="Consolas" panose="020B0609020204030204" pitchFamily="49" charset="0"/>
+              </a:rPr>
+              <a:t>  1: {0: 2, 2: 0, 3: 0, 4: 0, 1: 1},</a:t>
+            </a:r>
+          </a:p>
+          <a:p>
+            <a:pPr lvl="1"/>
+            <a:r>
+              <a:rPr lang="en-US" sz="900" dirty="0">
+                <a:latin typeface="Consolas" panose="020B0609020204030204" pitchFamily="49" charset="0"/>
+              </a:rPr>
+              <a:t>  2: {0: 0, 2: 0, 3: 0, 4: 0, 1: 2},</a:t>
+            </a:r>
+          </a:p>
+          <a:p>
+            <a:pPr lvl="1"/>
+            <a:r>
+              <a:rPr lang="en-US" sz="900" dirty="0">
+                <a:latin typeface="Consolas" panose="020B0609020204030204" pitchFamily="49" charset="0"/>
+              </a:rPr>
+              <a:t>  3: {0: 0, 2: 0, 3: 0, 4: 1, 1: 3}},</a:t>
+            </a:r>
+          </a:p>
+          <a:p>
+            <a:r>
+              <a:rPr lang="en-US" sz="900" dirty="0">
+                <a:latin typeface="Consolas" panose="020B0609020204030204" pitchFamily="49" charset="0"/>
+              </a:rPr>
+              <a:t> '_</a:t>
+            </a:r>
+            <a:r>
+              <a:rPr lang="en-US" sz="900" dirty="0" err="1">
+                <a:latin typeface="Consolas" panose="020B0609020204030204" pitchFamily="49" charset="0"/>
+              </a:rPr>
+              <a:t>idx_delta_by_state</a:t>
+            </a:r>
+            <a:r>
+              <a:rPr lang="en-US" sz="900" dirty="0">
+                <a:latin typeface="Consolas" panose="020B0609020204030204" pitchFamily="49" charset="0"/>
+              </a:rPr>
+              <a:t>’: </a:t>
+            </a:r>
+          </a:p>
+          <a:p>
+            <a:pPr lvl="1"/>
+            <a:r>
+              <a:rPr lang="en-US" sz="900" dirty="0">
+                <a:latin typeface="Consolas" panose="020B0609020204030204" pitchFamily="49" charset="0"/>
+              </a:rPr>
+              <a:t> {0: {(0, 0), (1, 0), (2, 3), (3, 0), (4, 0)},</a:t>
+            </a:r>
+          </a:p>
+          <a:p>
+            <a:pPr lvl="1"/>
+            <a:r>
+              <a:rPr lang="en-US" sz="900" dirty="0">
+                <a:latin typeface="Consolas" panose="020B0609020204030204" pitchFamily="49" charset="0"/>
+              </a:rPr>
+              <a:t>  1: {(0, 2), (1, 1), (2, 0), (3, 0), (4, 0)},</a:t>
+            </a:r>
+          </a:p>
+          <a:p>
+            <a:pPr lvl="1"/>
+            <a:r>
+              <a:rPr lang="en-US" sz="900" dirty="0">
+                <a:latin typeface="Consolas" panose="020B0609020204030204" pitchFamily="49" charset="0"/>
+              </a:rPr>
+              <a:t>  2: {(0, 0), (1, 2), (2, 0), (3, 0), (4, 0)},</a:t>
+            </a:r>
+          </a:p>
+          <a:p>
+            <a:pPr lvl="1"/>
+            <a:r>
+              <a:rPr lang="en-US" sz="900" dirty="0">
+                <a:latin typeface="Consolas" panose="020B0609020204030204" pitchFamily="49" charset="0"/>
+              </a:rPr>
+              <a:t>  3: {(0, 0), (1, 3), (2, 0), (3, 0), (4, 1)}},</a:t>
+            </a:r>
+          </a:p>
+          <a:p>
+            <a:r>
+              <a:rPr lang="en-US" sz="900" dirty="0">
+                <a:latin typeface="Consolas" panose="020B0609020204030204" pitchFamily="49" charset="0"/>
+              </a:rPr>
+              <a:t> '_</a:t>
+            </a:r>
+            <a:r>
+              <a:rPr lang="en-US" sz="900" dirty="0" err="1">
+                <a:latin typeface="Consolas" panose="020B0609020204030204" pitchFamily="49" charset="0"/>
+              </a:rPr>
+              <a:t>idx_initial_state</a:t>
+            </a:r>
+            <a:r>
+              <a:rPr lang="en-US" sz="900" dirty="0">
+                <a:latin typeface="Consolas" panose="020B0609020204030204" pitchFamily="49" charset="0"/>
+              </a:rPr>
+              <a:t>': 0,</a:t>
+            </a:r>
+          </a:p>
+          <a:p>
+            <a:r>
+              <a:rPr lang="en-US" sz="900" dirty="0">
+                <a:latin typeface="Consolas" panose="020B0609020204030204" pitchFamily="49" charset="0"/>
+              </a:rPr>
+              <a:t> '_</a:t>
+            </a:r>
+            <a:r>
+              <a:rPr lang="en-US" sz="900" dirty="0" err="1">
+                <a:latin typeface="Consolas" panose="020B0609020204030204" pitchFamily="49" charset="0"/>
+              </a:rPr>
+              <a:t>idx_accepting_states</a:t>
+            </a:r>
+            <a:r>
+              <a:rPr lang="en-US" sz="900" dirty="0">
+                <a:latin typeface="Consolas" panose="020B0609020204030204" pitchFamily="49" charset="0"/>
+              </a:rPr>
+              <a:t>': </a:t>
+            </a:r>
+            <a:r>
+              <a:rPr lang="en-US" sz="900" dirty="0" err="1">
+                <a:latin typeface="Consolas" panose="020B0609020204030204" pitchFamily="49" charset="0"/>
+              </a:rPr>
+              <a:t>frozenset</a:t>
+            </a:r>
+            <a:r>
+              <a:rPr lang="en-US" sz="900" dirty="0">
+                <a:latin typeface="Consolas" panose="020B0609020204030204" pitchFamily="49" charset="0"/>
+              </a:rPr>
+              <a:t>({2})}</a:t>
+            </a:r>
+          </a:p>
+        </p:txBody>
+      </p:sp>
+      <p:sp>
+        <p:nvSpPr>
+          <p:cNvPr id="9" name="TextBox 8">
+            <a:extLst>
+              <a:ext uri="{FF2B5EF4-FFF2-40B4-BE49-F238E27FC236}">
+                <a16:creationId xmlns:a16="http://schemas.microsoft.com/office/drawing/2014/main" id="{B8A9C2E9-4C62-4797-A747-0EFEA7DAC690}"/>
+              </a:ext>
+            </a:extLst>
+          </p:cNvPr>
+          <p:cNvSpPr txBox="1"/>
+          <p:nvPr/>
+        </p:nvSpPr>
+        <p:spPr>
+          <a:xfrm>
+            <a:off x="7340393" y="148737"/>
+            <a:ext cx="2174763" cy="369332"/>
+          </a:xfrm>
+          <a:prstGeom prst="rect">
+            <a:avLst/>
+          </a:prstGeom>
+          <a:noFill/>
+        </p:spPr>
+        <p:txBody>
+          <a:bodyPr wrap="none" rtlCol="0">
+            <a:spAutoFit/>
+          </a:bodyPr>
+          <a:lstStyle/>
+          <a:p>
+            <a:r>
+              <a:rPr lang="en-US" dirty="0">
+                <a:latin typeface="Segoe UI" panose="020B0502040204020203" pitchFamily="34" charset="0"/>
+                <a:cs typeface="Segoe UI" panose="020B0502040204020203" pitchFamily="34" charset="0"/>
+              </a:rPr>
+              <a:t>Learned automaton</a:t>
+            </a:r>
+          </a:p>
+        </p:txBody>
+      </p:sp>
+      <p:sp>
+        <p:nvSpPr>
+          <p:cNvPr id="15" name="Arrow: Right 14">
+            <a:extLst>
+              <a:ext uri="{FF2B5EF4-FFF2-40B4-BE49-F238E27FC236}">
+                <a16:creationId xmlns:a16="http://schemas.microsoft.com/office/drawing/2014/main" id="{28F6A9B9-6F0A-47EA-9D99-CB077C62D34D}"/>
+              </a:ext>
+            </a:extLst>
+          </p:cNvPr>
+          <p:cNvSpPr/>
+          <p:nvPr/>
+        </p:nvSpPr>
+        <p:spPr>
+          <a:xfrm>
+            <a:off x="4702413" y="4638296"/>
+            <a:ext cx="1606858" cy="411348"/>
+          </a:xfrm>
+          <a:prstGeom prst="rightArrow">
+            <a:avLst>
+              <a:gd name="adj1" fmla="val 27602"/>
+              <a:gd name="adj2" fmla="val 55599"/>
+            </a:avLst>
+          </a:prstGeom>
+        </p:spPr>
+        <p:style>
+          <a:lnRef idx="3">
+            <a:schemeClr val="lt1"/>
+          </a:lnRef>
+          <a:fillRef idx="1">
+            <a:schemeClr val="accent3"/>
+          </a:fillRef>
+          <a:effectRef idx="1">
+            <a:schemeClr val="accent3"/>
+          </a:effectRef>
+          <a:fontRef idx="minor">
+            <a:schemeClr val="lt1"/>
+          </a:fontRef>
+        </p:style>
+        <p:txBody>
+          <a:bodyPr rtlCol="0" anchor="ctr"/>
+          <a:lstStyle/>
+          <a:p>
+            <a:pPr algn="ctr"/>
+            <a:endParaRPr lang="en-US"/>
+          </a:p>
+        </p:txBody>
+      </p:sp>
+      <p:sp>
+        <p:nvSpPr>
+          <p:cNvPr id="16" name="TextBox 15">
+            <a:extLst>
+              <a:ext uri="{FF2B5EF4-FFF2-40B4-BE49-F238E27FC236}">
+                <a16:creationId xmlns:a16="http://schemas.microsoft.com/office/drawing/2014/main" id="{F0E52029-C883-499D-A504-00DE56B17636}"/>
+              </a:ext>
+            </a:extLst>
+          </p:cNvPr>
+          <p:cNvSpPr txBox="1"/>
+          <p:nvPr/>
+        </p:nvSpPr>
+        <p:spPr>
+          <a:xfrm>
+            <a:off x="4603847" y="3818573"/>
+            <a:ext cx="2135061" cy="523220"/>
+          </a:xfrm>
+          <a:prstGeom prst="rect">
+            <a:avLst/>
+          </a:prstGeom>
+          <a:noFill/>
+        </p:spPr>
+        <p:txBody>
+          <a:bodyPr wrap="square" rtlCol="0">
+            <a:spAutoFit/>
+          </a:bodyPr>
+          <a:lstStyle/>
+          <a:p>
+            <a:r>
+              <a:rPr lang="en-US" sz="1400" dirty="0">
+                <a:latin typeface="Segoe UI" panose="020B0502040204020203" pitchFamily="34" charset="0"/>
+                <a:cs typeface="Segoe UI" panose="020B0502040204020203" pitchFamily="34" charset="0"/>
+              </a:rPr>
+              <a:t>From traces, the DFA is generated:</a:t>
+            </a:r>
+          </a:p>
+        </p:txBody>
+      </p:sp>
+    </p:spTree>
+    <p:extLst>
+      <p:ext uri="{BB962C8B-B14F-4D97-AF65-F5344CB8AC3E}">
+        <p14:creationId xmlns:p14="http://schemas.microsoft.com/office/powerpoint/2010/main" val="3507339994"/>
+      </p:ext>
+    </p:extLst>
+  </p:cSld>
+  <p:clrMapOvr>
+    <a:masterClrMapping/>
+  </p:clrMapOvr>
+</p:sld>
+</file>
+
+<file path=ppt/slides/slide9.xml><?xml version="1.0" encoding="utf-8"?>
+<p:sld xmlns:a="http://schemas.openxmlformats.org/drawingml/2006/main" xmlns:r="http://schemas.openxmlformats.org/officeDocument/2006/relationships" xmlns:p="http://schemas.openxmlformats.org/presentationml/2006/main">
+  <p:cSld>
+    <p:spTree>
+      <p:nvGrpSpPr>
+        <p:cNvPr id="1" name=""/>
+        <p:cNvGrpSpPr/>
+        <p:nvPr/>
+      </p:nvGrpSpPr>
+      <p:grpSpPr>
+        <a:xfrm>
+          <a:off x="0" y="0"/>
+          <a:ext cx="0" cy="0"/>
+          <a:chOff x="0" y="0"/>
+          <a:chExt cx="0" cy="0"/>
+        </a:xfrm>
+      </p:grpSpPr>
+      <p:pic>
+        <p:nvPicPr>
+          <p:cNvPr id="13" name="Graphic 12">
+            <a:extLst>
+              <a:ext uri="{FF2B5EF4-FFF2-40B4-BE49-F238E27FC236}">
+                <a16:creationId xmlns:a16="http://schemas.microsoft.com/office/drawing/2014/main" id="{4CE350D8-AFD3-48E0-897F-AAD3E867F2D5}"/>
+              </a:ext>
+            </a:extLst>
+          </p:cNvPr>
+          <p:cNvPicPr>
+            <a:picLocks noChangeAspect="1"/>
+          </p:cNvPicPr>
+          <p:nvPr/>
+        </p:nvPicPr>
+        <p:blipFill rotWithShape="1">
+          <a:blip r:embed="rId2">
+            <a:extLst>
+              <a:ext uri="{28A0092B-C50C-407E-A947-70E740481C1C}">
+                <a14:useLocalDpi xmlns:a14="http://schemas.microsoft.com/office/drawing/2010/main" val="0"/>
+              </a:ext>
+              <a:ext uri="{96DAC541-7B7A-43D3-8B79-37D633B846F1}">
+                <asvg:svgBlip xmlns:asvg="http://schemas.microsoft.com/office/drawing/2016/SVG/main" r:embed="rId3"/>
+              </a:ext>
+            </a:extLst>
+          </a:blip>
+          <a:srcRect t="9269" r="8240"/>
+          <a:stretch/>
+        </p:blipFill>
+        <p:spPr>
+          <a:xfrm>
+            <a:off x="3048000" y="383901"/>
+            <a:ext cx="9144000" cy="3163079"/>
+          </a:xfrm>
+          <a:prstGeom prst="rect">
+            <a:avLst/>
+          </a:prstGeom>
+        </p:spPr>
+      </p:pic>
+      <p:sp>
+        <p:nvSpPr>
+          <p:cNvPr id="2" name="Title 1">
+            <a:extLst>
+              <a:ext uri="{FF2B5EF4-FFF2-40B4-BE49-F238E27FC236}">
+                <a16:creationId xmlns:a16="http://schemas.microsoft.com/office/drawing/2014/main" id="{97B28175-D332-4E0A-A780-4C2BEADA35F3}"/>
+              </a:ext>
+            </a:extLst>
+          </p:cNvPr>
+          <p:cNvSpPr>
+            <a:spLocks noGrp="1"/>
+          </p:cNvSpPr>
+          <p:nvPr>
+            <p:ph type="title"/>
+          </p:nvPr>
+        </p:nvSpPr>
+        <p:spPr>
+          <a:xfrm>
+            <a:off x="160429" y="0"/>
+            <a:ext cx="5432708" cy="1325563"/>
+          </a:xfrm>
+        </p:spPr>
+        <p:txBody>
+          <a:bodyPr/>
+          <a:lstStyle/>
+          <a:p>
+            <a:r>
+              <a:rPr lang="en-US" dirty="0">
+                <a:latin typeface="Segoe UI" panose="020B0502040204020203" pitchFamily="34" charset="0"/>
+                <a:cs typeface="Segoe UI" panose="020B0502040204020203" pitchFamily="34" charset="0"/>
+              </a:rPr>
+              <a:t>Minecraft - Diagrams</a:t>
+            </a:r>
+          </a:p>
+        </p:txBody>
+      </p:sp>
+      <p:sp>
+        <p:nvSpPr>
+          <p:cNvPr id="8" name="TextBox 7">
+            <a:extLst>
+              <a:ext uri="{FF2B5EF4-FFF2-40B4-BE49-F238E27FC236}">
+                <a16:creationId xmlns:a16="http://schemas.microsoft.com/office/drawing/2014/main" id="{BC86A4A1-9831-4F28-9828-03840F88C7D7}"/>
+              </a:ext>
+            </a:extLst>
+          </p:cNvPr>
+          <p:cNvSpPr txBox="1"/>
+          <p:nvPr/>
+        </p:nvSpPr>
+        <p:spPr>
+          <a:xfrm>
+            <a:off x="766919" y="1264426"/>
+            <a:ext cx="1792863" cy="369332"/>
+          </a:xfrm>
+          <a:prstGeom prst="rect">
+            <a:avLst/>
+          </a:prstGeom>
+          <a:noFill/>
+        </p:spPr>
+        <p:txBody>
+          <a:bodyPr wrap="none" rtlCol="0">
+            <a:spAutoFit/>
+          </a:bodyPr>
+          <a:lstStyle/>
+          <a:p>
+            <a:r>
+              <a:rPr lang="en-US" dirty="0">
+                <a:latin typeface="Segoe UI" panose="020B0502040204020203" pitchFamily="34" charset="0"/>
+                <a:cs typeface="Segoe UI" panose="020B0502040204020203" pitchFamily="34" charset="0"/>
+              </a:rPr>
+              <a:t>True automaton</a:t>
+            </a:r>
+          </a:p>
+        </p:txBody>
+      </p:sp>
+      <p:sp>
+        <p:nvSpPr>
+          <p:cNvPr id="9" name="TextBox 8">
+            <a:extLst>
+              <a:ext uri="{FF2B5EF4-FFF2-40B4-BE49-F238E27FC236}">
+                <a16:creationId xmlns:a16="http://schemas.microsoft.com/office/drawing/2014/main" id="{B8A9C2E9-4C62-4797-A747-0EFEA7DAC690}"/>
+              </a:ext>
+            </a:extLst>
+          </p:cNvPr>
+          <p:cNvSpPr txBox="1"/>
+          <p:nvPr/>
+        </p:nvSpPr>
+        <p:spPr>
+          <a:xfrm>
+            <a:off x="702020" y="3789841"/>
+            <a:ext cx="2174763" cy="369332"/>
+          </a:xfrm>
+          <a:prstGeom prst="rect">
+            <a:avLst/>
+          </a:prstGeom>
+          <a:noFill/>
+        </p:spPr>
+        <p:txBody>
+          <a:bodyPr wrap="none" rtlCol="0">
+            <a:spAutoFit/>
+          </a:bodyPr>
+          <a:lstStyle/>
+          <a:p>
+            <a:r>
+              <a:rPr lang="en-US" dirty="0">
+                <a:latin typeface="Segoe UI" panose="020B0502040204020203" pitchFamily="34" charset="0"/>
+                <a:cs typeface="Segoe UI" panose="020B0502040204020203" pitchFamily="34" charset="0"/>
+              </a:rPr>
+              <a:t>Learned automaton</a:t>
+            </a:r>
+          </a:p>
+        </p:txBody>
+      </p:sp>
+      <p:pic>
+        <p:nvPicPr>
+          <p:cNvPr id="15" name="Graphic 14">
+            <a:extLst>
+              <a:ext uri="{FF2B5EF4-FFF2-40B4-BE49-F238E27FC236}">
+                <a16:creationId xmlns:a16="http://schemas.microsoft.com/office/drawing/2014/main" id="{C40AFC35-EE03-4AC8-9927-4F82F183EBC2}"/>
+              </a:ext>
+            </a:extLst>
+          </p:cNvPr>
+          <p:cNvPicPr>
+            <a:picLocks noChangeAspect="1"/>
+          </p:cNvPicPr>
+          <p:nvPr/>
+        </p:nvPicPr>
+        <p:blipFill>
+          <a:blip r:embed="rId4">
+            <a:extLst>
+              <a:ext uri="{28A0092B-C50C-407E-A947-70E740481C1C}">
+                <a14:useLocalDpi xmlns:a14="http://schemas.microsoft.com/office/drawing/2010/main" val="0"/>
+              </a:ext>
+              <a:ext uri="{96DAC541-7B7A-43D3-8B79-37D633B846F1}">
+                <asvg:svgBlip xmlns:asvg="http://schemas.microsoft.com/office/drawing/2016/SVG/main" r:embed="rId5"/>
+              </a:ext>
+            </a:extLst>
+          </a:blip>
+          <a:stretch>
+            <a:fillRect/>
+          </a:stretch>
+        </p:blipFill>
+        <p:spPr>
+          <a:xfrm>
+            <a:off x="3820389" y="3843333"/>
+            <a:ext cx="7238438" cy="2630766"/>
+          </a:xfrm>
+          <a:prstGeom prst="rect">
+            <a:avLst/>
+          </a:prstGeom>
+        </p:spPr>
+      </p:pic>
+    </p:spTree>
+    <p:extLst>
+      <p:ext uri="{BB962C8B-B14F-4D97-AF65-F5344CB8AC3E}">
+        <p14:creationId xmlns:p14="http://schemas.microsoft.com/office/powerpoint/2010/main" val="1881908719"/>
       </p:ext>
     </p:extLst>
   </p:cSld>

--- a/ImitationLearningRB_Presentation.pptx
+++ b/ImitationLearningRB_Presentation.pptx
@@ -310,7 +310,7 @@
           <a:p>
             <a:fld id="{F6EFD65E-F00A-4C2B-A5CD-E5B5AFC756C4}" type="datetimeFigureOut">
               <a:rPr lang="ru-RU" smtClean="0"/>
-              <a:t>16.05.2020</a:t>
+              <a:t>17.05.2020</a:t>
             </a:fld>
             <a:endParaRPr lang="ru-RU"/>
           </a:p>
@@ -478,7 +478,7 @@
           <a:p>
             <a:fld id="{F6EFD65E-F00A-4C2B-A5CD-E5B5AFC756C4}" type="datetimeFigureOut">
               <a:rPr lang="ru-RU" smtClean="0"/>
-              <a:t>16.05.2020</a:t>
+              <a:t>17.05.2020</a:t>
             </a:fld>
             <a:endParaRPr lang="ru-RU"/>
           </a:p>
@@ -656,7 +656,7 @@
           <a:p>
             <a:fld id="{F6EFD65E-F00A-4C2B-A5CD-E5B5AFC756C4}" type="datetimeFigureOut">
               <a:rPr lang="ru-RU" smtClean="0"/>
-              <a:t>16.05.2020</a:t>
+              <a:t>17.05.2020</a:t>
             </a:fld>
             <a:endParaRPr lang="ru-RU"/>
           </a:p>
@@ -824,7 +824,7 @@
           <a:p>
             <a:fld id="{F6EFD65E-F00A-4C2B-A5CD-E5B5AFC756C4}" type="datetimeFigureOut">
               <a:rPr lang="ru-RU" smtClean="0"/>
-              <a:t>16.05.2020</a:t>
+              <a:t>17.05.2020</a:t>
             </a:fld>
             <a:endParaRPr lang="ru-RU"/>
           </a:p>
@@ -1069,7 +1069,7 @@
           <a:p>
             <a:fld id="{F6EFD65E-F00A-4C2B-A5CD-E5B5AFC756C4}" type="datetimeFigureOut">
               <a:rPr lang="ru-RU" smtClean="0"/>
-              <a:t>16.05.2020</a:t>
+              <a:t>17.05.2020</a:t>
             </a:fld>
             <a:endParaRPr lang="ru-RU"/>
           </a:p>
@@ -1298,7 +1298,7 @@
           <a:p>
             <a:fld id="{F6EFD65E-F00A-4C2B-A5CD-E5B5AFC756C4}" type="datetimeFigureOut">
               <a:rPr lang="ru-RU" smtClean="0"/>
-              <a:t>16.05.2020</a:t>
+              <a:t>17.05.2020</a:t>
             </a:fld>
             <a:endParaRPr lang="ru-RU"/>
           </a:p>
@@ -1662,7 +1662,7 @@
           <a:p>
             <a:fld id="{F6EFD65E-F00A-4C2B-A5CD-E5B5AFC756C4}" type="datetimeFigureOut">
               <a:rPr lang="ru-RU" smtClean="0"/>
-              <a:t>16.05.2020</a:t>
+              <a:t>17.05.2020</a:t>
             </a:fld>
             <a:endParaRPr lang="ru-RU"/>
           </a:p>
@@ -1779,7 +1779,7 @@
           <a:p>
             <a:fld id="{F6EFD65E-F00A-4C2B-A5CD-E5B5AFC756C4}" type="datetimeFigureOut">
               <a:rPr lang="ru-RU" smtClean="0"/>
-              <a:t>16.05.2020</a:t>
+              <a:t>17.05.2020</a:t>
             </a:fld>
             <a:endParaRPr lang="ru-RU"/>
           </a:p>
@@ -1874,7 +1874,7 @@
           <a:p>
             <a:fld id="{F6EFD65E-F00A-4C2B-A5CD-E5B5AFC756C4}" type="datetimeFigureOut">
               <a:rPr lang="ru-RU" smtClean="0"/>
-              <a:t>16.05.2020</a:t>
+              <a:t>17.05.2020</a:t>
             </a:fld>
             <a:endParaRPr lang="ru-RU"/>
           </a:p>
@@ -2149,7 +2149,7 @@
           <a:p>
             <a:fld id="{F6EFD65E-F00A-4C2B-A5CD-E5B5AFC756C4}" type="datetimeFigureOut">
               <a:rPr lang="ru-RU" smtClean="0"/>
-              <a:t>16.05.2020</a:t>
+              <a:t>17.05.2020</a:t>
             </a:fld>
             <a:endParaRPr lang="ru-RU"/>
           </a:p>
@@ -2401,7 +2401,7 @@
           <a:p>
             <a:fld id="{F6EFD65E-F00A-4C2B-A5CD-E5B5AFC756C4}" type="datetimeFigureOut">
               <a:rPr lang="ru-RU" smtClean="0"/>
-              <a:t>16.05.2020</a:t>
+              <a:t>17.05.2020</a:t>
             </a:fld>
             <a:endParaRPr lang="ru-RU"/>
           </a:p>
@@ -2612,7 +2612,7 @@
           <a:p>
             <a:fld id="{F6EFD65E-F00A-4C2B-A5CD-E5B5AFC756C4}" type="datetimeFigureOut">
               <a:rPr lang="ru-RU" smtClean="0"/>
-              <a:t>16.05.2020</a:t>
+              <a:t>17.05.2020</a:t>
             </a:fld>
             <a:endParaRPr lang="ru-RU"/>
           </a:p>
@@ -3099,11 +3099,35 @@
             <a:pPr algn="ctr"/>
             <a:r>
               <a:rPr lang="en-US" sz="4400" dirty="0">
+                <a:latin typeface="lmroman10-regular" panose="00000500000000000000" pitchFamily="50" charset="0"/>
+                <a:ea typeface="Adobe Gothic Std B" panose="020B0800000000000000" pitchFamily="34" charset="-128"/>
+                <a:cs typeface="Adobe Arabic" panose="02040503050201020203" pitchFamily="18" charset="-78"/>
+              </a:rPr>
+              <a:t>Imitation</a:t>
+            </a:r>
+            <a:r>
+              <a:rPr lang="en-US" sz="4400" dirty="0">
                 <a:latin typeface="Adobe Arabic" panose="02040503050201020203" pitchFamily="18" charset="-78"/>
                 <a:ea typeface="Adobe Gothic Std B" panose="020B0800000000000000" pitchFamily="34" charset="-128"/>
                 <a:cs typeface="Adobe Arabic" panose="02040503050201020203" pitchFamily="18" charset="-78"/>
               </a:rPr>
-              <a:t>Imitation Learning over Heterogeneous Agents with Restraining Bolts </a:t>
+              <a:t> </a:t>
+            </a:r>
+            <a:r>
+              <a:rPr lang="en-US" sz="4400" dirty="0">
+                <a:latin typeface="lmroman10-italic" panose="00000500000000000000" pitchFamily="50" charset="0"/>
+                <a:ea typeface="Adobe Gothic Std B" panose="020B0800000000000000" pitchFamily="34" charset="-128"/>
+                <a:cs typeface="Adobe Arabic" panose="02040503050201020203" pitchFamily="18" charset="-78"/>
+              </a:rPr>
+              <a:t>Learning</a:t>
+            </a:r>
+            <a:r>
+              <a:rPr lang="en-US" sz="4400" dirty="0">
+                <a:latin typeface="Adobe Arabic" panose="02040503050201020203" pitchFamily="18" charset="-78"/>
+                <a:ea typeface="Adobe Gothic Std B" panose="020B0800000000000000" pitchFamily="34" charset="-128"/>
+                <a:cs typeface="Adobe Arabic" panose="02040503050201020203" pitchFamily="18" charset="-78"/>
+              </a:rPr>
+              <a:t> over Heterogeneous Agents with Restraining Bolts </a:t>
             </a:r>
           </a:p>
         </p:txBody>
@@ -5561,10 +5585,124 @@
       </p:sp>
       <p:pic>
         <p:nvPicPr>
-          <p:cNvPr id="5" name="Graphic 4">
+          <p:cNvPr id="7" name="Graphic 6">
             <a:extLst>
               <a:ext uri="{FF2B5EF4-FFF2-40B4-BE49-F238E27FC236}">
-                <a16:creationId xmlns:a16="http://schemas.microsoft.com/office/drawing/2014/main" id="{F7670FF5-4482-4B78-9ECA-9C07DAFDF7FF}"/>
+                <a16:creationId xmlns:a16="http://schemas.microsoft.com/office/drawing/2014/main" id="{D466980F-3732-4E5E-8569-42616FCD2DD1}"/>
+              </a:ext>
+            </a:extLst>
+          </p:cNvPr>
+          <p:cNvPicPr>
+            <a:picLocks noChangeAspect="1"/>
+          </p:cNvPicPr>
+          <p:nvPr/>
+        </p:nvPicPr>
+        <p:blipFill rotWithShape="1">
+          <a:blip r:embed="rId2">
+            <a:extLst>
+              <a:ext uri="{28A0092B-C50C-407E-A947-70E740481C1C}">
+                <a14:useLocalDpi xmlns:a14="http://schemas.microsoft.com/office/drawing/2010/main" val="0"/>
+              </a:ext>
+              <a:ext uri="{96DAC541-7B7A-43D3-8B79-37D633B846F1}">
+                <asvg:svgBlip xmlns:asvg="http://schemas.microsoft.com/office/drawing/2016/SVG/main" r:embed="rId3"/>
+              </a:ext>
+            </a:extLst>
+          </a:blip>
+          <a:srcRect r="11377"/>
+          <a:stretch/>
+        </p:blipFill>
+        <p:spPr>
+          <a:xfrm>
+            <a:off x="639194" y="2145845"/>
+            <a:ext cx="8185210" cy="3540534"/>
+          </a:xfrm>
+          <a:prstGeom prst="rect">
+            <a:avLst/>
+          </a:prstGeom>
+        </p:spPr>
+      </p:pic>
+      <p:sp>
+        <p:nvSpPr>
+          <p:cNvPr id="8" name="TextBox 7">
+            <a:extLst>
+              <a:ext uri="{FF2B5EF4-FFF2-40B4-BE49-F238E27FC236}">
+                <a16:creationId xmlns:a16="http://schemas.microsoft.com/office/drawing/2014/main" id="{BC86A4A1-9831-4F28-9828-03840F88C7D7}"/>
+              </a:ext>
+            </a:extLst>
+          </p:cNvPr>
+          <p:cNvSpPr txBox="1"/>
+          <p:nvPr/>
+        </p:nvSpPr>
+        <p:spPr>
+          <a:xfrm>
+            <a:off x="3258104" y="1776513"/>
+            <a:ext cx="1792863" cy="369332"/>
+          </a:xfrm>
+          <a:prstGeom prst="rect">
+            <a:avLst/>
+          </a:prstGeom>
+          <a:noFill/>
+        </p:spPr>
+        <p:txBody>
+          <a:bodyPr wrap="none" rtlCol="0">
+            <a:spAutoFit/>
+          </a:bodyPr>
+          <a:lstStyle/>
+          <a:p>
+            <a:r>
+              <a:rPr lang="en-US" dirty="0">
+                <a:latin typeface="Segoe UI" panose="020B0502040204020203" pitchFamily="34" charset="0"/>
+                <a:cs typeface="Segoe UI" panose="020B0502040204020203" pitchFamily="34" charset="0"/>
+              </a:rPr>
+              <a:t>True automaton</a:t>
+            </a:r>
+          </a:p>
+        </p:txBody>
+      </p:sp>
+      <p:sp>
+        <p:nvSpPr>
+          <p:cNvPr id="9" name="TextBox 8">
+            <a:extLst>
+              <a:ext uri="{FF2B5EF4-FFF2-40B4-BE49-F238E27FC236}">
+                <a16:creationId xmlns:a16="http://schemas.microsoft.com/office/drawing/2014/main" id="{B8A9C2E9-4C62-4797-A747-0EFEA7DAC690}"/>
+              </a:ext>
+            </a:extLst>
+          </p:cNvPr>
+          <p:cNvSpPr txBox="1"/>
+          <p:nvPr/>
+        </p:nvSpPr>
+        <p:spPr>
+          <a:xfrm>
+            <a:off x="8469296" y="1776513"/>
+            <a:ext cx="2174763" cy="369332"/>
+          </a:xfrm>
+          <a:prstGeom prst="rect">
+            <a:avLst/>
+          </a:prstGeom>
+          <a:noFill/>
+        </p:spPr>
+        <p:txBody>
+          <a:bodyPr wrap="none" rtlCol="0">
+            <a:spAutoFit/>
+          </a:bodyPr>
+          <a:lstStyle/>
+          <a:p>
+            <a:r>
+              <a:rPr lang="en-US" dirty="0">
+                <a:latin typeface="Segoe UI" panose="020B0502040204020203" pitchFamily="34" charset="0"/>
+                <a:cs typeface="Segoe UI" panose="020B0502040204020203" pitchFamily="34" charset="0"/>
+              </a:rPr>
+              <a:t>Learned automaton</a:t>
+            </a:r>
+          </a:p>
+        </p:txBody>
+      </p:sp>
+      <p:pic>
+        <p:nvPicPr>
+          <p:cNvPr id="10" name="Picture 9">
+            <a:extLst>
+              <a:ext uri="{FF2B5EF4-FFF2-40B4-BE49-F238E27FC236}">
+                <a16:creationId xmlns:a16="http://schemas.microsoft.com/office/drawing/2014/main" id="{696E9F9A-545B-4663-A7C6-50F145227FB4}"/>
               </a:ext>
             </a:extLst>
           </p:cNvPr>
@@ -5574,24 +5712,15 @@
           <p:nvPr/>
         </p:nvPicPr>
         <p:blipFill>
-          <a:blip r:embed="rId2">
-            <a:extLst>
-              <a:ext uri="{28A0092B-C50C-407E-A947-70E740481C1C}">
-                <a14:useLocalDpi xmlns:a14="http://schemas.microsoft.com/office/drawing/2010/main" val="0"/>
-              </a:ext>
-              <a:ext uri="{96DAC541-7B7A-43D3-8B79-37D633B846F1}">
-                <asvg:svgBlip xmlns:asvg="http://schemas.microsoft.com/office/drawing/2016/SVG/main" r:embed="rId3"/>
-              </a:ext>
-            </a:extLst>
-          </a:blip>
+          <a:blip r:embed="rId4"/>
           <a:stretch>
             <a:fillRect/>
           </a:stretch>
         </p:blipFill>
         <p:spPr>
           <a:xfrm>
-            <a:off x="8327995" y="2395367"/>
-            <a:ext cx="2683508" cy="3455017"/>
+            <a:off x="0" y="0"/>
+            <a:ext cx="1005414" cy="1850876"/>
           </a:xfrm>
           <a:prstGeom prst="rect">
             <a:avLst/>
@@ -5600,124 +5729,10 @@
       </p:pic>
       <p:pic>
         <p:nvPicPr>
-          <p:cNvPr id="7" name="Graphic 6">
+          <p:cNvPr id="5" name="Graphic 4">
             <a:extLst>
               <a:ext uri="{FF2B5EF4-FFF2-40B4-BE49-F238E27FC236}">
-                <a16:creationId xmlns:a16="http://schemas.microsoft.com/office/drawing/2014/main" id="{D466980F-3732-4E5E-8569-42616FCD2DD1}"/>
-              </a:ext>
-            </a:extLst>
-          </p:cNvPr>
-          <p:cNvPicPr>
-            <a:picLocks noChangeAspect="1"/>
-          </p:cNvPicPr>
-          <p:nvPr/>
-        </p:nvPicPr>
-        <p:blipFill rotWithShape="1">
-          <a:blip r:embed="rId4">
-            <a:extLst>
-              <a:ext uri="{28A0092B-C50C-407E-A947-70E740481C1C}">
-                <a14:useLocalDpi xmlns:a14="http://schemas.microsoft.com/office/drawing/2010/main" val="0"/>
-              </a:ext>
-              <a:ext uri="{96DAC541-7B7A-43D3-8B79-37D633B846F1}">
-                <asvg:svgBlip xmlns:asvg="http://schemas.microsoft.com/office/drawing/2016/SVG/main" r:embed="rId5"/>
-              </a:ext>
-            </a:extLst>
-          </a:blip>
-          <a:srcRect r="11377"/>
-          <a:stretch/>
-        </p:blipFill>
-        <p:spPr>
-          <a:xfrm>
-            <a:off x="639194" y="2145845"/>
-            <a:ext cx="7375852" cy="3540534"/>
-          </a:xfrm>
-          <a:prstGeom prst="rect">
-            <a:avLst/>
-          </a:prstGeom>
-        </p:spPr>
-      </p:pic>
-      <p:sp>
-        <p:nvSpPr>
-          <p:cNvPr id="8" name="TextBox 7">
-            <a:extLst>
-              <a:ext uri="{FF2B5EF4-FFF2-40B4-BE49-F238E27FC236}">
-                <a16:creationId xmlns:a16="http://schemas.microsoft.com/office/drawing/2014/main" id="{BC86A4A1-9831-4F28-9828-03840F88C7D7}"/>
-              </a:ext>
-            </a:extLst>
-          </p:cNvPr>
-          <p:cNvSpPr txBox="1"/>
-          <p:nvPr/>
-        </p:nvSpPr>
-        <p:spPr>
-          <a:xfrm>
-            <a:off x="3258104" y="1776513"/>
-            <a:ext cx="1792863" cy="369332"/>
-          </a:xfrm>
-          <a:prstGeom prst="rect">
-            <a:avLst/>
-          </a:prstGeom>
-          <a:noFill/>
-        </p:spPr>
-        <p:txBody>
-          <a:bodyPr wrap="none" rtlCol="0">
-            <a:spAutoFit/>
-          </a:bodyPr>
-          <a:lstStyle/>
-          <a:p>
-            <a:r>
-              <a:rPr lang="en-US" dirty="0">
-                <a:latin typeface="Segoe UI" panose="020B0502040204020203" pitchFamily="34" charset="0"/>
-                <a:cs typeface="Segoe UI" panose="020B0502040204020203" pitchFamily="34" charset="0"/>
-              </a:rPr>
-              <a:t>True automaton</a:t>
-            </a:r>
-          </a:p>
-        </p:txBody>
-      </p:sp>
-      <p:sp>
-        <p:nvSpPr>
-          <p:cNvPr id="9" name="TextBox 8">
-            <a:extLst>
-              <a:ext uri="{FF2B5EF4-FFF2-40B4-BE49-F238E27FC236}">
-                <a16:creationId xmlns:a16="http://schemas.microsoft.com/office/drawing/2014/main" id="{B8A9C2E9-4C62-4797-A747-0EFEA7DAC690}"/>
-              </a:ext>
-            </a:extLst>
-          </p:cNvPr>
-          <p:cNvSpPr txBox="1"/>
-          <p:nvPr/>
-        </p:nvSpPr>
-        <p:spPr>
-          <a:xfrm>
-            <a:off x="8469296" y="1776513"/>
-            <a:ext cx="2174763" cy="369332"/>
-          </a:xfrm>
-          <a:prstGeom prst="rect">
-            <a:avLst/>
-          </a:prstGeom>
-          <a:noFill/>
-        </p:spPr>
-        <p:txBody>
-          <a:bodyPr wrap="none" rtlCol="0">
-            <a:spAutoFit/>
-          </a:bodyPr>
-          <a:lstStyle/>
-          <a:p>
-            <a:r>
-              <a:rPr lang="en-US" dirty="0">
-                <a:latin typeface="Segoe UI" panose="020B0502040204020203" pitchFamily="34" charset="0"/>
-                <a:cs typeface="Segoe UI" panose="020B0502040204020203" pitchFamily="34" charset="0"/>
-              </a:rPr>
-              <a:t>Learned automaton</a:t>
-            </a:r>
-          </a:p>
-        </p:txBody>
-      </p:sp>
-      <p:pic>
-        <p:nvPicPr>
-          <p:cNvPr id="10" name="Picture 9">
-            <a:extLst>
-              <a:ext uri="{FF2B5EF4-FFF2-40B4-BE49-F238E27FC236}">
-                <a16:creationId xmlns:a16="http://schemas.microsoft.com/office/drawing/2014/main" id="{696E9F9A-545B-4663-A7C6-50F145227FB4}"/>
+                <a16:creationId xmlns:a16="http://schemas.microsoft.com/office/drawing/2014/main" id="{F7670FF5-4482-4B78-9ECA-9C07DAFDF7FF}"/>
               </a:ext>
             </a:extLst>
           </p:cNvPr>
@@ -5727,15 +5742,24 @@
           <p:nvPr/>
         </p:nvPicPr>
         <p:blipFill>
-          <a:blip r:embed="rId6"/>
+          <a:blip r:embed="rId5">
+            <a:extLst>
+              <a:ext uri="{28A0092B-C50C-407E-A947-70E740481C1C}">
+                <a14:useLocalDpi xmlns:a14="http://schemas.microsoft.com/office/drawing/2010/main" val="0"/>
+              </a:ext>
+              <a:ext uri="{96DAC541-7B7A-43D3-8B79-37D633B846F1}">
+                <asvg:svgBlip xmlns:asvg="http://schemas.microsoft.com/office/drawing/2016/SVG/main" r:embed="rId6"/>
+              </a:ext>
+            </a:extLst>
+          </a:blip>
           <a:stretch>
             <a:fillRect/>
           </a:stretch>
         </p:blipFill>
         <p:spPr>
           <a:xfrm>
-            <a:off x="0" y="0"/>
-            <a:ext cx="1005414" cy="1850876"/>
+            <a:off x="8327995" y="2395367"/>
+            <a:ext cx="2683508" cy="3455017"/>
           </a:xfrm>
           <a:prstGeom prst="rect">
             <a:avLst/>
@@ -6311,7 +6335,7 @@
         <p:spPr>
           <a:xfrm>
             <a:off x="1005414" y="1675726"/>
-            <a:ext cx="6904590" cy="276999"/>
+            <a:ext cx="5173444" cy="276999"/>
           </a:xfrm>
           <a:prstGeom prst="rect">
             <a:avLst/>
@@ -7195,8 +7219,8 @@
         </p:nvGrpSpPr>
         <p:grpSpPr>
           <a:xfrm>
-            <a:off x="7140736" y="238622"/>
-            <a:ext cx="3240843" cy="3102345"/>
+            <a:off x="7365142" y="267294"/>
+            <a:ext cx="2894849" cy="3122535"/>
             <a:chOff x="8284551" y="154222"/>
             <a:chExt cx="2902035" cy="2552774"/>
           </a:xfrm>
